--- a/AA_WorkAssignment_Pres.pptx
+++ b/AA_WorkAssignment_Pres.pptx
@@ -12,15 +12,15 @@
   </p:handoutMasterIdLst>
   <p:sldIdLst>
     <p:sldId id="257" r:id="rId5"/>
-    <p:sldId id="268" r:id="rId6"/>
-    <p:sldId id="267" r:id="rId7"/>
-    <p:sldId id="276" r:id="rId8"/>
-    <p:sldId id="269" r:id="rId9"/>
-    <p:sldId id="270" r:id="rId10"/>
+    <p:sldId id="267" r:id="rId6"/>
+    <p:sldId id="276" r:id="rId7"/>
+    <p:sldId id="269" r:id="rId8"/>
+    <p:sldId id="270" r:id="rId9"/>
+    <p:sldId id="277" r:id="rId10"/>
     <p:sldId id="262" r:id="rId11"/>
     <p:sldId id="275" r:id="rId12"/>
-    <p:sldId id="272" r:id="rId13"/>
-    <p:sldId id="274" r:id="rId14"/>
+    <p:sldId id="278" r:id="rId13"/>
+    <p:sldId id="279" r:id="rId14"/>
   </p:sldIdLst>
   <p:sldSz cx="12188825" cy="6858000"/>
   <p:notesSz cx="6858000" cy="9144000"/>
@@ -1112,18 +1112,9 @@
         <a:p>
           <a:pPr rtl="0"/>
           <a:r>
-            <a:rPr lang="pt-pt" dirty="0" err="1"/>
-            <a:t>First</a:t>
+            <a:rPr lang="pt-pt" dirty="0"/>
+            <a:t>First Implementations</a:t>
           </a:r>
-          <a:r>
-            <a:rPr lang="pt-pt" dirty="0"/>
-            <a:t> </a:t>
-          </a:r>
-          <a:r>
-            <a:rPr lang="pt-pt" dirty="0" err="1"/>
-            <a:t>Implementation</a:t>
-          </a:r>
-          <a:endParaRPr lang="pt-pt" dirty="0"/>
         </a:p>
       </dgm:t>
       <dgm:extLst>
@@ -1165,10 +1156,21 @@
         <a:p>
           <a:pPr rtl="0"/>
           <a:r>
-            <a:rPr lang="pt-pt" dirty="0" err="1"/>
+            <a:rPr lang="pt-pt" dirty="0"/>
             <a:t>Vectorization</a:t>
           </a:r>
-          <a:endParaRPr lang="pt-pt" dirty="0"/>
+        </a:p>
+      </dgm:t>
+    </dgm:pt>
+    <dgm:pt modelId="{B3EFD4A5-9FA1-4ABE-B722-05162509509B}" type="sibTrans" cxnId="{43DC8383-AEE5-490C-A8E5-1F216F2B8FE6}">
+      <dgm:prSet/>
+      <dgm:spPr/>
+      <dgm:t>
+        <a:bodyPr rtlCol="0"/>
+        <a:lstStyle/>
+        <a:p>
+          <a:pPr rtl="0"/>
+          <a:endParaRPr lang="en-US"/>
         </a:p>
       </dgm:t>
     </dgm:pt>
@@ -1184,57 +1186,23 @@
         </a:p>
       </dgm:t>
     </dgm:pt>
-    <dgm:pt modelId="{B3EFD4A5-9FA1-4ABE-B722-05162509509B}" type="sibTrans" cxnId="{43DC8383-AEE5-490C-A8E5-1F216F2B8FE6}">
+    <dgm:pt modelId="{8090CC59-FA9E-4C31-A9A6-6891B874F52D}">
       <dgm:prSet/>
       <dgm:spPr/>
       <dgm:t>
-        <a:bodyPr rtlCol="0"/>
-        <a:lstStyle/>
-        <a:p>
-          <a:pPr rtl="0"/>
-          <a:endParaRPr lang="en-US"/>
-        </a:p>
-      </dgm:t>
-    </dgm:pt>
-    <dgm:pt modelId="{5787D5EC-3137-4AB3-A4B0-10C1C7F9779A}">
-      <dgm:prSet phldrT="[Text]"/>
-      <dgm:spPr>
-        <a:gradFill rotWithShape="0">
-          <a:gsLst>
-            <a:gs pos="0">
-              <a:srgbClr val="703000"/>
-            </a:gs>
-            <a:gs pos="50000">
-              <a:srgbClr val="A44A00"/>
-            </a:gs>
-            <a:gs pos="70000">
-              <a:srgbClr val="BC5500"/>
-            </a:gs>
-            <a:gs pos="100000">
-              <a:srgbClr val="F26D00"/>
-            </a:gs>
-          </a:gsLst>
-        </a:gradFill>
-      </dgm:spPr>
-      <dgm:t>
-        <a:bodyPr rtlCol="0"/>
+        <a:bodyPr/>
         <a:lstStyle/>
         <a:p>
           <a:pPr rtl="0"/>
           <a:r>
-            <a:rPr lang="pt-PT" dirty="0"/>
+            <a:rPr lang="pt-PT"/>
             <a:t>Correct Use of Cache</a:t>
           </a:r>
           <a:endParaRPr lang="pt-pt" dirty="0"/>
         </a:p>
       </dgm:t>
-      <dgm:extLst>
-        <a:ext uri="{E40237B7-FDA0-4F09-8148-C483321AD2D9}">
-          <dgm14:cNvPr xmlns:dgm14="http://schemas.microsoft.com/office/drawing/2010/diagram" id="0" name="" descr="Staggered process showing 3 tasks arranged one below the other and two downward pointing arrows are used to indicate progression from first task to second task and second task to third task."/>
-        </a:ext>
-      </dgm:extLst>
     </dgm:pt>
-    <dgm:pt modelId="{58393780-E235-4F7D-BDC3-4EC78439049C}" type="parTrans" cxnId="{C02F9A04-D582-4FFD-9045-45522962A1FC}">
+    <dgm:pt modelId="{EA94337E-48A5-43BA-B6AA-2CE0DFAF3D2E}" type="parTrans" cxnId="{E1DA4365-7239-4AF1-9C01-945008EDD4DC}">
       <dgm:prSet/>
       <dgm:spPr/>
       <dgm:t>
@@ -1245,7 +1213,7 @@
         </a:p>
       </dgm:t>
     </dgm:pt>
-    <dgm:pt modelId="{7470473B-2D2C-445B-8DE2-81F56C5B2EB9}" type="sibTrans" cxnId="{C02F9A04-D582-4FFD-9045-45522962A1FC}">
+    <dgm:pt modelId="{55B6AE49-D5F2-40E7-B8F5-99BF39AF6620}" type="sibTrans" cxnId="{E1DA4365-7239-4AF1-9C01-945008EDD4DC}">
       <dgm:prSet/>
       <dgm:spPr/>
       <dgm:t>
@@ -1256,45 +1224,22 @@
         </a:p>
       </dgm:t>
     </dgm:pt>
-    <dgm:pt modelId="{389F5887-95D5-4DF5-B0A0-3206E2F7CF2C}">
-      <dgm:prSet phldrT="[Text]"/>
-      <dgm:spPr>
-        <a:gradFill rotWithShape="0">
-          <a:gsLst>
-            <a:gs pos="0">
-              <a:srgbClr val="703000"/>
-            </a:gs>
-            <a:gs pos="50000">
-              <a:srgbClr val="A44A00"/>
-            </a:gs>
-            <a:gs pos="70000">
-              <a:srgbClr val="BC5500"/>
-            </a:gs>
-            <a:gs pos="100000">
-              <a:srgbClr val="F26D00"/>
-            </a:gs>
-          </a:gsLst>
-        </a:gradFill>
-      </dgm:spPr>
+    <dgm:pt modelId="{9D746451-41C5-441F-8810-E86784A3C323}">
+      <dgm:prSet/>
+      <dgm:spPr/>
       <dgm:t>
-        <a:bodyPr rtlCol="0"/>
+        <a:bodyPr/>
         <a:lstStyle/>
         <a:p>
           <a:pPr rtl="0"/>
           <a:r>
-            <a:rPr lang="pt-PT" dirty="0" err="1"/>
+            <a:rPr lang="pt-PT"/>
             <a:t>Blocking</a:t>
           </a:r>
-          <a:endParaRPr lang="pt-pt" dirty="0"/>
         </a:p>
       </dgm:t>
-      <dgm:extLst>
-        <a:ext uri="{E40237B7-FDA0-4F09-8148-C483321AD2D9}">
-          <dgm14:cNvPr xmlns:dgm14="http://schemas.microsoft.com/office/drawing/2010/diagram" id="0" name="" descr="Staggered process showing 3 tasks arranged one below the other and two downward pointing arrows are used to indicate progression from first task to second task and second task to third task."/>
-        </a:ext>
-      </dgm:extLst>
     </dgm:pt>
-    <dgm:pt modelId="{FB1AB2DC-9F32-4A75-BB16-6A6EDDC8AE15}" type="parTrans" cxnId="{EC412747-2C9B-46C8-9D40-3969500C71CE}">
+    <dgm:pt modelId="{2F2B5387-4991-4ABB-AF28-4DD165BAE0F1}" type="parTrans" cxnId="{5319BD67-8169-42F1-B240-1DA61F69F055}">
       <dgm:prSet/>
       <dgm:spPr/>
       <dgm:t>
@@ -1305,7 +1250,7 @@
         </a:p>
       </dgm:t>
     </dgm:pt>
-    <dgm:pt modelId="{C9AC09F3-EF0E-4649-A1AC-DA29DF75E49E}" type="sibTrans" cxnId="{EC412747-2C9B-46C8-9D40-3969500C71CE}">
+    <dgm:pt modelId="{1F73F9A5-E208-4BD2-8BF7-2789B2BD66F6}" type="sibTrans" cxnId="{5319BD67-8169-42F1-B240-1DA61F69F055}">
       <dgm:prSet/>
       <dgm:spPr/>
       <dgm:t>
@@ -1332,7 +1277,7 @@
       </dgm:prSet>
       <dgm:spPr/>
     </dgm:pt>
-    <dgm:pt modelId="{A00DE69C-9C6B-4316-BA64-0422D7B70518}" type="pres">
+    <dgm:pt modelId="{E5E8E39C-2F31-42EA-B569-974BD52FCF3F}" type="pres">
       <dgm:prSet presAssocID="{CD7942A0-B7D2-4B14-8FEA-55FC702F5BE7}" presName="FourNodes_1" presStyleLbl="node1" presStyleIdx="0" presStyleCnt="4">
         <dgm:presLayoutVars>
           <dgm:bulletEnabled val="1"/>
@@ -1340,7 +1285,7 @@
       </dgm:prSet>
       <dgm:spPr/>
     </dgm:pt>
-    <dgm:pt modelId="{177B8919-27CC-4F4A-9B08-ED63CE8462A4}" type="pres">
+    <dgm:pt modelId="{BB0A03CF-73C0-4B4A-B929-FDFFA5084BF0}" type="pres">
       <dgm:prSet presAssocID="{CD7942A0-B7D2-4B14-8FEA-55FC702F5BE7}" presName="FourNodes_2" presStyleLbl="node1" presStyleIdx="1" presStyleCnt="4">
         <dgm:presLayoutVars>
           <dgm:bulletEnabled val="1"/>
@@ -1348,7 +1293,7 @@
       </dgm:prSet>
       <dgm:spPr/>
     </dgm:pt>
-    <dgm:pt modelId="{E3F1B449-4877-494B-9804-9D495A58B314}" type="pres">
+    <dgm:pt modelId="{6B0566BD-8B1F-4B85-AF17-301F3D1A24F0}" type="pres">
       <dgm:prSet presAssocID="{CD7942A0-B7D2-4B14-8FEA-55FC702F5BE7}" presName="FourNodes_3" presStyleLbl="node1" presStyleIdx="2" presStyleCnt="4">
         <dgm:presLayoutVars>
           <dgm:bulletEnabled val="1"/>
@@ -1356,7 +1301,7 @@
       </dgm:prSet>
       <dgm:spPr/>
     </dgm:pt>
-    <dgm:pt modelId="{197029F2-2BE6-4ED5-A453-F696297EEAF9}" type="pres">
+    <dgm:pt modelId="{D190CDB1-F119-4FD7-87EF-8D8C4A53D162}" type="pres">
       <dgm:prSet presAssocID="{CD7942A0-B7D2-4B14-8FEA-55FC702F5BE7}" presName="FourNodes_4" presStyleLbl="node1" presStyleIdx="3" presStyleCnt="4">
         <dgm:presLayoutVars>
           <dgm:bulletEnabled val="1"/>
@@ -1364,7 +1309,7 @@
       </dgm:prSet>
       <dgm:spPr/>
     </dgm:pt>
-    <dgm:pt modelId="{706B3A97-03CB-4D2D-9A10-080024DE7FEA}" type="pres">
+    <dgm:pt modelId="{A9AE7D52-F288-4FC9-A462-2F3472B92FED}" type="pres">
       <dgm:prSet presAssocID="{CD7942A0-B7D2-4B14-8FEA-55FC702F5BE7}" presName="FourConn_1-2" presStyleLbl="fgAccFollowNode1" presStyleIdx="0" presStyleCnt="3">
         <dgm:presLayoutVars>
           <dgm:bulletEnabled val="1"/>
@@ -1372,7 +1317,7 @@
       </dgm:prSet>
       <dgm:spPr/>
     </dgm:pt>
-    <dgm:pt modelId="{9928290F-E5E9-4EF5-BFCB-5C532580CA79}" type="pres">
+    <dgm:pt modelId="{C75DF507-8F47-45F7-A6F3-D5A8C96CCE20}" type="pres">
       <dgm:prSet presAssocID="{CD7942A0-B7D2-4B14-8FEA-55FC702F5BE7}" presName="FourConn_2-3" presStyleLbl="fgAccFollowNode1" presStyleIdx="1" presStyleCnt="3">
         <dgm:presLayoutVars>
           <dgm:bulletEnabled val="1"/>
@@ -1380,7 +1325,7 @@
       </dgm:prSet>
       <dgm:spPr/>
     </dgm:pt>
-    <dgm:pt modelId="{6E0BF0D0-AF11-416D-8BE3-A23FDF593155}" type="pres">
+    <dgm:pt modelId="{FC527772-B970-4EC1-A1A6-B0450870C0C7}" type="pres">
       <dgm:prSet presAssocID="{CD7942A0-B7D2-4B14-8FEA-55FC702F5BE7}" presName="FourConn_3-4" presStyleLbl="fgAccFollowNode1" presStyleIdx="2" presStyleCnt="3">
         <dgm:presLayoutVars>
           <dgm:bulletEnabled val="1"/>
@@ -1388,7 +1333,7 @@
       </dgm:prSet>
       <dgm:spPr/>
     </dgm:pt>
-    <dgm:pt modelId="{F909ACC1-A9A9-4EAC-B46D-964733102F62}" type="pres">
+    <dgm:pt modelId="{382BC47D-AA3D-4E2D-BEB4-7D84FD2BA1F6}" type="pres">
       <dgm:prSet presAssocID="{CD7942A0-B7D2-4B14-8FEA-55FC702F5BE7}" presName="FourNodes_1_text" presStyleLbl="node1" presStyleIdx="3" presStyleCnt="4">
         <dgm:presLayoutVars>
           <dgm:bulletEnabled val="1"/>
@@ -1396,7 +1341,7 @@
       </dgm:prSet>
       <dgm:spPr/>
     </dgm:pt>
-    <dgm:pt modelId="{7ABCAC7A-0357-43EB-827C-41F4CFFC3BBB}" type="pres">
+    <dgm:pt modelId="{0ACC47F1-202A-4CD1-AEAC-A13A6ED963E9}" type="pres">
       <dgm:prSet presAssocID="{CD7942A0-B7D2-4B14-8FEA-55FC702F5BE7}" presName="FourNodes_2_text" presStyleLbl="node1" presStyleIdx="3" presStyleCnt="4">
         <dgm:presLayoutVars>
           <dgm:bulletEnabled val="1"/>
@@ -1404,7 +1349,7 @@
       </dgm:prSet>
       <dgm:spPr/>
     </dgm:pt>
-    <dgm:pt modelId="{D63F8819-7CEF-4261-ADFB-958DE413BF3B}" type="pres">
+    <dgm:pt modelId="{6E65AD8B-E25C-4E2C-9596-E537DBE074DC}" type="pres">
       <dgm:prSet presAssocID="{CD7942A0-B7D2-4B14-8FEA-55FC702F5BE7}" presName="FourNodes_3_text" presStyleLbl="node1" presStyleIdx="3" presStyleCnt="4">
         <dgm:presLayoutVars>
           <dgm:bulletEnabled val="1"/>
@@ -1412,7 +1357,7 @@
       </dgm:prSet>
       <dgm:spPr/>
     </dgm:pt>
-    <dgm:pt modelId="{4B597E86-BBB3-428B-9443-2878708CFE7A}" type="pres">
+    <dgm:pt modelId="{825B395E-2C7E-4ECE-9E73-6BF72566FCA9}" type="pres">
       <dgm:prSet presAssocID="{CD7942A0-B7D2-4B14-8FEA-55FC702F5BE7}" presName="FourNodes_4_text" presStyleLbl="node1" presStyleIdx="3" presStyleCnt="4">
         <dgm:presLayoutVars>
           <dgm:bulletEnabled val="1"/>
@@ -1422,34 +1367,34 @@
     </dgm:pt>
   </dgm:ptLst>
   <dgm:cxnLst>
-    <dgm:cxn modelId="{C02F9A04-D582-4FFD-9045-45522962A1FC}" srcId="{CD7942A0-B7D2-4B14-8FEA-55FC702F5BE7}" destId="{5787D5EC-3137-4AB3-A4B0-10C1C7F9779A}" srcOrd="1" destOrd="0" parTransId="{58393780-E235-4F7D-BDC3-4EC78439049C}" sibTransId="{7470473B-2D2C-445B-8DE2-81F56C5B2EB9}"/>
-    <dgm:cxn modelId="{ED514C1A-93AD-4E17-8072-5A587C227C2D}" type="presOf" srcId="{8EC937D8-BD76-4A12-A3E5-900D5C1E2E05}" destId="{197029F2-2BE6-4ED5-A453-F696297EEAF9}" srcOrd="0" destOrd="0" presId="urn:microsoft.com/office/officeart/2005/8/layout/vProcess5"/>
-    <dgm:cxn modelId="{B3747B64-380D-44E0-8FB0-114DBE4C66EF}" type="presOf" srcId="{389F5887-95D5-4DF5-B0A0-3206E2F7CF2C}" destId="{D63F8819-7CEF-4261-ADFB-958DE413BF3B}" srcOrd="1" destOrd="0" presId="urn:microsoft.com/office/officeart/2005/8/layout/vProcess5"/>
-    <dgm:cxn modelId="{EC412747-2C9B-46C8-9D40-3969500C71CE}" srcId="{CD7942A0-B7D2-4B14-8FEA-55FC702F5BE7}" destId="{389F5887-95D5-4DF5-B0A0-3206E2F7CF2C}" srcOrd="2" destOrd="0" parTransId="{FB1AB2DC-9F32-4A75-BB16-6A6EDDC8AE15}" sibTransId="{C9AC09F3-EF0E-4649-A1AC-DA29DF75E49E}"/>
-    <dgm:cxn modelId="{5BA74C69-41F9-40CB-862C-7664D3084751}" type="presOf" srcId="{389F5887-95D5-4DF5-B0A0-3206E2F7CF2C}" destId="{E3F1B449-4877-494B-9804-9D495A58B314}" srcOrd="0" destOrd="0" presId="urn:microsoft.com/office/officeart/2005/8/layout/vProcess5"/>
-    <dgm:cxn modelId="{8BFCC275-866F-48ED-8A35-9735CBBE4DE7}" type="presOf" srcId="{095A5E99-E976-4550-8F80-53CC813F2F5A}" destId="{A00DE69C-9C6B-4316-BA64-0422D7B70518}" srcOrd="0" destOrd="0" presId="urn:microsoft.com/office/officeart/2005/8/layout/vProcess5"/>
+    <dgm:cxn modelId="{C7ED6D0D-D5AC-4B5D-A529-2897643996FB}" type="presOf" srcId="{1F73F9A5-E208-4BD2-8BF7-2789B2BD66F6}" destId="{FC527772-B970-4EC1-A1A6-B0450870C0C7}" srcOrd="0" destOrd="0" presId="urn:microsoft.com/office/officeart/2005/8/layout/vProcess5"/>
+    <dgm:cxn modelId="{244E9421-5A58-4401-BF50-5BF728C5E362}" type="presOf" srcId="{8090CC59-FA9E-4C31-A9A6-6891B874F52D}" destId="{0ACC47F1-202A-4CD1-AEAC-A13A6ED963E9}" srcOrd="1" destOrd="0" presId="urn:microsoft.com/office/officeart/2005/8/layout/vProcess5"/>
+    <dgm:cxn modelId="{8836292F-17F0-4B3F-A082-6932C3B1E8A2}" type="presOf" srcId="{8EC937D8-BD76-4A12-A3E5-900D5C1E2E05}" destId="{825B395E-2C7E-4ECE-9E73-6BF72566FCA9}" srcOrd="1" destOrd="0" presId="urn:microsoft.com/office/officeart/2005/8/layout/vProcess5"/>
+    <dgm:cxn modelId="{7E707D37-280D-4982-A5E5-A7B07D4EC742}" type="presOf" srcId="{8EC937D8-BD76-4A12-A3E5-900D5C1E2E05}" destId="{D190CDB1-F119-4FD7-87EF-8D8C4A53D162}" srcOrd="0" destOrd="0" presId="urn:microsoft.com/office/officeart/2005/8/layout/vProcess5"/>
+    <dgm:cxn modelId="{DEC8A63D-7B6D-4359-9329-BD35B9BAF20E}" type="presOf" srcId="{55B6AE49-D5F2-40E7-B8F5-99BF39AF6620}" destId="{C75DF507-8F47-45F7-A6F3-D5A8C96CCE20}" srcOrd="0" destOrd="0" presId="urn:microsoft.com/office/officeart/2005/8/layout/vProcess5"/>
+    <dgm:cxn modelId="{E1DA4365-7239-4AF1-9C01-945008EDD4DC}" srcId="{CD7942A0-B7D2-4B14-8FEA-55FC702F5BE7}" destId="{8090CC59-FA9E-4C31-A9A6-6891B874F52D}" srcOrd="1" destOrd="0" parTransId="{EA94337E-48A5-43BA-B6AA-2CE0DFAF3D2E}" sibTransId="{55B6AE49-D5F2-40E7-B8F5-99BF39AF6620}"/>
+    <dgm:cxn modelId="{5B17A165-FFF5-4949-A479-4DA65BEE5647}" type="presOf" srcId="{9D746451-41C5-441F-8810-E86784A3C323}" destId="{6B0566BD-8B1F-4B85-AF17-301F3D1A24F0}" srcOrd="0" destOrd="0" presId="urn:microsoft.com/office/officeart/2005/8/layout/vProcess5"/>
+    <dgm:cxn modelId="{5319BD67-8169-42F1-B240-1DA61F69F055}" srcId="{CD7942A0-B7D2-4B14-8FEA-55FC702F5BE7}" destId="{9D746451-41C5-441F-8810-E86784A3C323}" srcOrd="2" destOrd="0" parTransId="{2F2B5387-4991-4ABB-AF28-4DD165BAE0F1}" sibTransId="{1F73F9A5-E208-4BD2-8BF7-2789B2BD66F6}"/>
+    <dgm:cxn modelId="{888B7D48-DB4C-477F-949F-A3C0278C6171}" type="presOf" srcId="{9D746451-41C5-441F-8810-E86784A3C323}" destId="{6E65AD8B-E25C-4E2C-9596-E537DBE074DC}" srcOrd="1" destOrd="0" presId="urn:microsoft.com/office/officeart/2005/8/layout/vProcess5"/>
     <dgm:cxn modelId="{43DC8383-AEE5-490C-A8E5-1F216F2B8FE6}" srcId="{CD7942A0-B7D2-4B14-8FEA-55FC702F5BE7}" destId="{8EC937D8-BD76-4A12-A3E5-900D5C1E2E05}" srcOrd="3" destOrd="0" parTransId="{8265EE85-9851-494E-A6D3-1CDACE947DF3}" sibTransId="{B3EFD4A5-9FA1-4ABE-B722-05162509509B}"/>
-    <dgm:cxn modelId="{56120F87-230D-4161-AE87-B2C0CC56800E}" type="presOf" srcId="{7470473B-2D2C-445B-8DE2-81F56C5B2EB9}" destId="{9928290F-E5E9-4EF5-BFCB-5C532580CA79}" srcOrd="0" destOrd="0" presId="urn:microsoft.com/office/officeart/2005/8/layout/vProcess5"/>
     <dgm:cxn modelId="{C2D0E194-BD14-4AD2-9E3A-CE984C34B6CD}" type="presOf" srcId="{CD7942A0-B7D2-4B14-8FEA-55FC702F5BE7}" destId="{1D84D8B6-AB32-4491-B5D2-EFE3D7668B88}" srcOrd="0" destOrd="0" presId="urn:microsoft.com/office/officeart/2005/8/layout/vProcess5"/>
-    <dgm:cxn modelId="{DC0BD1AA-52F5-4BB5-B832-D5A2F4962E4F}" type="presOf" srcId="{8877691F-1B60-4485-9174-DDEC7EE68B70}" destId="{706B3A97-03CB-4D2D-9A10-080024DE7FEA}" srcOrd="0" destOrd="0" presId="urn:microsoft.com/office/officeart/2005/8/layout/vProcess5"/>
-    <dgm:cxn modelId="{E56344D1-F0CF-4CA5-BEB7-E674B77FDB3E}" type="presOf" srcId="{5787D5EC-3137-4AB3-A4B0-10C1C7F9779A}" destId="{7ABCAC7A-0357-43EB-827C-41F4CFFC3BBB}" srcOrd="1" destOrd="0" presId="urn:microsoft.com/office/officeart/2005/8/layout/vProcess5"/>
-    <dgm:cxn modelId="{3B751CD4-83D2-4068-9189-8E208474B226}" type="presOf" srcId="{C9AC09F3-EF0E-4649-A1AC-DA29DF75E49E}" destId="{6E0BF0D0-AF11-416D-8BE3-A23FDF593155}" srcOrd="0" destOrd="0" presId="urn:microsoft.com/office/officeart/2005/8/layout/vProcess5"/>
-    <dgm:cxn modelId="{F1F512D5-C547-4D47-8C01-64B434C99EEC}" type="presOf" srcId="{8EC937D8-BD76-4A12-A3E5-900D5C1E2E05}" destId="{4B597E86-BBB3-428B-9443-2878708CFE7A}" srcOrd="1" destOrd="0" presId="urn:microsoft.com/office/officeart/2005/8/layout/vProcess5"/>
+    <dgm:cxn modelId="{773476A7-84CC-486A-B4C2-F39DAA52901E}" type="presOf" srcId="{8090CC59-FA9E-4C31-A9A6-6891B874F52D}" destId="{BB0A03CF-73C0-4B4A-B929-FDFFA5084BF0}" srcOrd="0" destOrd="0" presId="urn:microsoft.com/office/officeart/2005/8/layout/vProcess5"/>
+    <dgm:cxn modelId="{5F27D2AF-E8A8-463D-8814-64F3BA2014E9}" type="presOf" srcId="{095A5E99-E976-4550-8F80-53CC813F2F5A}" destId="{E5E8E39C-2F31-42EA-B569-974BD52FCF3F}" srcOrd="0" destOrd="0" presId="urn:microsoft.com/office/officeart/2005/8/layout/vProcess5"/>
+    <dgm:cxn modelId="{9FB9FBB4-ABA3-487D-A123-0C42CB70E284}" type="presOf" srcId="{8877691F-1B60-4485-9174-DDEC7EE68B70}" destId="{A9AE7D52-F288-4FC9-A462-2F3472B92FED}" srcOrd="0" destOrd="0" presId="urn:microsoft.com/office/officeart/2005/8/layout/vProcess5"/>
     <dgm:cxn modelId="{D1A4D8E6-F04E-4AB1-8D0C-63DC7AB1E81F}" srcId="{CD7942A0-B7D2-4B14-8FEA-55FC702F5BE7}" destId="{095A5E99-E976-4550-8F80-53CC813F2F5A}" srcOrd="0" destOrd="0" parTransId="{03339A0D-5DC0-4B29-8353-C5AEBFD4DE86}" sibTransId="{8877691F-1B60-4485-9174-DDEC7EE68B70}"/>
-    <dgm:cxn modelId="{3B69E9E9-A297-4F2B-A711-F127FAF1BA9D}" type="presOf" srcId="{5787D5EC-3137-4AB3-A4B0-10C1C7F9779A}" destId="{177B8919-27CC-4F4A-9B08-ED63CE8462A4}" srcOrd="0" destOrd="0" presId="urn:microsoft.com/office/officeart/2005/8/layout/vProcess5"/>
-    <dgm:cxn modelId="{C376ADFF-D613-46EC-BA5C-FFE4D7A73BEF}" type="presOf" srcId="{095A5E99-E976-4550-8F80-53CC813F2F5A}" destId="{F909ACC1-A9A9-4EAC-B46D-964733102F62}" srcOrd="1" destOrd="0" presId="urn:microsoft.com/office/officeart/2005/8/layout/vProcess5"/>
+    <dgm:cxn modelId="{C3BCD4E8-F563-435A-9DC4-2C64EDE97137}" type="presOf" srcId="{095A5E99-E976-4550-8F80-53CC813F2F5A}" destId="{382BC47D-AA3D-4E2D-BEB4-7D84FD2BA1F6}" srcOrd="1" destOrd="0" presId="urn:microsoft.com/office/officeart/2005/8/layout/vProcess5"/>
     <dgm:cxn modelId="{768DB908-A4BF-48A6-A740-5DD0CBAFBB11}" type="presParOf" srcId="{1D84D8B6-AB32-4491-B5D2-EFE3D7668B88}" destId="{3E0E8213-E460-4EB7-9A92-C2B1CC553F0D}" srcOrd="0" destOrd="0" presId="urn:microsoft.com/office/officeart/2005/8/layout/vProcess5"/>
-    <dgm:cxn modelId="{221336FA-3DE6-4609-B4DE-06DA32E8FFB7}" type="presParOf" srcId="{1D84D8B6-AB32-4491-B5D2-EFE3D7668B88}" destId="{A00DE69C-9C6B-4316-BA64-0422D7B70518}" srcOrd="1" destOrd="0" presId="urn:microsoft.com/office/officeart/2005/8/layout/vProcess5"/>
-    <dgm:cxn modelId="{D982DB51-633A-42F3-B8B1-79565B4E0E4A}" type="presParOf" srcId="{1D84D8B6-AB32-4491-B5D2-EFE3D7668B88}" destId="{177B8919-27CC-4F4A-9B08-ED63CE8462A4}" srcOrd="2" destOrd="0" presId="urn:microsoft.com/office/officeart/2005/8/layout/vProcess5"/>
-    <dgm:cxn modelId="{2D24DE53-4D60-44C1-9100-B168EE095C77}" type="presParOf" srcId="{1D84D8B6-AB32-4491-B5D2-EFE3D7668B88}" destId="{E3F1B449-4877-494B-9804-9D495A58B314}" srcOrd="3" destOrd="0" presId="urn:microsoft.com/office/officeart/2005/8/layout/vProcess5"/>
-    <dgm:cxn modelId="{864843E5-5C39-4E06-8451-15E020D6CDD5}" type="presParOf" srcId="{1D84D8B6-AB32-4491-B5D2-EFE3D7668B88}" destId="{197029F2-2BE6-4ED5-A453-F696297EEAF9}" srcOrd="4" destOrd="0" presId="urn:microsoft.com/office/officeart/2005/8/layout/vProcess5"/>
-    <dgm:cxn modelId="{8CA7597E-9FEB-42CE-816D-860ECC5D5BA4}" type="presParOf" srcId="{1D84D8B6-AB32-4491-B5D2-EFE3D7668B88}" destId="{706B3A97-03CB-4D2D-9A10-080024DE7FEA}" srcOrd="5" destOrd="0" presId="urn:microsoft.com/office/officeart/2005/8/layout/vProcess5"/>
-    <dgm:cxn modelId="{E94AEE16-3ACB-48BB-8FAE-A273428FE1D1}" type="presParOf" srcId="{1D84D8B6-AB32-4491-B5D2-EFE3D7668B88}" destId="{9928290F-E5E9-4EF5-BFCB-5C532580CA79}" srcOrd="6" destOrd="0" presId="urn:microsoft.com/office/officeart/2005/8/layout/vProcess5"/>
-    <dgm:cxn modelId="{9EFC541E-4080-4469-8462-4D695EA09329}" type="presParOf" srcId="{1D84D8B6-AB32-4491-B5D2-EFE3D7668B88}" destId="{6E0BF0D0-AF11-416D-8BE3-A23FDF593155}" srcOrd="7" destOrd="0" presId="urn:microsoft.com/office/officeart/2005/8/layout/vProcess5"/>
-    <dgm:cxn modelId="{71DB9EAB-CC56-4AEF-B52D-E2AE1586F557}" type="presParOf" srcId="{1D84D8B6-AB32-4491-B5D2-EFE3D7668B88}" destId="{F909ACC1-A9A9-4EAC-B46D-964733102F62}" srcOrd="8" destOrd="0" presId="urn:microsoft.com/office/officeart/2005/8/layout/vProcess5"/>
-    <dgm:cxn modelId="{1680616B-3BF8-424C-B0DD-CC10A443682C}" type="presParOf" srcId="{1D84D8B6-AB32-4491-B5D2-EFE3D7668B88}" destId="{7ABCAC7A-0357-43EB-827C-41F4CFFC3BBB}" srcOrd="9" destOrd="0" presId="urn:microsoft.com/office/officeart/2005/8/layout/vProcess5"/>
-    <dgm:cxn modelId="{393227FF-3FB8-4CE5-B1FC-62A602F7411D}" type="presParOf" srcId="{1D84D8B6-AB32-4491-B5D2-EFE3D7668B88}" destId="{D63F8819-7CEF-4261-ADFB-958DE413BF3B}" srcOrd="10" destOrd="0" presId="urn:microsoft.com/office/officeart/2005/8/layout/vProcess5"/>
-    <dgm:cxn modelId="{1F9AFF79-AF43-4913-B81A-ED3D86694D92}" type="presParOf" srcId="{1D84D8B6-AB32-4491-B5D2-EFE3D7668B88}" destId="{4B597E86-BBB3-428B-9443-2878708CFE7A}" srcOrd="11" destOrd="0" presId="urn:microsoft.com/office/officeart/2005/8/layout/vProcess5"/>
+    <dgm:cxn modelId="{BCDFA1BA-CC9A-447C-A88B-21156C204765}" type="presParOf" srcId="{1D84D8B6-AB32-4491-B5D2-EFE3D7668B88}" destId="{E5E8E39C-2F31-42EA-B569-974BD52FCF3F}" srcOrd="1" destOrd="0" presId="urn:microsoft.com/office/officeart/2005/8/layout/vProcess5"/>
+    <dgm:cxn modelId="{E375C395-7CDB-4BCE-A5BA-EFF7DB3CABDD}" type="presParOf" srcId="{1D84D8B6-AB32-4491-B5D2-EFE3D7668B88}" destId="{BB0A03CF-73C0-4B4A-B929-FDFFA5084BF0}" srcOrd="2" destOrd="0" presId="urn:microsoft.com/office/officeart/2005/8/layout/vProcess5"/>
+    <dgm:cxn modelId="{D252EDFF-4E68-4A7D-9FFA-2C0FF32016FD}" type="presParOf" srcId="{1D84D8B6-AB32-4491-B5D2-EFE3D7668B88}" destId="{6B0566BD-8B1F-4B85-AF17-301F3D1A24F0}" srcOrd="3" destOrd="0" presId="urn:microsoft.com/office/officeart/2005/8/layout/vProcess5"/>
+    <dgm:cxn modelId="{A2AA152C-17B0-4756-B0E5-25E29EDE83B1}" type="presParOf" srcId="{1D84D8B6-AB32-4491-B5D2-EFE3D7668B88}" destId="{D190CDB1-F119-4FD7-87EF-8D8C4A53D162}" srcOrd="4" destOrd="0" presId="urn:microsoft.com/office/officeart/2005/8/layout/vProcess5"/>
+    <dgm:cxn modelId="{B36EFA95-0511-4B21-B791-2F9256BA0344}" type="presParOf" srcId="{1D84D8B6-AB32-4491-B5D2-EFE3D7668B88}" destId="{A9AE7D52-F288-4FC9-A462-2F3472B92FED}" srcOrd="5" destOrd="0" presId="urn:microsoft.com/office/officeart/2005/8/layout/vProcess5"/>
+    <dgm:cxn modelId="{B658E4F9-773C-4EEB-A7CC-89481D44D25E}" type="presParOf" srcId="{1D84D8B6-AB32-4491-B5D2-EFE3D7668B88}" destId="{C75DF507-8F47-45F7-A6F3-D5A8C96CCE20}" srcOrd="6" destOrd="0" presId="urn:microsoft.com/office/officeart/2005/8/layout/vProcess5"/>
+    <dgm:cxn modelId="{C23A098E-373D-4719-88CA-337212AEA924}" type="presParOf" srcId="{1D84D8B6-AB32-4491-B5D2-EFE3D7668B88}" destId="{FC527772-B970-4EC1-A1A6-B0450870C0C7}" srcOrd="7" destOrd="0" presId="urn:microsoft.com/office/officeart/2005/8/layout/vProcess5"/>
+    <dgm:cxn modelId="{C80BC9EC-F010-4DA0-80B2-63BC8FD94FF6}" type="presParOf" srcId="{1D84D8B6-AB32-4491-B5D2-EFE3D7668B88}" destId="{382BC47D-AA3D-4E2D-BEB4-7D84FD2BA1F6}" srcOrd="8" destOrd="0" presId="urn:microsoft.com/office/officeart/2005/8/layout/vProcess5"/>
+    <dgm:cxn modelId="{0A783BB6-BE37-4B1E-B33F-D483A2D0F5BE}" type="presParOf" srcId="{1D84D8B6-AB32-4491-B5D2-EFE3D7668B88}" destId="{0ACC47F1-202A-4CD1-AEAC-A13A6ED963E9}" srcOrd="9" destOrd="0" presId="urn:microsoft.com/office/officeart/2005/8/layout/vProcess5"/>
+    <dgm:cxn modelId="{4D750E7A-0475-42D3-AC86-98264F03E26F}" type="presParOf" srcId="{1D84D8B6-AB32-4491-B5D2-EFE3D7668B88}" destId="{6E65AD8B-E25C-4E2C-9596-E537DBE074DC}" srcOrd="10" destOrd="0" presId="urn:microsoft.com/office/officeart/2005/8/layout/vProcess5"/>
+    <dgm:cxn modelId="{6FB9F9D2-1982-4B12-B967-C3F787B75B43}" type="presParOf" srcId="{1D84D8B6-AB32-4491-B5D2-EFE3D7668B88}" destId="{825B395E-2C7E-4ECE-9E73-6BF72566FCA9}" srcOrd="11" destOrd="0" presId="urn:microsoft.com/office/officeart/2005/8/layout/vProcess5"/>
   </dgm:cxnLst>
   <dgm:bg/>
   <dgm:whole/>
@@ -1469,7 +1414,7 @@
       <dsp:cNvGrpSpPr/>
     </dsp:nvGrpSpPr>
     <dsp:grpSpPr/>
-    <dsp:sp modelId="{A00DE69C-9C6B-4316-BA64-0422D7B70518}">
+    <dsp:sp modelId="{E5E8E39C-2F31-42EA-B569-974BD52FCF3F}">
       <dsp:nvSpPr>
         <dsp:cNvPr id="0" name=""/>
         <dsp:cNvSpPr/>
@@ -1545,18 +1490,9 @@
             <a:buNone/>
           </a:pPr>
           <a:r>
-            <a:rPr lang="pt-pt" sz="4200" kern="1200" dirty="0" err="1"/>
-            <a:t>First</a:t>
+            <a:rPr lang="pt-pt" sz="4200" kern="1200" dirty="0"/>
+            <a:t>First Implementations</a:t>
           </a:r>
-          <a:r>
-            <a:rPr lang="pt-pt" sz="4200" kern="1200" dirty="0"/>
-            <a:t> </a:t>
-          </a:r>
-          <a:r>
-            <a:rPr lang="pt-pt" sz="4200" kern="1200" dirty="0" err="1"/>
-            <a:t>Implementation</a:t>
-          </a:r>
-          <a:endParaRPr lang="pt-pt" sz="4200" kern="1200" dirty="0"/>
         </a:p>
       </dsp:txBody>
       <dsp:txXfrm>
@@ -1564,7 +1500,7 @@
         <a:ext cx="6559299" cy="924890"/>
       </dsp:txXfrm>
     </dsp:sp>
-    <dsp:sp modelId="{177B8919-27CC-4F4A-9B08-ED63CE8462A4}">
+    <dsp:sp modelId="{BB0A03CF-73C0-4B4A-B929-FDFFA5084BF0}">
       <dsp:nvSpPr>
         <dsp:cNvPr id="0" name=""/>
         <dsp:cNvSpPr/>
@@ -1582,16 +1518,46 @@
         <a:gradFill rotWithShape="0">
           <a:gsLst>
             <a:gs pos="0">
-              <a:srgbClr val="703000"/>
+              <a:schemeClr val="accent3">
+                <a:hueOff val="0"/>
+                <a:satOff val="0"/>
+                <a:lumOff val="0"/>
+                <a:alphaOff val="0"/>
+                <a:shade val="15000"/>
+                <a:satMod val="180000"/>
+              </a:schemeClr>
             </a:gs>
             <a:gs pos="50000">
-              <a:srgbClr val="A44A00"/>
+              <a:schemeClr val="accent3">
+                <a:hueOff val="0"/>
+                <a:satOff val="0"/>
+                <a:lumOff val="0"/>
+                <a:alphaOff val="0"/>
+                <a:shade val="45000"/>
+                <a:satMod val="170000"/>
+              </a:schemeClr>
             </a:gs>
             <a:gs pos="70000">
-              <a:srgbClr val="BC5500"/>
+              <a:schemeClr val="accent3">
+                <a:hueOff val="0"/>
+                <a:satOff val="0"/>
+                <a:lumOff val="0"/>
+                <a:alphaOff val="0"/>
+                <a:tint val="99000"/>
+                <a:shade val="65000"/>
+                <a:satMod val="155000"/>
+              </a:schemeClr>
             </a:gs>
             <a:gs pos="100000">
-              <a:srgbClr val="F26D00"/>
+              <a:schemeClr val="accent3">
+                <a:hueOff val="0"/>
+                <a:satOff val="0"/>
+                <a:lumOff val="0"/>
+                <a:alphaOff val="0"/>
+                <a:tint val="100000"/>
+                <a:shade val="100000"/>
+                <a:satMod val="155000"/>
+              </a:schemeClr>
             </a:gs>
           </a:gsLst>
           <a:lin ang="16200000" scaled="0"/>
@@ -1622,7 +1588,7 @@
         </a:fontRef>
       </dsp:style>
       <dsp:txBody>
-        <a:bodyPr spcFirstLastPara="0" vert="horz" wrap="square" lIns="160020" tIns="160020" rIns="160020" bIns="160020" numCol="1" spcCol="1270" rtlCol="0" anchor="ctr" anchorCtr="0">
+        <a:bodyPr spcFirstLastPara="0" vert="horz" wrap="square" lIns="160020" tIns="160020" rIns="160020" bIns="160020" numCol="1" spcCol="1270" anchor="ctr" anchorCtr="0">
           <a:noAutofit/>
         </a:bodyPr>
         <a:lstStyle/>
@@ -1640,7 +1606,7 @@
             <a:buNone/>
           </a:pPr>
           <a:r>
-            <a:rPr lang="pt-PT" sz="4200" kern="1200" dirty="0"/>
+            <a:rPr lang="pt-PT" sz="4200" kern="1200"/>
             <a:t>Correct Use of Cache</a:t>
           </a:r>
           <a:endParaRPr lang="pt-pt" sz="4200" kern="1200" dirty="0"/>
@@ -1651,7 +1617,7 @@
         <a:ext cx="6361229" cy="924890"/>
       </dsp:txXfrm>
     </dsp:sp>
-    <dsp:sp modelId="{E3F1B449-4877-494B-9804-9D495A58B314}">
+    <dsp:sp modelId="{6B0566BD-8B1F-4B85-AF17-301F3D1A24F0}">
       <dsp:nvSpPr>
         <dsp:cNvPr id="0" name=""/>
         <dsp:cNvSpPr/>
@@ -1669,16 +1635,46 @@
         <a:gradFill rotWithShape="0">
           <a:gsLst>
             <a:gs pos="0">
-              <a:srgbClr val="703000"/>
+              <a:schemeClr val="accent4">
+                <a:hueOff val="0"/>
+                <a:satOff val="0"/>
+                <a:lumOff val="0"/>
+                <a:alphaOff val="0"/>
+                <a:shade val="15000"/>
+                <a:satMod val="180000"/>
+              </a:schemeClr>
             </a:gs>
             <a:gs pos="50000">
-              <a:srgbClr val="A44A00"/>
+              <a:schemeClr val="accent4">
+                <a:hueOff val="0"/>
+                <a:satOff val="0"/>
+                <a:lumOff val="0"/>
+                <a:alphaOff val="0"/>
+                <a:shade val="45000"/>
+                <a:satMod val="170000"/>
+              </a:schemeClr>
             </a:gs>
             <a:gs pos="70000">
-              <a:srgbClr val="BC5500"/>
+              <a:schemeClr val="accent4">
+                <a:hueOff val="0"/>
+                <a:satOff val="0"/>
+                <a:lumOff val="0"/>
+                <a:alphaOff val="0"/>
+                <a:tint val="99000"/>
+                <a:shade val="65000"/>
+                <a:satMod val="155000"/>
+              </a:schemeClr>
             </a:gs>
             <a:gs pos="100000">
-              <a:srgbClr val="F26D00"/>
+              <a:schemeClr val="accent4">
+                <a:hueOff val="0"/>
+                <a:satOff val="0"/>
+                <a:lumOff val="0"/>
+                <a:alphaOff val="0"/>
+                <a:tint val="100000"/>
+                <a:shade val="100000"/>
+                <a:satMod val="155000"/>
+              </a:schemeClr>
             </a:gs>
           </a:gsLst>
           <a:lin ang="16200000" scaled="0"/>
@@ -1709,7 +1705,7 @@
         </a:fontRef>
       </dsp:style>
       <dsp:txBody>
-        <a:bodyPr spcFirstLastPara="0" vert="horz" wrap="square" lIns="160020" tIns="160020" rIns="160020" bIns="160020" numCol="1" spcCol="1270" rtlCol="0" anchor="ctr" anchorCtr="0">
+        <a:bodyPr spcFirstLastPara="0" vert="horz" wrap="square" lIns="160020" tIns="160020" rIns="160020" bIns="160020" numCol="1" spcCol="1270" anchor="ctr" anchorCtr="0">
           <a:noAutofit/>
         </a:bodyPr>
         <a:lstStyle/>
@@ -1727,10 +1723,9 @@
             <a:buNone/>
           </a:pPr>
           <a:r>
-            <a:rPr lang="pt-PT" sz="4200" kern="1200" dirty="0" err="1"/>
+            <a:rPr lang="pt-PT" sz="4200" kern="1200"/>
             <a:t>Blocking</a:t>
           </a:r>
-          <a:endParaRPr lang="pt-pt" sz="4200" kern="1200" dirty="0"/>
         </a:p>
       </dsp:txBody>
       <dsp:txXfrm>
@@ -1738,7 +1733,7 @@
         <a:ext cx="6370857" cy="924890"/>
       </dsp:txXfrm>
     </dsp:sp>
-    <dsp:sp modelId="{197029F2-2BE6-4ED5-A453-F696297EEAF9}">
+    <dsp:sp modelId="{D190CDB1-F119-4FD7-87EF-8D8C4A53D162}">
       <dsp:nvSpPr>
         <dsp:cNvPr id="0" name=""/>
         <dsp:cNvSpPr/>
@@ -1844,10 +1839,9 @@
             <a:buNone/>
           </a:pPr>
           <a:r>
-            <a:rPr lang="pt-pt" sz="4200" kern="1200" dirty="0" err="1"/>
+            <a:rPr lang="pt-pt" sz="4200" kern="1200" dirty="0"/>
             <a:t>Vectorization</a:t>
           </a:r>
-          <a:endParaRPr lang="pt-pt" sz="4200" kern="1200" dirty="0"/>
         </a:p>
       </dsp:txBody>
       <dsp:txXfrm>
@@ -1855,7 +1849,7 @@
         <a:ext cx="6361229" cy="924890"/>
       </dsp:txXfrm>
     </dsp:sp>
-    <dsp:sp modelId="{706B3A97-03CB-4D2D-9A10-080024DE7FEA}">
+    <dsp:sp modelId="{A9AE7D52-F288-4FC9-A462-2F3472B92FED}">
       <dsp:nvSpPr>
         <dsp:cNvPr id="0" name=""/>
         <dsp:cNvSpPr/>
@@ -1934,7 +1928,7 @@
         <a:ext cx="351222" cy="480536"/>
       </dsp:txXfrm>
     </dsp:sp>
-    <dsp:sp modelId="{9928290F-E5E9-4EF5-BFCB-5C532580CA79}">
+    <dsp:sp modelId="{C75DF507-8F47-45F7-A6F3-D5A8C96CCE20}">
       <dsp:nvSpPr>
         <dsp:cNvPr id="0" name=""/>
         <dsp:cNvSpPr/>
@@ -2013,7 +2007,7 @@
         <a:ext cx="351222" cy="480536"/>
       </dsp:txXfrm>
     </dsp:sp>
-    <dsp:sp modelId="{6E0BF0D0-AF11-416D-8BE3-A23FDF593155}">
+    <dsp:sp modelId="{FC527772-B970-4EC1-A1A6-B0450870C0C7}">
       <dsp:nvSpPr>
         <dsp:cNvPr id="0" name=""/>
         <dsp:cNvSpPr/>
@@ -4941,7 +4935,7 @@
             <a:pPr rtl="0"/>
             <a:fld id="{3EBA5BD7-F043-4D1B-AA17-CD412FC534DE}" type="slidenum">
               <a:rPr lang="en-US" smtClean="0"/>
-              <a:t>6</a:t>
+              <a:t>5</a:t>
             </a:fld>
             <a:endParaRPr lang="en-US"/>
           </a:p>
@@ -5743,7 +5737,7 @@
             <a:pPr rtl="0"/>
             <a:r>
               <a:rPr lang="pt-PT"/>
-              <a:t>Arquiteturas Avançadas - Computação Paralela Distribuida</a:t>
+              <a:t>Advanced Architectures - Matrix Multiplication</a:t>
             </a:r>
             <a:endParaRPr/>
           </a:p>
@@ -5949,7 +5943,7 @@
             <a:pPr rtl="0"/>
             <a:r>
               <a:rPr lang="pt-PT"/>
-              <a:t>Arquiteturas Avançadas - Computação Paralela Distribuida</a:t>
+              <a:t>Advanced Architectures - Matrix Multiplication</a:t>
             </a:r>
             <a:endParaRPr/>
           </a:p>
@@ -6165,7 +6159,7 @@
             <a:pPr rtl="0"/>
             <a:r>
               <a:rPr lang="pt-PT"/>
-              <a:t>Arquiteturas Avançadas - Computação Paralela Distribuida</a:t>
+              <a:t>Advanced Architectures - Matrix Multiplication</a:t>
             </a:r>
             <a:endParaRPr/>
           </a:p>
@@ -6371,7 +6365,7 @@
             <a:pPr rtl="0"/>
             <a:r>
               <a:rPr lang="pt-PT"/>
-              <a:t>Arquiteturas Avançadas - Computação Paralela Distribuida</a:t>
+              <a:t>Advanced Architectures - Matrix Multiplication</a:t>
             </a:r>
             <a:endParaRPr/>
           </a:p>
@@ -6811,7 +6805,7 @@
             <a:pPr rtl="0"/>
             <a:r>
               <a:rPr lang="pt-PT"/>
-              <a:t>Arquiteturas Avançadas - Computação Paralela Distribuida</a:t>
+              <a:t>Advanced Architectures - Matrix Multiplication</a:t>
             </a:r>
             <a:endParaRPr/>
           </a:p>
@@ -7123,7 +7117,7 @@
             <a:pPr rtl="0"/>
             <a:r>
               <a:rPr lang="pt-PT"/>
-              <a:t>Arquiteturas Avançadas - Computação Paralela Distribuida</a:t>
+              <a:t>Advanced Architectures - Matrix Multiplication</a:t>
             </a:r>
             <a:endParaRPr/>
           </a:p>
@@ -7587,7 +7581,7 @@
             <a:pPr rtl="0"/>
             <a:r>
               <a:rPr lang="pt-PT"/>
-              <a:t>Arquiteturas Avançadas - Computação Paralela Distribuida</a:t>
+              <a:t>Advanced Architectures - Matrix Multiplication</a:t>
             </a:r>
             <a:endParaRPr/>
           </a:p>
@@ -7725,7 +7719,7 @@
             <a:pPr rtl="0"/>
             <a:r>
               <a:rPr lang="pt-PT"/>
-              <a:t>Arquiteturas Avançadas - Computação Paralela Distribuida</a:t>
+              <a:t>Advanced Architectures - Matrix Multiplication</a:t>
             </a:r>
             <a:endParaRPr/>
           </a:p>
@@ -7839,7 +7833,7 @@
             <a:pPr rtl="0"/>
             <a:r>
               <a:rPr lang="pt-PT"/>
-              <a:t>Arquiteturas Avançadas - Computação Paralela Distribuida</a:t>
+              <a:t>Advanced Architectures - Matrix Multiplication</a:t>
             </a:r>
             <a:endParaRPr/>
           </a:p>
@@ -8146,7 +8140,7 @@
             <a:pPr rtl="0"/>
             <a:r>
               <a:rPr lang="pt-PT"/>
-              <a:t>Arquiteturas Avançadas - Computação Paralela Distribuida</a:t>
+              <a:t>Advanced Architectures - Matrix Multiplication</a:t>
             </a:r>
             <a:endParaRPr/>
           </a:p>
@@ -8443,7 +8437,7 @@
             <a:pPr rtl="0"/>
             <a:r>
               <a:rPr lang="pt-PT"/>
-              <a:t>Arquiteturas Avançadas - Computação Paralela Distribuida</a:t>
+              <a:t>Advanced Architectures - Matrix Multiplication</a:t>
             </a:r>
             <a:endParaRPr/>
           </a:p>
@@ -9091,7 +9085,7 @@
             <a:pPr rtl="0"/>
             <a:r>
               <a:rPr lang="pt-PT"/>
-              <a:t>Arquiteturas Avançadas - Computação Paralela Distribuida</a:t>
+              <a:t>Advanced Architectures - Matrix Multiplication</a:t>
             </a:r>
             <a:endParaRPr/>
           </a:p>
@@ -9538,23 +9532,23 @@
         </p:nvSpPr>
         <p:spPr/>
         <p:txBody>
-          <a:bodyPr rtlCol="0"/>
+          <a:bodyPr rtlCol="0">
+            <a:normAutofit/>
+          </a:bodyPr>
           <a:lstStyle/>
           <a:p>
-            <a:pPr rtl="0"/>
-            <a:r>
-              <a:rPr lang="pt-PT" dirty="0" err="1"/>
-              <a:t>Matrix</a:t>
-            </a:r>
             <a:r>
               <a:rPr lang="pt-PT" dirty="0"/>
-              <a:t> </a:t>
+              <a:t>Matrix Multiplication</a:t>
             </a:r>
+            <a:br>
+              <a:rPr lang="pt-PT" dirty="0"/>
+            </a:br>
             <a:r>
-              <a:rPr lang="pt-PT" dirty="0" err="1"/>
-              <a:t>Multiplication</a:t>
+              <a:rPr lang="pt-PT" sz="2800" dirty="0"/>
+              <a:t>Performance of Different Algorithms &amp; Implementations</a:t>
             </a:r>
-            <a:endParaRPr lang="pt-pt" dirty="0"/>
+            <a:endParaRPr lang="pt-pt" sz="2800" dirty="0"/>
           </a:p>
         </p:txBody>
       </p:sp>
@@ -9568,23 +9562,21 @@
             <p:ph type="subTitle" idx="1"/>
           </p:nvPr>
         </p:nvSpPr>
-        <p:spPr/>
+        <p:spPr>
+          <a:xfrm>
+            <a:off x="1557908" y="2924944"/>
+            <a:ext cx="8735325" cy="1752600"/>
+          </a:xfrm>
+        </p:spPr>
         <p:txBody>
           <a:bodyPr rtlCol="0"/>
           <a:lstStyle/>
           <a:p>
-            <a:pPr rtl="0"/>
             <a:r>
               <a:rPr lang="pt-PT" dirty="0"/>
-              <a:t>Arquiteturas Avançadas</a:t>
+              <a:t>Advanced Architectures</a:t>
             </a:r>
-          </a:p>
-          <a:p>
-            <a:pPr rtl="0"/>
-            <a:r>
-              <a:rPr lang="pt-PT" sz="1800" dirty="0"/>
-              <a:t>Computação Paralela Distribuída</a:t>
-            </a:r>
+            <a:endParaRPr lang="pt-PT" sz="1800" dirty="0"/>
           </a:p>
           <a:p>
             <a:pPr rtl="0"/>
@@ -9663,23 +9655,23 @@
         </p:nvSpPr>
         <p:spPr/>
         <p:txBody>
-          <a:bodyPr rtlCol="0"/>
+          <a:bodyPr rtlCol="0">
+            <a:normAutofit/>
+          </a:bodyPr>
           <a:lstStyle/>
           <a:p>
-            <a:pPr rtl="0"/>
-            <a:r>
-              <a:rPr lang="pt-PT" dirty="0" err="1"/>
-              <a:t>Matrix</a:t>
-            </a:r>
             <a:r>
               <a:rPr lang="pt-PT" dirty="0"/>
-              <a:t> </a:t>
+              <a:t>Matrix Multiplication</a:t>
             </a:r>
+            <a:br>
+              <a:rPr lang="pt-PT" dirty="0"/>
+            </a:br>
             <a:r>
-              <a:rPr lang="pt-PT" dirty="0" err="1"/>
-              <a:t>Multiplication</a:t>
+              <a:rPr lang="pt-PT" sz="2800" dirty="0"/>
+              <a:t>Performance of Different Algorithms &amp; Implementations</a:t>
             </a:r>
-            <a:endParaRPr lang="pt-pt" dirty="0"/>
+            <a:endParaRPr lang="pt-pt" sz="2800" dirty="0"/>
           </a:p>
         </p:txBody>
       </p:sp>
@@ -9693,23 +9685,21 @@
             <p:ph type="subTitle" idx="1"/>
           </p:nvPr>
         </p:nvSpPr>
-        <p:spPr/>
+        <p:spPr>
+          <a:xfrm>
+            <a:off x="1557908" y="2924944"/>
+            <a:ext cx="8735325" cy="1752600"/>
+          </a:xfrm>
+        </p:spPr>
         <p:txBody>
           <a:bodyPr rtlCol="0"/>
           <a:lstStyle/>
           <a:p>
-            <a:pPr rtl="0"/>
             <a:r>
               <a:rPr lang="pt-PT" dirty="0"/>
-              <a:t>Arquiteturas Avançadas</a:t>
+              <a:t>Advanced Architectures</a:t>
             </a:r>
-          </a:p>
-          <a:p>
-            <a:pPr rtl="0"/>
-            <a:r>
-              <a:rPr lang="pt-PT" sz="1800" dirty="0"/>
-              <a:t>Computação Paralela Distribuída</a:t>
-            </a:r>
+            <a:endParaRPr lang="pt-PT" sz="1800" dirty="0"/>
           </a:p>
           <a:p>
             <a:pPr rtl="0"/>
@@ -9737,7 +9727,7 @@
     </p:spTree>
     <p:extLst>
       <p:ext uri="{BB962C8B-B14F-4D97-AF65-F5344CB8AC3E}">
-        <p14:creationId xmlns:p14="http://schemas.microsoft.com/office/powerpoint/2010/main" val="4255175727"/>
+        <p14:creationId xmlns:p14="http://schemas.microsoft.com/office/powerpoint/2010/main" val="158992899"/>
       </p:ext>
     </p:extLst>
   </p:cSld>
@@ -9760,144 +9750,6 @@
 </file>
 
 <file path=ppt/slides/slide2.xml><?xml version="1.0" encoding="utf-8"?>
-<p:sld xmlns:a="http://schemas.openxmlformats.org/drawingml/2006/main" xmlns:r="http://schemas.openxmlformats.org/officeDocument/2006/relationships" xmlns:p="http://schemas.openxmlformats.org/presentationml/2006/main">
-  <p:cSld>
-    <p:spTree>
-      <p:nvGrpSpPr>
-        <p:cNvPr id="1" name=""/>
-        <p:cNvGrpSpPr/>
-        <p:nvPr/>
-      </p:nvGrpSpPr>
-      <p:grpSpPr>
-        <a:xfrm>
-          <a:off x="0" y="0"/>
-          <a:ext cx="0" cy="0"/>
-          <a:chOff x="0" y="0"/>
-          <a:chExt cx="0" cy="0"/>
-        </a:xfrm>
-      </p:grpSpPr>
-      <p:sp>
-        <p:nvSpPr>
-          <p:cNvPr id="13" name="Título 12"/>
-          <p:cNvSpPr>
-            <a:spLocks noGrp="1"/>
-          </p:cNvSpPr>
-          <p:nvPr>
-            <p:ph type="title"/>
-          </p:nvPr>
-        </p:nvSpPr>
-        <p:spPr/>
-        <p:txBody>
-          <a:bodyPr rtlCol="0"/>
-          <a:lstStyle/>
-          <a:p>
-            <a:pPr rtl="0"/>
-            <a:r>
-              <a:rPr lang="pt-PT" dirty="0" err="1"/>
-              <a:t>Machines</a:t>
-            </a:r>
-            <a:r>
-              <a:rPr lang="pt-PT" dirty="0"/>
-              <a:t> </a:t>
-            </a:r>
-            <a:r>
-              <a:rPr lang="pt-PT" dirty="0" err="1"/>
-              <a:t>Evaluation</a:t>
-            </a:r>
-            <a:endParaRPr lang="en-US" dirty="0"/>
-          </a:p>
-        </p:txBody>
-      </p:sp>
-      <p:pic>
-        <p:nvPicPr>
-          <p:cNvPr id="5" name="Marcador de Posição de Conteúdo 4">
-            <a:extLst>
-              <a:ext uri="{FF2B5EF4-FFF2-40B4-BE49-F238E27FC236}">
-                <a16:creationId xmlns:a16="http://schemas.microsoft.com/office/drawing/2014/main" id="{D81210C4-3050-4BCF-84E8-C2F62B33144A}"/>
-              </a:ext>
-            </a:extLst>
-          </p:cNvPr>
-          <p:cNvPicPr>
-            <a:picLocks noGrp="1" noChangeAspect="1"/>
-          </p:cNvPicPr>
-          <p:nvPr>
-            <p:ph idx="1"/>
-          </p:nvPr>
-        </p:nvPicPr>
-        <p:blipFill>
-          <a:blip r:embed="rId2">
-            <a:extLst>
-              <a:ext uri="{28A0092B-C50C-407E-A947-70E740481C1C}">
-                <a14:useLocalDpi xmlns:a14="http://schemas.microsoft.com/office/drawing/2010/main" val="0"/>
-              </a:ext>
-            </a:extLst>
-          </a:blip>
-          <a:stretch>
-            <a:fillRect/>
-          </a:stretch>
-        </p:blipFill>
-        <p:spPr>
-          <a:xfrm>
-            <a:off x="1219200" y="1851344"/>
-            <a:ext cx="10360025" cy="4163374"/>
-          </a:xfrm>
-        </p:spPr>
-      </p:pic>
-      <p:sp>
-        <p:nvSpPr>
-          <p:cNvPr id="6" name="Marcador de Posição do Rodapé 5">
-            <a:extLst>
-              <a:ext uri="{FF2B5EF4-FFF2-40B4-BE49-F238E27FC236}">
-                <a16:creationId xmlns:a16="http://schemas.microsoft.com/office/drawing/2014/main" id="{E5244F1C-4D41-4692-94A7-9A1361BFB403}"/>
-              </a:ext>
-            </a:extLst>
-          </p:cNvPr>
-          <p:cNvSpPr>
-            <a:spLocks noGrp="1"/>
-          </p:cNvSpPr>
-          <p:nvPr>
-            <p:ph type="ftr" sz="quarter" idx="11"/>
-          </p:nvPr>
-        </p:nvSpPr>
-        <p:spPr/>
-        <p:txBody>
-          <a:bodyPr/>
-          <a:lstStyle/>
-          <a:p>
-            <a:pPr rtl="0"/>
-            <a:r>
-              <a:rPr lang="pt-PT"/>
-              <a:t>Arquiteturas Avançadas - Computação Paralela Distribuida</a:t>
-            </a:r>
-          </a:p>
-        </p:txBody>
-      </p:sp>
-    </p:spTree>
-    <p:extLst>
-      <p:ext uri="{BB962C8B-B14F-4D97-AF65-F5344CB8AC3E}">
-        <p14:creationId xmlns:p14="http://schemas.microsoft.com/office/powerpoint/2010/main" val="3529114326"/>
-      </p:ext>
-    </p:extLst>
-  </p:cSld>
-  <p:clrMapOvr>
-    <a:masterClrMapping/>
-  </p:clrMapOvr>
-  <mc:AlternateContent xmlns:mc="http://schemas.openxmlformats.org/markup-compatibility/2006" xmlns:p14="http://schemas.microsoft.com/office/powerpoint/2010/main">
-    <mc:Choice Requires="p14">
-      <p:transition spd="med" p14:dur="700">
-        <p:fade/>
-      </p:transition>
-    </mc:Choice>
-    <mc:Fallback xmlns="">
-      <p:transition spd="med">
-        <p:fade/>
-      </p:transition>
-    </mc:Fallback>
-  </mc:AlternateContent>
-</p:sld>
-</file>
-
-<file path=ppt/slides/slide3.xml><?xml version="1.0" encoding="utf-8"?>
 <p:sld xmlns:a="http://schemas.openxmlformats.org/drawingml/2006/main" xmlns:r="http://schemas.openxmlformats.org/officeDocument/2006/relationships" xmlns:p="http://schemas.openxmlformats.org/presentationml/2006/main">
   <p:cSld>
     <p:spTree>
@@ -9962,7 +9814,7 @@
             <p:ph idx="1"/>
             <p:extLst>
               <p:ext uri="{D42A27DB-BD31-4B8C-83A1-F6EECF244321}">
-                <p14:modId xmlns:p14="http://schemas.microsoft.com/office/powerpoint/2010/main" val="2009320382"/>
+                <p14:modId xmlns:p14="http://schemas.microsoft.com/office/powerpoint/2010/main" val="2973658026"/>
               </p:ext>
             </p:extLst>
           </p:nvPr>
@@ -10000,24 +9852,8 @@
                     <a:lstStyle/>
                     <a:p>
                       <a:r>
-                        <a:rPr lang="pt-PT" sz="2000" dirty="0" err="1"/>
-                        <a:t>Level</a:t>
-                      </a:r>
-                      <a:r>
-                        <a:rPr lang="pt-PT" sz="2000" dirty="0"/>
-                        <a:t> </a:t>
-                      </a:r>
-                      <a:r>
-                        <a:rPr lang="pt-PT" sz="2000" dirty="0" err="1"/>
-                        <a:t>of</a:t>
-                      </a:r>
-                      <a:r>
-                        <a:rPr lang="pt-PT" sz="2000" dirty="0"/>
-                        <a:t> </a:t>
-                      </a:r>
-                      <a:r>
-                        <a:rPr lang="pt-PT" sz="2000" dirty="0" err="1"/>
-                        <a:t>hierarchy</a:t>
+                        <a:rPr lang="en-US" sz="2000" dirty="0"/>
+                        <a:t>Fitting Level of The Hierarchy</a:t>
                       </a:r>
                       <a:endParaRPr lang="pt-PT" sz="2000" dirty="0"/>
                     </a:p>
@@ -10029,6 +9865,7 @@
                     <a:bodyPr/>
                     <a:lstStyle/>
                     <a:p>
+                      <a:pPr algn="ctr"/>
                       <a:r>
                         <a:rPr lang="pt-PT" sz="2000" dirty="0" err="1"/>
                         <a:t>Matrix</a:t>
@@ -10071,6 +9908,7 @@
                     <a:bodyPr/>
                     <a:lstStyle/>
                     <a:p>
+                      <a:pPr algn="ctr"/>
                       <a:r>
                         <a:rPr lang="pt-PT" sz="2000" dirty="0"/>
                         <a:t>32 X 32</a:t>
@@ -10104,6 +9942,7 @@
                     <a:bodyPr/>
                     <a:lstStyle/>
                     <a:p>
+                      <a:pPr algn="ctr"/>
                       <a:r>
                         <a:rPr lang="pt-PT" sz="2000" dirty="0"/>
                         <a:t>128 X 128</a:t>
@@ -10137,6 +9976,7 @@
                     <a:bodyPr/>
                     <a:lstStyle/>
                     <a:p>
+                      <a:pPr algn="ctr"/>
                       <a:r>
                         <a:rPr lang="pt-PT" sz="2000" dirty="0"/>
                         <a:t>1024 X 1024</a:t>
@@ -10174,6 +10014,7 @@
                     <a:bodyPr/>
                     <a:lstStyle/>
                     <a:p>
+                      <a:pPr algn="ctr"/>
                       <a:r>
                         <a:rPr lang="pt-PT" sz="2000" dirty="0"/>
                         <a:t>2480 X 2048</a:t>
@@ -10207,7 +10048,7 @@
           <p:nvPr>
             <p:extLst>
               <p:ext uri="{D42A27DB-BD31-4B8C-83A1-F6EECF244321}">
-                <p14:modId xmlns:p14="http://schemas.microsoft.com/office/powerpoint/2010/main" val="2425711998"/>
+                <p14:modId xmlns:p14="http://schemas.microsoft.com/office/powerpoint/2010/main" val="1126380382"/>
               </p:ext>
             </p:extLst>
           </p:nvPr>
@@ -10279,7 +10120,7 @@
                     <a:bodyPr/>
                     <a:lstStyle/>
                     <a:p>
-                      <a:pPr marL="0" marR="0" lvl="0" indent="0" algn="l" defTabSz="1218987" rtl="0" eaLnBrk="1" fontAlgn="auto" latinLnBrk="0" hangingPunct="1">
+                      <a:pPr marL="0" marR="0" lvl="0" indent="0" algn="ctr" defTabSz="1218987" rtl="0" eaLnBrk="1" fontAlgn="auto" latinLnBrk="0" hangingPunct="1">
                         <a:lnSpc>
                           <a:spcPct val="100000"/>
                         </a:lnSpc>
@@ -10309,7 +10150,7 @@
                     <a:bodyPr/>
                     <a:lstStyle/>
                     <a:p>
-                      <a:pPr marL="0" marR="0" lvl="0" indent="0" algn="l" defTabSz="1218987" rtl="0" eaLnBrk="1" fontAlgn="auto" latinLnBrk="0" hangingPunct="1">
+                      <a:pPr marL="0" marR="0" lvl="0" indent="0" algn="ctr" defTabSz="1218987" rtl="0" eaLnBrk="1" fontAlgn="auto" latinLnBrk="0" hangingPunct="1">
                         <a:lnSpc>
                           <a:spcPct val="100000"/>
                         </a:lnSpc>
@@ -10339,7 +10180,7 @@
                     <a:bodyPr/>
                     <a:lstStyle/>
                     <a:p>
-                      <a:pPr marL="0" marR="0" lvl="0" indent="0" algn="l" defTabSz="1218987" rtl="0" eaLnBrk="1" fontAlgn="auto" latinLnBrk="0" hangingPunct="1">
+                      <a:pPr marL="0" marR="0" lvl="0" indent="0" algn="ctr" defTabSz="1218987" rtl="0" eaLnBrk="1" fontAlgn="auto" latinLnBrk="0" hangingPunct="1">
                         <a:lnSpc>
                           <a:spcPct val="100000"/>
                         </a:lnSpc>
@@ -10369,7 +10210,7 @@
                     <a:bodyPr/>
                     <a:lstStyle/>
                     <a:p>
-                      <a:pPr marL="0" marR="0" lvl="0" indent="0" algn="l" defTabSz="1218987" rtl="0" eaLnBrk="1" fontAlgn="auto" latinLnBrk="0" hangingPunct="1">
+                      <a:pPr marL="0" marR="0" lvl="0" indent="0" algn="ctr" defTabSz="1218987" rtl="0" eaLnBrk="1" fontAlgn="auto" latinLnBrk="0" hangingPunct="1">
                         <a:lnSpc>
                           <a:spcPct val="100000"/>
                         </a:lnSpc>
@@ -10428,7 +10269,7 @@
                     <a:bodyPr/>
                     <a:lstStyle/>
                     <a:p>
-                      <a:pPr marL="0" marR="0" lvl="0" indent="0" algn="l" defTabSz="1218987" rtl="0" eaLnBrk="1" fontAlgn="auto" latinLnBrk="0" hangingPunct="1">
+                      <a:pPr marL="0" marR="0" lvl="0" indent="0" algn="r" defTabSz="1218987" rtl="0" eaLnBrk="1" fontAlgn="auto" latinLnBrk="0" hangingPunct="1">
                         <a:lnSpc>
                           <a:spcPct val="100000"/>
                         </a:lnSpc>
@@ -10466,7 +10307,7 @@
                     <a:bodyPr/>
                     <a:lstStyle/>
                     <a:p>
-                      <a:pPr marL="0" marR="0" lvl="0" indent="0" algn="l" defTabSz="1218987" rtl="0" eaLnBrk="1" fontAlgn="auto" latinLnBrk="0" hangingPunct="1">
+                      <a:pPr marL="0" marR="0" lvl="0" indent="0" algn="r" defTabSz="1218987" rtl="0" eaLnBrk="1" fontAlgn="auto" latinLnBrk="0" hangingPunct="1">
                         <a:lnSpc>
                           <a:spcPct val="100000"/>
                         </a:lnSpc>
@@ -10504,7 +10345,7 @@
                     <a:bodyPr/>
                     <a:lstStyle/>
                     <a:p>
-                      <a:pPr marL="0" marR="0" lvl="0" indent="0" algn="l" defTabSz="1218987" rtl="0" eaLnBrk="1" fontAlgn="auto" latinLnBrk="0" hangingPunct="1">
+                      <a:pPr marL="0" marR="0" lvl="0" indent="0" algn="r" defTabSz="1218987" rtl="0" eaLnBrk="1" fontAlgn="auto" latinLnBrk="0" hangingPunct="1">
                         <a:lnSpc>
                           <a:spcPct val="100000"/>
                         </a:lnSpc>
@@ -10542,7 +10383,7 @@
                     <a:bodyPr/>
                     <a:lstStyle/>
                     <a:p>
-                      <a:pPr marL="0" marR="0" lvl="0" indent="0" algn="l" defTabSz="1218987" rtl="0" eaLnBrk="1" fontAlgn="auto" latinLnBrk="0" hangingPunct="1">
+                      <a:pPr marL="0" marR="0" lvl="0" indent="0" algn="r" defTabSz="1218987" rtl="0" eaLnBrk="1" fontAlgn="auto" latinLnBrk="0" hangingPunct="1">
                         <a:lnSpc>
                           <a:spcPct val="100000"/>
                         </a:lnSpc>
@@ -10629,6 +10470,7 @@
                     <a:bodyPr/>
                     <a:lstStyle/>
                     <a:p>
+                      <a:pPr algn="r"/>
                       <a:r>
                         <a:rPr lang="pt-PT" sz="2000" b="0" i="0" kern="1200" dirty="0">
                           <a:solidFill>
@@ -10651,6 +10493,7 @@
                     <a:bodyPr/>
                     <a:lstStyle/>
                     <a:p>
+                      <a:pPr algn="r"/>
                       <a:r>
                         <a:rPr lang="pt-PT" sz="2000" b="0" i="0" kern="1200" dirty="0">
                           <a:solidFill>
@@ -10673,6 +10516,7 @@
                     <a:bodyPr/>
                     <a:lstStyle/>
                     <a:p>
+                      <a:pPr algn="r"/>
                       <a:r>
                         <a:rPr lang="pt-PT" sz="2000" b="0" i="0" kern="1200" dirty="0">
                           <a:solidFill>
@@ -10695,6 +10539,7 @@
                     <a:bodyPr/>
                     <a:lstStyle/>
                     <a:p>
+                      <a:pPr algn="r"/>
                       <a:r>
                         <a:rPr lang="pt-PT" sz="2000" b="0" i="0" kern="1200" dirty="0">
                           <a:solidFill>
@@ -10744,6 +10589,7 @@
                     <a:bodyPr/>
                     <a:lstStyle/>
                     <a:p>
+                      <a:pPr algn="r"/>
                       <a:r>
                         <a:rPr lang="pt-PT" sz="2000" b="0" i="0" kern="1200" dirty="0">
                           <a:solidFill>
@@ -10765,6 +10611,7 @@
                     <a:bodyPr/>
                     <a:lstStyle/>
                     <a:p>
+                      <a:pPr algn="r"/>
                       <a:r>
                         <a:rPr lang="pt-PT" sz="2000" b="0" i="0" kern="1200" dirty="0">
                           <a:solidFill>
@@ -10786,6 +10633,7 @@
                     <a:bodyPr/>
                     <a:lstStyle/>
                     <a:p>
+                      <a:pPr algn="r"/>
                       <a:r>
                         <a:rPr lang="pt-PT" sz="2000" b="0" i="0" kern="1200" dirty="0">
                           <a:solidFill>
@@ -10807,7 +10655,7 @@
                     <a:bodyPr/>
                     <a:lstStyle/>
                     <a:p>
-                      <a:pPr marL="0" marR="0" lvl="0" indent="0" algn="l" defTabSz="1218987" rtl="0" eaLnBrk="1" fontAlgn="auto" latinLnBrk="0" hangingPunct="1">
+                      <a:pPr marL="0" marR="0" lvl="0" indent="0" algn="r" defTabSz="1218987" rtl="0" eaLnBrk="1" fontAlgn="auto" latinLnBrk="0" hangingPunct="1">
                         <a:lnSpc>
                           <a:spcPct val="100000"/>
                         </a:lnSpc>
@@ -10873,6 +10721,7 @@
                     <a:bodyPr/>
                     <a:lstStyle/>
                     <a:p>
+                      <a:pPr algn="r"/>
                       <a:r>
                         <a:rPr lang="pt-PT" sz="2000" b="0" i="0" kern="1200" dirty="0">
                           <a:solidFill>
@@ -10894,6 +10743,7 @@
                     <a:bodyPr/>
                     <a:lstStyle/>
                     <a:p>
+                      <a:pPr algn="r"/>
                       <a:r>
                         <a:rPr lang="pt-PT" sz="2000" b="0" i="0" kern="1200" dirty="0">
                           <a:solidFill>
@@ -10916,6 +10766,7 @@
                     <a:bodyPr/>
                     <a:lstStyle/>
                     <a:p>
+                      <a:pPr algn="r"/>
                       <a:r>
                         <a:rPr lang="pt-PT" sz="2000" b="0" i="0" kern="1200" dirty="0">
                           <a:solidFill>
@@ -10938,6 +10789,7 @@
                     <a:bodyPr/>
                     <a:lstStyle/>
                     <a:p>
+                      <a:pPr algn="r"/>
                       <a:r>
                         <a:rPr lang="pt-PT" sz="2000" b="0" i="0" kern="1200" dirty="0">
                           <a:solidFill>
@@ -11009,6 +10861,7 @@
                     <a:bodyPr/>
                     <a:lstStyle/>
                     <a:p>
+                      <a:pPr algn="r"/>
                       <a:r>
                         <a:rPr lang="pt-PT" sz="2000" b="0" i="0" kern="1200" dirty="0">
                           <a:solidFill>
@@ -11030,6 +10883,7 @@
                     <a:bodyPr/>
                     <a:lstStyle/>
                     <a:p>
+                      <a:pPr algn="r"/>
                       <a:r>
                         <a:rPr lang="pt-PT" sz="2000" b="0" i="0" kern="1200" dirty="0">
                           <a:solidFill>
@@ -11051,6 +10905,7 @@
                     <a:bodyPr/>
                     <a:lstStyle/>
                     <a:p>
+                      <a:pPr algn="r"/>
                       <a:r>
                         <a:rPr lang="pt-PT" sz="2000" b="0" i="0" kern="1200" dirty="0">
                           <a:solidFill>
@@ -11072,7 +10927,7 @@
                     <a:bodyPr/>
                     <a:lstStyle/>
                     <a:p>
-                      <a:pPr marL="0" marR="0" lvl="0" indent="0" algn="l" defTabSz="1218987" rtl="0" eaLnBrk="1" fontAlgn="auto" latinLnBrk="0" hangingPunct="1">
+                      <a:pPr marL="0" marR="0" lvl="0" indent="0" algn="r" defTabSz="1218987" rtl="0" eaLnBrk="1" fontAlgn="auto" latinLnBrk="0" hangingPunct="1">
                         <a:lnSpc>
                           <a:spcPct val="100000"/>
                         </a:lnSpc>
@@ -11136,10 +10991,9 @@
           <a:bodyPr/>
           <a:lstStyle/>
           <a:p>
-            <a:pPr rtl="0"/>
             <a:r>
-              <a:rPr lang="pt-PT"/>
-              <a:t>Arquiteturas Avançadas - Computação Paralela Distribuida</a:t>
+              <a:rPr lang="pt-PT" dirty="0"/>
+              <a:t>Advanced Architectures - Matrix Multiplication</a:t>
             </a:r>
           </a:p>
         </p:txBody>
@@ -11174,44 +11028,8 @@
           <a:p>
             <a:pPr algn="ctr"/>
             <a:r>
-              <a:rPr lang="pt-PT" sz="1200" dirty="0" err="1"/>
-              <a:t>Table</a:t>
-            </a:r>
-            <a:r>
               <a:rPr lang="pt-PT" sz="1200" dirty="0"/>
-              <a:t> 1: </a:t>
-            </a:r>
-            <a:r>
-              <a:rPr lang="pt-PT" sz="1200" dirty="0" err="1"/>
-              <a:t>Matrix</a:t>
-            </a:r>
-            <a:r>
-              <a:rPr lang="pt-PT" sz="1200" dirty="0"/>
-              <a:t> </a:t>
-            </a:r>
-            <a:r>
-              <a:rPr lang="pt-PT" sz="1200" dirty="0" err="1"/>
-              <a:t>Sizes</a:t>
-            </a:r>
-            <a:r>
-              <a:rPr lang="pt-PT" sz="1200" dirty="0"/>
-              <a:t> Per Cache </a:t>
-            </a:r>
-            <a:r>
-              <a:rPr lang="pt-PT" sz="1200" dirty="0" err="1"/>
-              <a:t>Level</a:t>
-            </a:r>
-            <a:r>
-              <a:rPr lang="pt-PT" sz="1200" dirty="0"/>
-              <a:t> </a:t>
-            </a:r>
-            <a:r>
-              <a:rPr lang="pt-PT" sz="1200" dirty="0" err="1"/>
-              <a:t>and</a:t>
-            </a:r>
-            <a:r>
-              <a:rPr lang="pt-PT" sz="1200" dirty="0"/>
-              <a:t> RAM</a:t>
+              <a:t>Table 1: Matrix Sizes Per Cache Level and RAM.</a:t>
             </a:r>
           </a:p>
         </p:txBody>
@@ -11246,34 +11064,9 @@
           <a:p>
             <a:pPr algn="ctr"/>
             <a:r>
-              <a:rPr lang="pt-PT" sz="1200" dirty="0" err="1"/>
-              <a:t>Table</a:t>
+              <a:rPr lang="pt-PT" sz="1200" dirty="0"/>
+              <a:t>Table 2: Executin time (in ms) of each algorithm.</a:t>
             </a:r>
-            <a:r>
-              <a:rPr lang="pt-PT" sz="1200" dirty="0"/>
-              <a:t> 2: Time to execute </a:t>
-            </a:r>
-            <a:r>
-              <a:rPr lang="pt-PT" sz="1200" dirty="0" err="1"/>
-              <a:t>each</a:t>
-            </a:r>
-            <a:r>
-              <a:rPr lang="pt-PT" sz="1200" dirty="0"/>
-              <a:t> </a:t>
-            </a:r>
-            <a:r>
-              <a:rPr lang="pt-PT" sz="1200" dirty="0" err="1"/>
-              <a:t>algorithm</a:t>
-            </a:r>
-            <a:r>
-              <a:rPr lang="pt-PT" sz="1200" dirty="0"/>
-              <a:t> in </a:t>
-            </a:r>
-            <a:r>
-              <a:rPr lang="pt-PT" sz="1200" dirty="0" err="1"/>
-              <a:t>milliseconds</a:t>
-            </a:r>
-            <a:endParaRPr lang="pt-PT" sz="1200" dirty="0"/>
           </a:p>
         </p:txBody>
       </p:sp>
@@ -11302,7 +11095,7 @@
 </p:sld>
 </file>
 
-<file path=ppt/slides/slide4.xml><?xml version="1.0" encoding="utf-8"?>
+<file path=ppt/slides/slide3.xml><?xml version="1.0" encoding="utf-8"?>
 <p:sld xmlns:a="http://schemas.openxmlformats.org/drawingml/2006/main" xmlns:r="http://schemas.openxmlformats.org/officeDocument/2006/relationships" xmlns:p="http://schemas.openxmlformats.org/presentationml/2006/main">
   <p:cSld>
     <p:spTree>
@@ -11372,7 +11165,7 @@
             <p:ph idx="1"/>
             <p:extLst>
               <p:ext uri="{D42A27DB-BD31-4B8C-83A1-F6EECF244321}">
-                <p14:modId xmlns:p14="http://schemas.microsoft.com/office/powerpoint/2010/main" val="2566831289"/>
+                <p14:modId xmlns:p14="http://schemas.microsoft.com/office/powerpoint/2010/main" val="569815351"/>
               </p:ext>
             </p:extLst>
           </p:nvPr>
@@ -11444,7 +11237,7 @@
                     <a:bodyPr/>
                     <a:lstStyle/>
                     <a:p>
-                      <a:pPr marL="0" marR="0" lvl="0" indent="0" algn="l" defTabSz="1218987" rtl="0" eaLnBrk="1" fontAlgn="auto" latinLnBrk="0" hangingPunct="1">
+                      <a:pPr marL="0" marR="0" lvl="0" indent="0" algn="ctr" defTabSz="1218987" rtl="0" eaLnBrk="1" fontAlgn="auto" latinLnBrk="0" hangingPunct="1">
                         <a:lnSpc>
                           <a:spcPct val="100000"/>
                         </a:lnSpc>
@@ -11474,7 +11267,7 @@
                     <a:bodyPr/>
                     <a:lstStyle/>
                     <a:p>
-                      <a:pPr marL="0" marR="0" lvl="0" indent="0" algn="l" defTabSz="1218987" rtl="0" eaLnBrk="1" fontAlgn="auto" latinLnBrk="0" hangingPunct="1">
+                      <a:pPr marL="0" marR="0" lvl="0" indent="0" algn="ctr" defTabSz="1218987" rtl="0" eaLnBrk="1" fontAlgn="auto" latinLnBrk="0" hangingPunct="1">
                         <a:lnSpc>
                           <a:spcPct val="100000"/>
                         </a:lnSpc>
@@ -11504,7 +11297,7 @@
                     <a:bodyPr/>
                     <a:lstStyle/>
                     <a:p>
-                      <a:pPr marL="0" marR="0" lvl="0" indent="0" algn="l" defTabSz="1218987" rtl="0" eaLnBrk="1" fontAlgn="auto" latinLnBrk="0" hangingPunct="1">
+                      <a:pPr marL="0" marR="0" lvl="0" indent="0" algn="ctr" defTabSz="1218987" rtl="0" eaLnBrk="1" fontAlgn="auto" latinLnBrk="0" hangingPunct="1">
                         <a:lnSpc>
                           <a:spcPct val="100000"/>
                         </a:lnSpc>
@@ -11534,7 +11327,7 @@
                     <a:bodyPr/>
                     <a:lstStyle/>
                     <a:p>
-                      <a:pPr marL="0" marR="0" lvl="0" indent="0" algn="l" defTabSz="1218987" rtl="0" eaLnBrk="1" fontAlgn="auto" latinLnBrk="0" hangingPunct="1">
+                      <a:pPr marL="0" marR="0" lvl="0" indent="0" algn="ctr" defTabSz="1218987" rtl="0" eaLnBrk="1" fontAlgn="auto" latinLnBrk="0" hangingPunct="1">
                         <a:lnSpc>
                           <a:spcPct val="100000"/>
                         </a:lnSpc>
@@ -11593,6 +11386,7 @@
                     <a:bodyPr/>
                     <a:lstStyle/>
                     <a:p>
+                      <a:pPr algn="r"/>
                       <a:r>
                         <a:rPr lang="en-US" sz="1800" b="0" i="0" kern="1200" dirty="0">
                           <a:solidFill>
@@ -11614,7 +11408,7 @@
                     <a:bodyPr/>
                     <a:lstStyle/>
                     <a:p>
-                      <a:pPr marL="0" marR="0" lvl="0" indent="0" algn="l" defTabSz="1218987" rtl="0" eaLnBrk="1" fontAlgn="auto" latinLnBrk="0" hangingPunct="1">
+                      <a:pPr marL="0" marR="0" lvl="0" indent="0" algn="r" defTabSz="1218987" rtl="0" eaLnBrk="1" fontAlgn="auto" latinLnBrk="0" hangingPunct="1">
                         <a:lnSpc>
                           <a:spcPct val="100000"/>
                         </a:lnSpc>
@@ -11652,7 +11446,7 @@
                     <a:bodyPr/>
                     <a:lstStyle/>
                     <a:p>
-                      <a:pPr marL="0" marR="0" lvl="0" indent="0" algn="l" defTabSz="1218987" rtl="0" eaLnBrk="1" fontAlgn="auto" latinLnBrk="0" hangingPunct="1">
+                      <a:pPr marL="0" marR="0" lvl="0" indent="0" algn="r" defTabSz="1218987" rtl="0" eaLnBrk="1" fontAlgn="auto" latinLnBrk="0" hangingPunct="1">
                         <a:lnSpc>
                           <a:spcPct val="100000"/>
                         </a:lnSpc>
@@ -11699,7 +11493,7 @@
                     <a:bodyPr/>
                     <a:lstStyle/>
                     <a:p>
-                      <a:pPr marL="0" marR="0" lvl="0" indent="0" algn="l" defTabSz="1218987" rtl="0" eaLnBrk="1" fontAlgn="auto" latinLnBrk="0" hangingPunct="1">
+                      <a:pPr marL="0" marR="0" lvl="0" indent="0" algn="r" defTabSz="1218987" rtl="0" eaLnBrk="1" fontAlgn="auto" latinLnBrk="0" hangingPunct="1">
                         <a:lnSpc>
                           <a:spcPct val="100000"/>
                         </a:lnSpc>
@@ -11795,6 +11589,7 @@
                     <a:bodyPr/>
                     <a:lstStyle/>
                     <a:p>
+                      <a:pPr algn="r"/>
                       <a:r>
                         <a:rPr lang="en-US" sz="1800" b="0" i="0" kern="1200" dirty="0">
                           <a:solidFill>
@@ -11817,6 +11612,7 @@
                     <a:bodyPr/>
                     <a:lstStyle/>
                     <a:p>
+                      <a:pPr algn="r"/>
                       <a:r>
                         <a:rPr lang="en-US" sz="1800" b="0" i="0" kern="1200" dirty="0">
                           <a:solidFill>
@@ -11839,6 +11635,7 @@
                     <a:bodyPr/>
                     <a:lstStyle/>
                     <a:p>
+                      <a:pPr algn="r"/>
                       <a:r>
                         <a:rPr lang="en-US" sz="1800" b="0" i="0" kern="1200" dirty="0">
                           <a:solidFill>
@@ -11861,6 +11658,7 @@
                     <a:bodyPr/>
                     <a:lstStyle/>
                     <a:p>
+                      <a:pPr algn="r"/>
                       <a:r>
                         <a:rPr lang="en-US" sz="1800" b="0" i="0" kern="1200" dirty="0">
                           <a:solidFill>
@@ -11919,7 +11717,7 @@
                     <a:bodyPr/>
                     <a:lstStyle/>
                     <a:p>
-                      <a:pPr marL="0" marR="0" lvl="0" indent="0" algn="l" defTabSz="1218987" rtl="0" eaLnBrk="1" fontAlgn="auto" latinLnBrk="0" hangingPunct="1">
+                      <a:pPr marL="0" marR="0" lvl="0" indent="0" algn="r" defTabSz="1218987" rtl="0" eaLnBrk="1" fontAlgn="auto" latinLnBrk="0" hangingPunct="1">
                         <a:lnSpc>
                           <a:spcPct val="100000"/>
                         </a:lnSpc>
@@ -11957,6 +11755,7 @@
                     <a:bodyPr/>
                     <a:lstStyle/>
                     <a:p>
+                      <a:pPr algn="r"/>
                       <a:r>
                         <a:rPr lang="en-US" sz="1800" b="0" i="0" kern="1200" dirty="0">
                           <a:solidFill>
@@ -11987,6 +11786,7 @@
                     <a:bodyPr/>
                     <a:lstStyle/>
                     <a:p>
+                      <a:pPr algn="r"/>
                       <a:r>
                         <a:rPr lang="en-US" sz="1800" b="0" i="0" kern="1200" dirty="0">
                           <a:solidFill>
@@ -12017,7 +11817,7 @@
                     <a:bodyPr/>
                     <a:lstStyle/>
                     <a:p>
-                      <a:pPr marL="0" marR="0" lvl="0" indent="0" algn="l" defTabSz="1218987" rtl="0" eaLnBrk="1" fontAlgn="auto" latinLnBrk="0" hangingPunct="1">
+                      <a:pPr marL="0" marR="0" lvl="0" indent="0" algn="r" defTabSz="1218987" rtl="0" eaLnBrk="1" fontAlgn="auto" latinLnBrk="0" hangingPunct="1">
                         <a:lnSpc>
                           <a:spcPct val="100000"/>
                         </a:lnSpc>
@@ -12092,6 +11892,7 @@
                     <a:bodyPr/>
                     <a:lstStyle/>
                     <a:p>
+                      <a:pPr algn="r"/>
                       <a:r>
                         <a:rPr lang="en-US" sz="1800" b="0" i="0" kern="1200" dirty="0">
                           <a:solidFill>
@@ -12122,6 +11923,7 @@
                     <a:bodyPr/>
                     <a:lstStyle/>
                     <a:p>
+                      <a:pPr algn="r"/>
                       <a:r>
                         <a:rPr lang="en-US" sz="1800" b="0" i="0" kern="1200" dirty="0">
                           <a:solidFill>
@@ -12144,6 +11946,7 @@
                     <a:bodyPr/>
                     <a:lstStyle/>
                     <a:p>
+                      <a:pPr algn="r"/>
                       <a:r>
                         <a:rPr lang="en-US" sz="1800" b="0" i="0" kern="1200" dirty="0">
                           <a:solidFill>
@@ -12166,6 +11969,7 @@
                     <a:bodyPr/>
                     <a:lstStyle/>
                     <a:p>
+                      <a:pPr algn="r"/>
                       <a:r>
                         <a:rPr lang="en-US" sz="1800" b="0" i="0" kern="1200" dirty="0">
                           <a:solidFill>
@@ -12237,6 +12041,7 @@
                     <a:bodyPr/>
                     <a:lstStyle/>
                     <a:p>
+                      <a:pPr algn="r"/>
                       <a:r>
                         <a:rPr lang="en-US" sz="1800" b="0" i="0" kern="1200" dirty="0">
                           <a:solidFill>
@@ -12267,6 +12072,7 @@
                     <a:bodyPr/>
                     <a:lstStyle/>
                     <a:p>
+                      <a:pPr algn="r"/>
                       <a:r>
                         <a:rPr lang="en-US" sz="1800" b="0" i="0" kern="1200" dirty="0">
                           <a:solidFill>
@@ -12297,6 +12103,7 @@
                     <a:bodyPr/>
                     <a:lstStyle/>
                     <a:p>
+                      <a:pPr algn="r"/>
                       <a:r>
                         <a:rPr lang="en-US" sz="1800" b="0" i="0" kern="1200" dirty="0">
                           <a:solidFill>
@@ -12327,7 +12134,7 @@
                     <a:bodyPr/>
                     <a:lstStyle/>
                     <a:p>
-                      <a:pPr marL="0" marR="0" lvl="0" indent="0" algn="l" defTabSz="1218987" rtl="0" eaLnBrk="1" fontAlgn="auto" latinLnBrk="0" hangingPunct="1">
+                      <a:pPr marL="0" marR="0" lvl="0" indent="0" algn="r" defTabSz="1218987" rtl="0" eaLnBrk="1" fontAlgn="auto" latinLnBrk="0" hangingPunct="1">
                         <a:lnSpc>
                           <a:spcPct val="100000"/>
                         </a:lnSpc>
@@ -12400,10 +12207,9 @@
           <a:bodyPr/>
           <a:lstStyle/>
           <a:p>
-            <a:pPr rtl="0"/>
             <a:r>
-              <a:rPr lang="pt-PT"/>
-              <a:t>Arquiteturas Avançadas - Computação Paralela Distribuida</a:t>
+              <a:rPr lang="pt-PT" dirty="0"/>
+              <a:t>Advanced Architectures - Matrix Multiplication</a:t>
             </a:r>
           </a:p>
         </p:txBody>
@@ -12423,7 +12229,7 @@
           <p:nvPr>
             <p:extLst>
               <p:ext uri="{D42A27DB-BD31-4B8C-83A1-F6EECF244321}">
-                <p14:modId xmlns:p14="http://schemas.microsoft.com/office/powerpoint/2010/main" val="3482116810"/>
+                <p14:modId xmlns:p14="http://schemas.microsoft.com/office/powerpoint/2010/main" val="821886114"/>
               </p:ext>
             </p:extLst>
           </p:nvPr>
@@ -12495,7 +12301,7 @@
                     <a:bodyPr/>
                     <a:lstStyle/>
                     <a:p>
-                      <a:pPr marL="0" marR="0" lvl="0" indent="0" algn="l" defTabSz="1218987" rtl="0" eaLnBrk="1" fontAlgn="auto" latinLnBrk="0" hangingPunct="1">
+                      <a:pPr marL="0" marR="0" lvl="0" indent="0" algn="ctr" defTabSz="1218987" rtl="0" eaLnBrk="1" fontAlgn="auto" latinLnBrk="0" hangingPunct="1">
                         <a:lnSpc>
                           <a:spcPct val="100000"/>
                         </a:lnSpc>
@@ -12525,7 +12331,7 @@
                     <a:bodyPr/>
                     <a:lstStyle/>
                     <a:p>
-                      <a:pPr marL="0" marR="0" lvl="0" indent="0" algn="l" defTabSz="1218987" rtl="0" eaLnBrk="1" fontAlgn="auto" latinLnBrk="0" hangingPunct="1">
+                      <a:pPr marL="0" marR="0" lvl="0" indent="0" algn="ctr" defTabSz="1218987" rtl="0" eaLnBrk="1" fontAlgn="auto" latinLnBrk="0" hangingPunct="1">
                         <a:lnSpc>
                           <a:spcPct val="100000"/>
                         </a:lnSpc>
@@ -12555,7 +12361,7 @@
                     <a:bodyPr/>
                     <a:lstStyle/>
                     <a:p>
-                      <a:pPr marL="0" marR="0" lvl="0" indent="0" algn="l" defTabSz="1218987" rtl="0" eaLnBrk="1" fontAlgn="auto" latinLnBrk="0" hangingPunct="1">
+                      <a:pPr marL="0" marR="0" lvl="0" indent="0" algn="ctr" defTabSz="1218987" rtl="0" eaLnBrk="1" fontAlgn="auto" latinLnBrk="0" hangingPunct="1">
                         <a:lnSpc>
                           <a:spcPct val="100000"/>
                         </a:lnSpc>
@@ -12585,7 +12391,7 @@
                     <a:bodyPr/>
                     <a:lstStyle/>
                     <a:p>
-                      <a:pPr marL="0" marR="0" lvl="0" indent="0" algn="l" defTabSz="1218987" rtl="0" eaLnBrk="1" fontAlgn="auto" latinLnBrk="0" hangingPunct="1">
+                      <a:pPr marL="0" marR="0" lvl="0" indent="0" algn="ctr" defTabSz="1218987" rtl="0" eaLnBrk="1" fontAlgn="auto" latinLnBrk="0" hangingPunct="1">
                         <a:lnSpc>
                           <a:spcPct val="100000"/>
                         </a:lnSpc>
@@ -12644,6 +12450,7 @@
                     <a:bodyPr/>
                     <a:lstStyle/>
                     <a:p>
+                      <a:pPr algn="r"/>
                       <a:r>
                         <a:rPr lang="en-US" sz="1800" b="0" i="0" kern="1200" dirty="0">
                           <a:solidFill>
@@ -12674,7 +12481,7 @@
                     <a:bodyPr/>
                     <a:lstStyle/>
                     <a:p>
-                      <a:pPr marL="0" marR="0" lvl="0" indent="0" algn="l" defTabSz="1218987" rtl="0" eaLnBrk="1" fontAlgn="auto" latinLnBrk="0" hangingPunct="1">
+                      <a:pPr marL="0" marR="0" lvl="0" indent="0" algn="r" defTabSz="1218987" rtl="0" eaLnBrk="1" fontAlgn="auto" latinLnBrk="0" hangingPunct="1">
                         <a:lnSpc>
                           <a:spcPct val="100000"/>
                         </a:lnSpc>
@@ -12721,7 +12528,7 @@
                     <a:bodyPr/>
                     <a:lstStyle/>
                     <a:p>
-                      <a:pPr marL="0" marR="0" lvl="0" indent="0" algn="l" defTabSz="1218987" rtl="0" eaLnBrk="1" fontAlgn="auto" latinLnBrk="0" hangingPunct="1">
+                      <a:pPr marL="0" marR="0" lvl="0" indent="0" algn="r" defTabSz="1218987" rtl="0" eaLnBrk="1" fontAlgn="auto" latinLnBrk="0" hangingPunct="1">
                         <a:lnSpc>
                           <a:spcPct val="100000"/>
                         </a:lnSpc>
@@ -12768,7 +12575,7 @@
                     <a:bodyPr/>
                     <a:lstStyle/>
                     <a:p>
-                      <a:pPr marL="0" marR="0" lvl="0" indent="0" algn="l" defTabSz="1218987" rtl="0" eaLnBrk="1" fontAlgn="auto" latinLnBrk="0" hangingPunct="1">
+                      <a:pPr marL="0" marR="0" lvl="0" indent="0" algn="r" defTabSz="1218987" rtl="0" eaLnBrk="1" fontAlgn="auto" latinLnBrk="0" hangingPunct="1">
                         <a:lnSpc>
                           <a:spcPct val="100000"/>
                         </a:lnSpc>
@@ -12864,6 +12671,7 @@
                     <a:bodyPr/>
                     <a:lstStyle/>
                     <a:p>
+                      <a:pPr algn="r"/>
                       <a:r>
                         <a:rPr lang="en-US" sz="1800" b="0" i="0" kern="1200" dirty="0">
                           <a:solidFill>
@@ -12885,6 +12693,7 @@
                     <a:bodyPr/>
                     <a:lstStyle/>
                     <a:p>
+                      <a:pPr algn="r"/>
                       <a:r>
                         <a:rPr lang="en-US" sz="1800" b="0" i="0" kern="1200" dirty="0">
                           <a:solidFill>
@@ -12907,6 +12716,7 @@
                     <a:bodyPr/>
                     <a:lstStyle/>
                     <a:p>
+                      <a:pPr algn="r"/>
                       <a:r>
                         <a:rPr lang="en-US" sz="1800" b="0" i="0" kern="1200" dirty="0">
                           <a:solidFill>
@@ -12929,6 +12739,7 @@
                     <a:bodyPr/>
                     <a:lstStyle/>
                     <a:p>
+                      <a:pPr algn="r"/>
                       <a:r>
                         <a:rPr lang="en-US" sz="1800" b="0" i="0" kern="1200" dirty="0">
                           <a:solidFill>
@@ -12987,6 +12798,7 @@
                     <a:bodyPr/>
                     <a:lstStyle/>
                     <a:p>
+                      <a:pPr algn="r"/>
                       <a:r>
                         <a:rPr lang="en-US" sz="1800" b="0" i="0" kern="1200" dirty="0">
                           <a:solidFill>
@@ -13017,6 +12829,7 @@
                     <a:bodyPr/>
                     <a:lstStyle/>
                     <a:p>
+                      <a:pPr algn="r"/>
                       <a:r>
                         <a:rPr lang="en-US" sz="1800" b="0" i="0" kern="1200" dirty="0">
                           <a:solidFill>
@@ -13047,6 +12860,7 @@
                     <a:bodyPr/>
                     <a:lstStyle/>
                     <a:p>
+                      <a:pPr algn="r"/>
                       <a:r>
                         <a:rPr lang="en-US" sz="1800" b="0" i="0" kern="1200" dirty="0">
                           <a:solidFill>
@@ -13077,7 +12891,7 @@
                     <a:bodyPr/>
                     <a:lstStyle/>
                     <a:p>
-                      <a:pPr marL="0" marR="0" lvl="0" indent="0" algn="l" defTabSz="1218987" rtl="0" eaLnBrk="1" fontAlgn="auto" latinLnBrk="0" hangingPunct="1">
+                      <a:pPr marL="0" marR="0" lvl="0" indent="0" algn="r" defTabSz="1218987" rtl="0" eaLnBrk="1" fontAlgn="auto" latinLnBrk="0" hangingPunct="1">
                         <a:lnSpc>
                           <a:spcPct val="100000"/>
                         </a:lnSpc>
@@ -13152,6 +12966,7 @@
                     <a:bodyPr/>
                     <a:lstStyle/>
                     <a:p>
+                      <a:pPr algn="r"/>
                       <a:r>
                         <a:rPr lang="en-US" sz="1800" b="0" i="0" kern="1200" dirty="0">
                           <a:solidFill>
@@ -13182,6 +12997,7 @@
                     <a:bodyPr/>
                     <a:lstStyle/>
                     <a:p>
+                      <a:pPr algn="r"/>
                       <a:r>
                         <a:rPr lang="en-US" sz="1800" b="0" i="0" kern="1200" dirty="0">
                           <a:solidFill>
@@ -13204,6 +13020,7 @@
                     <a:bodyPr/>
                     <a:lstStyle/>
                     <a:p>
+                      <a:pPr algn="r"/>
                       <a:r>
                         <a:rPr lang="en-US" sz="1800" b="0" i="0" kern="1200" dirty="0">
                           <a:solidFill>
@@ -13226,6 +13043,7 @@
                     <a:bodyPr/>
                     <a:lstStyle/>
                     <a:p>
+                      <a:pPr algn="r"/>
                       <a:r>
                         <a:rPr lang="en-US" sz="1800" b="0" i="0" kern="1200" dirty="0">
                           <a:solidFill>
@@ -13297,6 +13115,7 @@
                     <a:bodyPr/>
                     <a:lstStyle/>
                     <a:p>
+                      <a:pPr algn="r"/>
                       <a:r>
                         <a:rPr lang="en-US" sz="1800" b="0" i="0" kern="1200" dirty="0">
                           <a:solidFill>
@@ -13327,7 +13146,7 @@
                     <a:bodyPr/>
                     <a:lstStyle/>
                     <a:p>
-                      <a:pPr marL="0" marR="0" lvl="0" indent="0" algn="l" defTabSz="1218987" rtl="0" eaLnBrk="1" fontAlgn="auto" latinLnBrk="0" hangingPunct="1">
+                      <a:pPr marL="0" marR="0" lvl="0" indent="0" algn="r" defTabSz="1218987" rtl="0" eaLnBrk="1" fontAlgn="auto" latinLnBrk="0" hangingPunct="1">
                         <a:lnSpc>
                           <a:spcPct val="100000"/>
                         </a:lnSpc>
@@ -13365,6 +13184,7 @@
                     <a:bodyPr/>
                     <a:lstStyle/>
                     <a:p>
+                      <a:pPr algn="r"/>
                       <a:r>
                         <a:rPr lang="en-US" sz="1800" b="0" i="0" kern="1200" dirty="0">
                           <a:solidFill>
@@ -13395,7 +13215,7 @@
                     <a:bodyPr/>
                     <a:lstStyle/>
                     <a:p>
-                      <a:pPr marL="0" marR="0" lvl="0" indent="0" algn="l" defTabSz="1218987" rtl="0" eaLnBrk="1" fontAlgn="auto" latinLnBrk="0" hangingPunct="1">
+                      <a:pPr marL="0" marR="0" lvl="0" indent="0" algn="r" defTabSz="1218987" rtl="0" eaLnBrk="1" fontAlgn="auto" latinLnBrk="0" hangingPunct="1">
                         <a:lnSpc>
                           <a:spcPct val="100000"/>
                         </a:lnSpc>
@@ -13477,37 +13297,14 @@
           <a:p>
             <a:pPr algn="ctr"/>
             <a:r>
-              <a:rPr lang="pt-PT" sz="1200" dirty="0" err="1"/>
-              <a:t>Table</a:t>
+              <a:rPr lang="pt-PT" sz="1200" dirty="0"/>
+              <a:t>Table 3: </a:t>
             </a:r>
             <a:r>
-              <a:rPr lang="pt-PT" sz="1200" dirty="0"/>
-              <a:t> 3: Total Data </a:t>
+              <a:rPr lang="en-US" sz="1200" dirty="0"/>
+              <a:t>Data (in bytes) transferred to/from the RAM.</a:t>
             </a:r>
-            <a:r>
-              <a:rPr lang="pt-PT" sz="1200" dirty="0" err="1"/>
-              <a:t>Transfer</a:t>
-            </a:r>
-            <a:r>
-              <a:rPr lang="pt-PT" sz="1200" dirty="0"/>
-              <a:t> </a:t>
-            </a:r>
-            <a:r>
-              <a:rPr lang="pt-PT" sz="1200" dirty="0" err="1"/>
-              <a:t>from</a:t>
-            </a:r>
-            <a:r>
-              <a:rPr lang="pt-PT" sz="1200" dirty="0"/>
-              <a:t>/to </a:t>
-            </a:r>
-            <a:r>
-              <a:rPr lang="pt-PT" sz="1200" dirty="0" err="1"/>
-              <a:t>the</a:t>
-            </a:r>
-            <a:r>
-              <a:rPr lang="pt-PT" sz="1200" dirty="0"/>
-              <a:t> RAM</a:t>
-            </a:r>
+            <a:endParaRPr lang="pt-PT" sz="1200" dirty="0"/>
           </a:p>
         </p:txBody>
       </p:sp>
@@ -13613,7 +13410,7 @@
 </p:sld>
 </file>
 
-<file path=ppt/slides/slide5.xml><?xml version="1.0" encoding="utf-8"?>
+<file path=ppt/slides/slide4.xml><?xml version="1.0" encoding="utf-8"?>
 <p:sld xmlns:a="http://schemas.openxmlformats.org/drawingml/2006/main" xmlns:r="http://schemas.openxmlformats.org/officeDocument/2006/relationships" xmlns:p="http://schemas.openxmlformats.org/presentationml/2006/main">
   <p:cSld>
     <p:spTree>
@@ -13678,7 +13475,7 @@
             <p:ph sz="half" idx="1"/>
             <p:extLst>
               <p:ext uri="{D42A27DB-BD31-4B8C-83A1-F6EECF244321}">
-                <p14:modId xmlns:p14="http://schemas.microsoft.com/office/powerpoint/2010/main" val="3611897061"/>
+                <p14:modId xmlns:p14="http://schemas.microsoft.com/office/powerpoint/2010/main" val="4243226270"/>
               </p:ext>
             </p:extLst>
           </p:nvPr>
@@ -13694,35 +13491,35 @@
                 <a:tableStyleId>{5C22544A-7EE6-4342-B048-85BDC9FD1C3A}</a:tableStyleId>
               </a:tblPr>
               <a:tblGrid>
-                <a:gridCol w="1460607">
+                <a:gridCol w="1778868">
                   <a:extLst>
                     <a:ext uri="{9D8B030D-6E8A-4147-A177-3AD203B41FA5}">
                       <a16:colId xmlns:a16="http://schemas.microsoft.com/office/drawing/2014/main" val="930613812"/>
                     </a:ext>
                   </a:extLst>
                 </a:gridCol>
-                <a:gridCol w="1460607">
+                <a:gridCol w="1368152">
                   <a:extLst>
                     <a:ext uri="{9D8B030D-6E8A-4147-A177-3AD203B41FA5}">
                       <a16:colId xmlns:a16="http://schemas.microsoft.com/office/drawing/2014/main" val="3102051540"/>
                     </a:ext>
                   </a:extLst>
                 </a:gridCol>
-                <a:gridCol w="1460607">
+                <a:gridCol w="1296144">
                   <a:extLst>
                     <a:ext uri="{9D8B030D-6E8A-4147-A177-3AD203B41FA5}">
                       <a16:colId xmlns:a16="http://schemas.microsoft.com/office/drawing/2014/main" val="4227854933"/>
                     </a:ext>
                   </a:extLst>
                 </a:gridCol>
-                <a:gridCol w="1460607">
+                <a:gridCol w="1512168">
                   <a:extLst>
                     <a:ext uri="{9D8B030D-6E8A-4147-A177-3AD203B41FA5}">
                       <a16:colId xmlns:a16="http://schemas.microsoft.com/office/drawing/2014/main" val="2778009826"/>
                     </a:ext>
                   </a:extLst>
                 </a:gridCol>
-                <a:gridCol w="1460607">
+                <a:gridCol w="1347703">
                   <a:extLst>
                     <a:ext uri="{9D8B030D-6E8A-4147-A177-3AD203B41FA5}">
                       <a16:colId xmlns:a16="http://schemas.microsoft.com/office/drawing/2014/main" val="2841998349"/>
@@ -13792,6 +13589,7 @@
                     <a:bodyPr/>
                     <a:lstStyle/>
                     <a:p>
+                      <a:pPr algn="ctr"/>
                       <a:r>
                         <a:rPr lang="pt-PT" sz="1800" dirty="0"/>
                         <a:t>32 X 32</a:t>
@@ -13805,6 +13603,7 @@
                     <a:bodyPr/>
                     <a:lstStyle/>
                     <a:p>
+                      <a:pPr algn="ctr"/>
                       <a:r>
                         <a:rPr lang="pt-PT" sz="1800" dirty="0"/>
                         <a:t>128 X 128</a:t>
@@ -13818,9 +13617,63 @@
                     <a:bodyPr/>
                     <a:lstStyle/>
                     <a:p>
+                      <a:pPr algn="ctr"/>
                       <a:r>
                         <a:rPr lang="pt-PT" sz="1800" dirty="0"/>
                         <a:t>1024 X 1024</a:t>
+                      </a:r>
+                    </a:p>
+                  </a:txBody>
+                  <a:tcPr/>
+                </a:tc>
+                <a:tc>
+                  <a:txBody>
+                    <a:bodyPr/>
+                    <a:lstStyle/>
+                    <a:p>
+                      <a:pPr marL="0" marR="0" lvl="0" indent="0" algn="ctr" defTabSz="1218987" rtl="0" eaLnBrk="1" fontAlgn="auto" latinLnBrk="0" hangingPunct="1">
+                        <a:lnSpc>
+                          <a:spcPct val="100000"/>
+                        </a:lnSpc>
+                        <a:spcBef>
+                          <a:spcPts val="0"/>
+                        </a:spcBef>
+                        <a:spcAft>
+                          <a:spcPts val="0"/>
+                        </a:spcAft>
+                        <a:buClrTx/>
+                        <a:buSzTx/>
+                        <a:buFontTx/>
+                        <a:buNone/>
+                        <a:tabLst/>
+                        <a:defRPr/>
+                      </a:pPr>
+                      <a:r>
+                        <a:rPr lang="pt-PT" sz="1800" dirty="0"/>
+                        <a:t>2048 X 2048</a:t>
+                      </a:r>
+                    </a:p>
+                  </a:txBody>
+                  <a:tcPr/>
+                </a:tc>
+                <a:extLst>
+                  <a:ext uri="{0D108BD9-81ED-4DB2-BD59-A6C34878D82A}">
+                    <a16:rowId xmlns:a16="http://schemas.microsoft.com/office/drawing/2014/main" val="283112489"/>
+                  </a:ext>
+                </a:extLst>
+              </a:tr>
+              <a:tr h="370840">
+                <a:tc rowSpan="3">
+                  <a:txBody>
+                    <a:bodyPr/>
+                    <a:lstStyle/>
+                    <a:p>
+                      <a:endParaRPr lang="pt-PT" sz="2800" dirty="0"/>
+                    </a:p>
+                    <a:p>
+                      <a:r>
+                        <a:rPr lang="pt-PT" sz="2800" dirty="0"/>
+                        <a:t>Normal</a:t>
                       </a:r>
                     </a:p>
                   </a:txBody>
@@ -13849,8 +13702,72 @@
                         <a:defRPr/>
                       </a:pPr>
                       <a:r>
-                        <a:rPr lang="pt-PT" sz="1800" dirty="0"/>
-                        <a:t>2048 X 2048</a:t>
+                        <a:rPr lang="pt-PT" sz="2000" b="0" i="0" kern="1200" dirty="0">
+                          <a:solidFill>
+                            <a:schemeClr val="dk1"/>
+                          </a:solidFill>
+                          <a:effectLst/>
+                          <a:latin typeface="+mn-lt"/>
+                          <a:ea typeface="+mn-ea"/>
+                          <a:cs typeface="+mn-cs"/>
+                        </a:rPr>
+                        <a:t>L1</a:t>
+                      </a:r>
+                    </a:p>
+                  </a:txBody>
+                  <a:tcPr/>
+                </a:tc>
+                <a:tc>
+                  <a:txBody>
+                    <a:bodyPr/>
+                    <a:lstStyle/>
+                    <a:p>
+                      <a:pPr algn="r"/>
+                      <a:r>
+                        <a:rPr lang="pt-PT" dirty="0"/>
+                        <a:t>0.32</a:t>
+                      </a:r>
+                    </a:p>
+                  </a:txBody>
+                  <a:tcPr/>
+                </a:tc>
+                <a:tc>
+                  <a:txBody>
+                    <a:bodyPr/>
+                    <a:lstStyle/>
+                    <a:p>
+                      <a:pPr algn="r"/>
+                      <a:r>
+                        <a:rPr lang="pt-PT" dirty="0"/>
+                        <a:t>50.84</a:t>
+                      </a:r>
+                    </a:p>
+                  </a:txBody>
+                  <a:tcPr/>
+                </a:tc>
+                <a:tc>
+                  <a:txBody>
+                    <a:bodyPr/>
+                    <a:lstStyle/>
+                    <a:p>
+                      <a:pPr algn="r"/>
+                      <a:r>
+                        <a:rPr lang="pt-PT" dirty="0"/>
+                        <a:t>50.05</a:t>
+                      </a:r>
+                    </a:p>
+                  </a:txBody>
+                  <a:tcPr/>
+                </a:tc>
+                <a:tc>
+                  <a:txBody>
+                    <a:bodyPr/>
+                    <a:lstStyle/>
+                    <a:p>
+                      <a:pPr algn="r"/>
+                      <a:r>
+                        <a:rPr lang="pt-PT" dirty="0"/>
+                        <a:t>50.06</a:t>
                       </a:r>
                     </a:p>
                   </a:txBody>
@@ -13858,7 +13775,212 @@
                 </a:tc>
                 <a:extLst>
                   <a:ext uri="{0D108BD9-81ED-4DB2-BD59-A6C34878D82A}">
-                    <a16:rowId xmlns:a16="http://schemas.microsoft.com/office/drawing/2014/main" val="283112489"/>
+                    <a16:rowId xmlns:a16="http://schemas.microsoft.com/office/drawing/2014/main" val="716858196"/>
+                  </a:ext>
+                </a:extLst>
+              </a:tr>
+              <a:tr h="370840">
+                <a:tc vMerge="1">
+                  <a:txBody>
+                    <a:bodyPr/>
+                    <a:lstStyle/>
+                    <a:p>
+                      <a:endParaRPr lang="pt-PT" sz="2000" b="0" i="0" kern="1200" dirty="0">
+                        <a:solidFill>
+                          <a:schemeClr val="dk1"/>
+                        </a:solidFill>
+                        <a:effectLst/>
+                        <a:latin typeface="+mn-lt"/>
+                        <a:ea typeface="+mn-ea"/>
+                        <a:cs typeface="+mn-cs"/>
+                      </a:endParaRPr>
+                    </a:p>
+                  </a:txBody>
+                  <a:tcPr/>
+                </a:tc>
+                <a:tc>
+                  <a:txBody>
+                    <a:bodyPr/>
+                    <a:lstStyle/>
+                    <a:p>
+                      <a:r>
+                        <a:rPr lang="pt-PT" sz="2000" b="0" i="0" kern="1200" dirty="0">
+                          <a:solidFill>
+                            <a:schemeClr val="dk1"/>
+                          </a:solidFill>
+                          <a:effectLst/>
+                          <a:latin typeface="+mn-lt"/>
+                          <a:ea typeface="+mn-ea"/>
+                          <a:cs typeface="+mn-cs"/>
+                        </a:rPr>
+                        <a:t>L2</a:t>
+                      </a:r>
+                      <a:endParaRPr lang="pt-PT" sz="2000" dirty="0"/>
+                    </a:p>
+                  </a:txBody>
+                  <a:tcPr/>
+                </a:tc>
+                <a:tc>
+                  <a:txBody>
+                    <a:bodyPr/>
+                    <a:lstStyle/>
+                    <a:p>
+                      <a:pPr algn="r"/>
+                      <a:r>
+                        <a:rPr lang="pt-PT" dirty="0"/>
+                        <a:t>47.28</a:t>
+                      </a:r>
+                    </a:p>
+                  </a:txBody>
+                  <a:tcPr/>
+                </a:tc>
+                <a:tc>
+                  <a:txBody>
+                    <a:bodyPr/>
+                    <a:lstStyle/>
+                    <a:p>
+                      <a:pPr algn="r"/>
+                      <a:r>
+                        <a:rPr lang="pt-PT" dirty="0"/>
+                        <a:t>0.21</a:t>
+                      </a:r>
+                    </a:p>
+                  </a:txBody>
+                  <a:tcPr/>
+                </a:tc>
+                <a:tc>
+                  <a:txBody>
+                    <a:bodyPr/>
+                    <a:lstStyle/>
+                    <a:p>
+                      <a:pPr algn="r"/>
+                      <a:r>
+                        <a:rPr lang="pt-PT" dirty="0"/>
+                        <a:t>99.97</a:t>
+                      </a:r>
+                    </a:p>
+                  </a:txBody>
+                  <a:tcPr/>
+                </a:tc>
+                <a:tc>
+                  <a:txBody>
+                    <a:bodyPr/>
+                    <a:lstStyle/>
+                    <a:p>
+                      <a:pPr algn="r"/>
+                      <a:r>
+                        <a:rPr lang="pt-PT" dirty="0"/>
+                        <a:t>99.65</a:t>
+                      </a:r>
+                    </a:p>
+                  </a:txBody>
+                  <a:tcPr/>
+                </a:tc>
+                <a:extLst>
+                  <a:ext uri="{0D108BD9-81ED-4DB2-BD59-A6C34878D82A}">
+                    <a16:rowId xmlns:a16="http://schemas.microsoft.com/office/drawing/2014/main" val="1275397022"/>
+                  </a:ext>
+                </a:extLst>
+              </a:tr>
+              <a:tr h="370840">
+                <a:tc vMerge="1">
+                  <a:txBody>
+                    <a:bodyPr/>
+                    <a:lstStyle/>
+                    <a:p>
+                      <a:endParaRPr lang="pt-PT" sz="2000" b="0" i="0" kern="1200" dirty="0">
+                        <a:solidFill>
+                          <a:schemeClr val="dk1"/>
+                        </a:solidFill>
+                        <a:effectLst/>
+                        <a:latin typeface="+mn-lt"/>
+                        <a:ea typeface="+mn-ea"/>
+                        <a:cs typeface="+mn-cs"/>
+                      </a:endParaRPr>
+                    </a:p>
+                  </a:txBody>
+                  <a:tcPr/>
+                </a:tc>
+                <a:tc>
+                  <a:txBody>
+                    <a:bodyPr/>
+                    <a:lstStyle/>
+                    <a:p>
+                      <a:r>
+                        <a:rPr lang="pt-PT" sz="2000" b="0" i="0" kern="1200" dirty="0">
+                          <a:solidFill>
+                            <a:schemeClr val="dk1"/>
+                          </a:solidFill>
+                          <a:effectLst/>
+                          <a:latin typeface="+mn-lt"/>
+                          <a:ea typeface="+mn-ea"/>
+                          <a:cs typeface="+mn-cs"/>
+                        </a:rPr>
+                        <a:t>L3</a:t>
+                      </a:r>
+                    </a:p>
+                  </a:txBody>
+                  <a:tcPr/>
+                </a:tc>
+                <a:tc>
+                  <a:txBody>
+                    <a:bodyPr/>
+                    <a:lstStyle/>
+                    <a:p>
+                      <a:pPr algn="r"/>
+                      <a:r>
+                        <a:rPr lang="pt-PT" dirty="0"/>
+                        <a:t>94.86</a:t>
+                      </a:r>
+                    </a:p>
+                  </a:txBody>
+                  <a:tcPr/>
+                </a:tc>
+                <a:tc>
+                  <a:txBody>
+                    <a:bodyPr/>
+                    <a:lstStyle/>
+                    <a:p>
+                      <a:pPr algn="r"/>
+                      <a:r>
+                        <a:rPr lang="pt-PT" dirty="0"/>
+                        <a:t>10.83</a:t>
+                      </a:r>
+                    </a:p>
+                  </a:txBody>
+                  <a:tcPr/>
+                </a:tc>
+                <a:tc>
+                  <a:txBody>
+                    <a:bodyPr/>
+                    <a:lstStyle/>
+                    <a:p>
+                      <a:pPr algn="r"/>
+                      <a:r>
+                        <a:rPr lang="pt-PT" dirty="0"/>
+                        <a:t>0.02</a:t>
+                      </a:r>
+                    </a:p>
+                  </a:txBody>
+                  <a:tcPr/>
+                </a:tc>
+                <a:tc>
+                  <a:txBody>
+                    <a:bodyPr/>
+                    <a:lstStyle/>
+                    <a:p>
+                      <a:pPr algn="r"/>
+                      <a:r>
+                        <a:rPr lang="pt-PT" dirty="0"/>
+                        <a:t>0.01</a:t>
+                      </a:r>
+                    </a:p>
+                  </a:txBody>
+                  <a:tcPr/>
+                </a:tc>
+                <a:extLst>
+                  <a:ext uri="{0D108BD9-81ED-4DB2-BD59-A6C34878D82A}">
+                    <a16:rowId xmlns:a16="http://schemas.microsoft.com/office/drawing/2014/main" val="2999149718"/>
                   </a:ext>
                 </a:extLst>
               </a:tr>
@@ -13868,13 +13990,38 @@
                     <a:bodyPr/>
                     <a:lstStyle/>
                     <a:p>
-                      <a:endParaRPr lang="pt-PT" sz="2800" dirty="0"/>
-                    </a:p>
-                    <a:p>
-                      <a:r>
-                        <a:rPr lang="pt-PT" sz="2800" dirty="0"/>
-                        <a:t>Normal</a:t>
-                      </a:r>
+                      <a:endParaRPr lang="pt-PT" sz="2400" b="0" i="0" kern="1200" dirty="0">
+                        <a:solidFill>
+                          <a:schemeClr val="dk1"/>
+                        </a:solidFill>
+                        <a:effectLst/>
+                        <a:latin typeface="+mn-lt"/>
+                        <a:ea typeface="+mn-ea"/>
+                        <a:cs typeface="+mn-cs"/>
+                      </a:endParaRPr>
+                    </a:p>
+                    <a:p>
+                      <a:r>
+                        <a:rPr lang="pt-PT" sz="2400" b="0" i="0" kern="1200" dirty="0" err="1">
+                          <a:solidFill>
+                            <a:schemeClr val="dk1"/>
+                          </a:solidFill>
+                          <a:effectLst/>
+                          <a:latin typeface="+mn-lt"/>
+                          <a:ea typeface="+mn-ea"/>
+                          <a:cs typeface="+mn-cs"/>
+                        </a:rPr>
+                        <a:t>Transposed</a:t>
+                      </a:r>
+                      <a:endParaRPr lang="pt-PT" sz="2400" b="0" i="0" kern="1200" dirty="0">
+                        <a:solidFill>
+                          <a:schemeClr val="dk1"/>
+                        </a:solidFill>
+                        <a:effectLst/>
+                        <a:latin typeface="+mn-lt"/>
+                        <a:ea typeface="+mn-ea"/>
+                        <a:cs typeface="+mn-cs"/>
+                      </a:endParaRPr>
                     </a:p>
                   </a:txBody>
                   <a:tcPr/>
@@ -13922,9 +14069,10 @@
                     <a:bodyPr/>
                     <a:lstStyle/>
                     <a:p>
+                      <a:pPr algn="r"/>
                       <a:r>
                         <a:rPr lang="pt-PT" dirty="0"/>
-                        <a:t>0.32</a:t>
+                        <a:t>0.31</a:t>
                       </a:r>
                     </a:p>
                   </a:txBody>
@@ -13935,9 +14083,10 @@
                     <a:bodyPr/>
                     <a:lstStyle/>
                     <a:p>
+                      <a:pPr algn="r"/>
                       <a:r>
                         <a:rPr lang="pt-PT" dirty="0"/>
-                        <a:t>50.84</a:t>
+                        <a:t>3.25</a:t>
                       </a:r>
                     </a:p>
                   </a:txBody>
@@ -13948,9 +14097,10 @@
                     <a:bodyPr/>
                     <a:lstStyle/>
                     <a:p>
+                      <a:pPr algn="r"/>
                       <a:r>
                         <a:rPr lang="pt-PT" dirty="0"/>
-                        <a:t>50.05</a:t>
+                        <a:t>3.18</a:t>
                       </a:r>
                     </a:p>
                   </a:txBody>
@@ -13961,9 +14111,10 @@
                     <a:bodyPr/>
                     <a:lstStyle/>
                     <a:p>
+                      <a:pPr algn="r"/>
                       <a:r>
                         <a:rPr lang="pt-PT" dirty="0"/>
-                        <a:t>50.06</a:t>
+                        <a:t>3.15</a:t>
                       </a:r>
                     </a:p>
                   </a:txBody>
@@ -13971,7 +14122,7 @@
                 </a:tc>
                 <a:extLst>
                   <a:ext uri="{0D108BD9-81ED-4DB2-BD59-A6C34878D82A}">
-                    <a16:rowId xmlns:a16="http://schemas.microsoft.com/office/drawing/2014/main" val="716858196"/>
+                    <a16:rowId xmlns:a16="http://schemas.microsoft.com/office/drawing/2014/main" val="3394641327"/>
                   </a:ext>
                 </a:extLst>
               </a:tr>
@@ -14021,9 +14172,10 @@
                     <a:bodyPr/>
                     <a:lstStyle/>
                     <a:p>
+                      <a:pPr algn="r"/>
                       <a:r>
                         <a:rPr lang="pt-PT" dirty="0"/>
-                        <a:t>47.28</a:t>
+                        <a:t>41.95</a:t>
                       </a:r>
                     </a:p>
                   </a:txBody>
@@ -14034,9 +14186,10 @@
                     <a:bodyPr/>
                     <a:lstStyle/>
                     <a:p>
+                      <a:pPr algn="r"/>
                       <a:r>
                         <a:rPr lang="pt-PT" dirty="0"/>
-                        <a:t>0.21</a:t>
+                        <a:t>0.52</a:t>
                       </a:r>
                     </a:p>
                   </a:txBody>
@@ -14047,9 +14200,10 @@
                     <a:bodyPr/>
                     <a:lstStyle/>
                     <a:p>
+                      <a:pPr algn="r"/>
                       <a:r>
                         <a:rPr lang="pt-PT" dirty="0"/>
-                        <a:t>99.97</a:t>
+                        <a:t>3.15</a:t>
                       </a:r>
                     </a:p>
                   </a:txBody>
@@ -14060,9 +14214,10 @@
                     <a:bodyPr/>
                     <a:lstStyle/>
                     <a:p>
+                      <a:pPr algn="r"/>
                       <a:r>
                         <a:rPr lang="pt-PT" dirty="0"/>
-                        <a:t>99.65</a:t>
+                        <a:t>2.8</a:t>
                       </a:r>
                     </a:p>
                   </a:txBody>
@@ -14070,7 +14225,7 @@
                 </a:tc>
                 <a:extLst>
                   <a:ext uri="{0D108BD9-81ED-4DB2-BD59-A6C34878D82A}">
-                    <a16:rowId xmlns:a16="http://schemas.microsoft.com/office/drawing/2014/main" val="1275397022"/>
+                    <a16:rowId xmlns:a16="http://schemas.microsoft.com/office/drawing/2014/main" val="1704492083"/>
                   </a:ext>
                 </a:extLst>
               </a:tr>
@@ -14119,341 +14274,7 @@
                     <a:bodyPr/>
                     <a:lstStyle/>
                     <a:p>
-                      <a:r>
-                        <a:rPr lang="pt-PT" dirty="0"/>
-                        <a:t>94.86</a:t>
-                      </a:r>
-                    </a:p>
-                  </a:txBody>
-                  <a:tcPr/>
-                </a:tc>
-                <a:tc>
-                  <a:txBody>
-                    <a:bodyPr/>
-                    <a:lstStyle/>
-                    <a:p>
-                      <a:r>
-                        <a:rPr lang="pt-PT" dirty="0"/>
-                        <a:t>10.83</a:t>
-                      </a:r>
-                    </a:p>
-                  </a:txBody>
-                  <a:tcPr/>
-                </a:tc>
-                <a:tc>
-                  <a:txBody>
-                    <a:bodyPr/>
-                    <a:lstStyle/>
-                    <a:p>
-                      <a:r>
-                        <a:rPr lang="pt-PT" dirty="0"/>
-                        <a:t>0.02</a:t>
-                      </a:r>
-                    </a:p>
-                  </a:txBody>
-                  <a:tcPr/>
-                </a:tc>
-                <a:tc>
-                  <a:txBody>
-                    <a:bodyPr/>
-                    <a:lstStyle/>
-                    <a:p>
-                      <a:r>
-                        <a:rPr lang="pt-PT" dirty="0"/>
-                        <a:t>0.01</a:t>
-                      </a:r>
-                    </a:p>
-                  </a:txBody>
-                  <a:tcPr/>
-                </a:tc>
-                <a:extLst>
-                  <a:ext uri="{0D108BD9-81ED-4DB2-BD59-A6C34878D82A}">
-                    <a16:rowId xmlns:a16="http://schemas.microsoft.com/office/drawing/2014/main" val="2999149718"/>
-                  </a:ext>
-                </a:extLst>
-              </a:tr>
-              <a:tr h="370840">
-                <a:tc rowSpan="3">
-                  <a:txBody>
-                    <a:bodyPr/>
-                    <a:lstStyle/>
-                    <a:p>
-                      <a:endParaRPr lang="pt-PT" sz="2400" b="0" i="0" kern="1200" dirty="0">
-                        <a:solidFill>
-                          <a:schemeClr val="dk1"/>
-                        </a:solidFill>
-                        <a:effectLst/>
-                        <a:latin typeface="+mn-lt"/>
-                        <a:ea typeface="+mn-ea"/>
-                        <a:cs typeface="+mn-cs"/>
-                      </a:endParaRPr>
-                    </a:p>
-                    <a:p>
-                      <a:r>
-                        <a:rPr lang="pt-PT" sz="2400" b="0" i="0" kern="1200" dirty="0" err="1">
-                          <a:solidFill>
-                            <a:schemeClr val="dk1"/>
-                          </a:solidFill>
-                          <a:effectLst/>
-                          <a:latin typeface="+mn-lt"/>
-                          <a:ea typeface="+mn-ea"/>
-                          <a:cs typeface="+mn-cs"/>
-                        </a:rPr>
-                        <a:t>Transposed</a:t>
-                      </a:r>
-                      <a:endParaRPr lang="pt-PT" sz="2400" b="0" i="0" kern="1200" dirty="0">
-                        <a:solidFill>
-                          <a:schemeClr val="dk1"/>
-                        </a:solidFill>
-                        <a:effectLst/>
-                        <a:latin typeface="+mn-lt"/>
-                        <a:ea typeface="+mn-ea"/>
-                        <a:cs typeface="+mn-cs"/>
-                      </a:endParaRPr>
-                    </a:p>
-                  </a:txBody>
-                  <a:tcPr/>
-                </a:tc>
-                <a:tc>
-                  <a:txBody>
-                    <a:bodyPr/>
-                    <a:lstStyle/>
-                    <a:p>
-                      <a:pPr marL="0" marR="0" lvl="0" indent="0" algn="l" defTabSz="1218987" rtl="0" eaLnBrk="1" fontAlgn="auto" latinLnBrk="0" hangingPunct="1">
-                        <a:lnSpc>
-                          <a:spcPct val="100000"/>
-                        </a:lnSpc>
-                        <a:spcBef>
-                          <a:spcPts val="0"/>
-                        </a:spcBef>
-                        <a:spcAft>
-                          <a:spcPts val="0"/>
-                        </a:spcAft>
-                        <a:buClrTx/>
-                        <a:buSzTx/>
-                        <a:buFontTx/>
-                        <a:buNone/>
-                        <a:tabLst/>
-                        <a:defRPr/>
-                      </a:pPr>
-                      <a:r>
-                        <a:rPr lang="pt-PT" sz="2000" b="0" i="0" kern="1200" dirty="0">
-                          <a:solidFill>
-                            <a:schemeClr val="dk1"/>
-                          </a:solidFill>
-                          <a:effectLst/>
-                          <a:latin typeface="+mn-lt"/>
-                          <a:ea typeface="+mn-ea"/>
-                          <a:cs typeface="+mn-cs"/>
-                        </a:rPr>
-                        <a:t>L1</a:t>
-                      </a:r>
-                    </a:p>
-                  </a:txBody>
-                  <a:tcPr/>
-                </a:tc>
-                <a:tc>
-                  <a:txBody>
-                    <a:bodyPr/>
-                    <a:lstStyle/>
-                    <a:p>
-                      <a:r>
-                        <a:rPr lang="pt-PT" dirty="0"/>
-                        <a:t>0.31</a:t>
-                      </a:r>
-                    </a:p>
-                  </a:txBody>
-                  <a:tcPr/>
-                </a:tc>
-                <a:tc>
-                  <a:txBody>
-                    <a:bodyPr/>
-                    <a:lstStyle/>
-                    <a:p>
-                      <a:r>
-                        <a:rPr lang="pt-PT" dirty="0"/>
-                        <a:t>3.25</a:t>
-                      </a:r>
-                    </a:p>
-                  </a:txBody>
-                  <a:tcPr/>
-                </a:tc>
-                <a:tc>
-                  <a:txBody>
-                    <a:bodyPr/>
-                    <a:lstStyle/>
-                    <a:p>
-                      <a:r>
-                        <a:rPr lang="pt-PT" dirty="0"/>
-                        <a:t>3.18</a:t>
-                      </a:r>
-                    </a:p>
-                  </a:txBody>
-                  <a:tcPr/>
-                </a:tc>
-                <a:tc>
-                  <a:txBody>
-                    <a:bodyPr/>
-                    <a:lstStyle/>
-                    <a:p>
-                      <a:r>
-                        <a:rPr lang="pt-PT" dirty="0"/>
-                        <a:t>3.15</a:t>
-                      </a:r>
-                    </a:p>
-                  </a:txBody>
-                  <a:tcPr/>
-                </a:tc>
-                <a:extLst>
-                  <a:ext uri="{0D108BD9-81ED-4DB2-BD59-A6C34878D82A}">
-                    <a16:rowId xmlns:a16="http://schemas.microsoft.com/office/drawing/2014/main" val="3394641327"/>
-                  </a:ext>
-                </a:extLst>
-              </a:tr>
-              <a:tr h="370840">
-                <a:tc vMerge="1">
-                  <a:txBody>
-                    <a:bodyPr/>
-                    <a:lstStyle/>
-                    <a:p>
-                      <a:endParaRPr lang="pt-PT" sz="2000" b="0" i="0" kern="1200" dirty="0">
-                        <a:solidFill>
-                          <a:schemeClr val="dk1"/>
-                        </a:solidFill>
-                        <a:effectLst/>
-                        <a:latin typeface="+mn-lt"/>
-                        <a:ea typeface="+mn-ea"/>
-                        <a:cs typeface="+mn-cs"/>
-                      </a:endParaRPr>
-                    </a:p>
-                  </a:txBody>
-                  <a:tcPr/>
-                </a:tc>
-                <a:tc>
-                  <a:txBody>
-                    <a:bodyPr/>
-                    <a:lstStyle/>
-                    <a:p>
-                      <a:r>
-                        <a:rPr lang="pt-PT" sz="2000" b="0" i="0" kern="1200" dirty="0">
-                          <a:solidFill>
-                            <a:schemeClr val="dk1"/>
-                          </a:solidFill>
-                          <a:effectLst/>
-                          <a:latin typeface="+mn-lt"/>
-                          <a:ea typeface="+mn-ea"/>
-                          <a:cs typeface="+mn-cs"/>
-                        </a:rPr>
-                        <a:t>L2</a:t>
-                      </a:r>
-                      <a:endParaRPr lang="pt-PT" sz="2000" dirty="0"/>
-                    </a:p>
-                  </a:txBody>
-                  <a:tcPr/>
-                </a:tc>
-                <a:tc>
-                  <a:txBody>
-                    <a:bodyPr/>
-                    <a:lstStyle/>
-                    <a:p>
-                      <a:r>
-                        <a:rPr lang="pt-PT" dirty="0"/>
-                        <a:t>41.95</a:t>
-                      </a:r>
-                    </a:p>
-                  </a:txBody>
-                  <a:tcPr/>
-                </a:tc>
-                <a:tc>
-                  <a:txBody>
-                    <a:bodyPr/>
-                    <a:lstStyle/>
-                    <a:p>
-                      <a:r>
-                        <a:rPr lang="pt-PT" dirty="0"/>
-                        <a:t>0.52</a:t>
-                      </a:r>
-                    </a:p>
-                  </a:txBody>
-                  <a:tcPr/>
-                </a:tc>
-                <a:tc>
-                  <a:txBody>
-                    <a:bodyPr/>
-                    <a:lstStyle/>
-                    <a:p>
-                      <a:r>
-                        <a:rPr lang="pt-PT" dirty="0"/>
-                        <a:t>3.15</a:t>
-                      </a:r>
-                    </a:p>
-                  </a:txBody>
-                  <a:tcPr/>
-                </a:tc>
-                <a:tc>
-                  <a:txBody>
-                    <a:bodyPr/>
-                    <a:lstStyle/>
-                    <a:p>
-                      <a:r>
-                        <a:rPr lang="pt-PT" dirty="0"/>
-                        <a:t>2.8</a:t>
-                      </a:r>
-                    </a:p>
-                  </a:txBody>
-                  <a:tcPr/>
-                </a:tc>
-                <a:extLst>
-                  <a:ext uri="{0D108BD9-81ED-4DB2-BD59-A6C34878D82A}">
-                    <a16:rowId xmlns:a16="http://schemas.microsoft.com/office/drawing/2014/main" val="1704492083"/>
-                  </a:ext>
-                </a:extLst>
-              </a:tr>
-              <a:tr h="370840">
-                <a:tc vMerge="1">
-                  <a:txBody>
-                    <a:bodyPr/>
-                    <a:lstStyle/>
-                    <a:p>
-                      <a:endParaRPr lang="pt-PT" sz="2000" b="0" i="0" kern="1200" dirty="0">
-                        <a:solidFill>
-                          <a:schemeClr val="dk1"/>
-                        </a:solidFill>
-                        <a:effectLst/>
-                        <a:latin typeface="+mn-lt"/>
-                        <a:ea typeface="+mn-ea"/>
-                        <a:cs typeface="+mn-cs"/>
-                      </a:endParaRPr>
-                    </a:p>
-                  </a:txBody>
-                  <a:tcPr/>
-                </a:tc>
-                <a:tc>
-                  <a:txBody>
-                    <a:bodyPr/>
-                    <a:lstStyle/>
-                    <a:p>
-                      <a:r>
-                        <a:rPr lang="pt-PT" sz="2000" b="0" i="0" kern="1200" dirty="0">
-                          <a:solidFill>
-                            <a:schemeClr val="dk1"/>
-                          </a:solidFill>
-                          <a:effectLst/>
-                          <a:latin typeface="+mn-lt"/>
-                          <a:ea typeface="+mn-ea"/>
-                          <a:cs typeface="+mn-cs"/>
-                        </a:rPr>
-                        <a:t>L3</a:t>
-                      </a:r>
-                    </a:p>
-                  </a:txBody>
-                  <a:tcPr/>
-                </a:tc>
-                <a:tc>
-                  <a:txBody>
-                    <a:bodyPr/>
-                    <a:lstStyle/>
-                    <a:p>
+                      <a:pPr algn="r"/>
                       <a:r>
                         <a:rPr lang="pt-PT" dirty="0"/>
                         <a:t>93.48</a:t>
@@ -14467,6 +14288,7 @@
                     <a:bodyPr/>
                     <a:lstStyle/>
                     <a:p>
+                      <a:pPr algn="r"/>
                       <a:r>
                         <a:rPr lang="pt-PT" dirty="0"/>
                         <a:t>71.46</a:t>
@@ -14480,6 +14302,7 @@
                     <a:bodyPr/>
                     <a:lstStyle/>
                     <a:p>
+                      <a:pPr algn="r"/>
                       <a:r>
                         <a:rPr lang="pt-PT" dirty="0"/>
                         <a:t>4.13</a:t>
@@ -14493,6 +14316,7 @@
                     <a:bodyPr/>
                     <a:lstStyle/>
                     <a:p>
+                      <a:pPr algn="r"/>
                       <a:r>
                         <a:rPr lang="pt-PT" dirty="0"/>
                         <a:t>1.94</a:t>
@@ -14532,20 +14356,19 @@
           <a:bodyPr/>
           <a:lstStyle/>
           <a:p>
-            <a:pPr rtl="0"/>
             <a:r>
-              <a:rPr lang="pt-PT"/>
-              <a:t>Arquiteturas Avançadas - Computação Paralela Distribuida</a:t>
+              <a:rPr lang="pt-PT" dirty="0"/>
+              <a:t>Advanced Architectures - Matrix Multiplication</a:t>
             </a:r>
           </a:p>
         </p:txBody>
       </p:sp>
       <p:sp>
         <p:nvSpPr>
-          <p:cNvPr id="8" name="CaixaDeTexto 7">
+          <p:cNvPr id="3" name="TextBox 2">
             <a:extLst>
               <a:ext uri="{FF2B5EF4-FFF2-40B4-BE49-F238E27FC236}">
-                <a16:creationId xmlns:a16="http://schemas.microsoft.com/office/drawing/2014/main" id="{DFC58377-4A0A-4E96-85BB-05D671FB8964}"/>
+                <a16:creationId xmlns:a16="http://schemas.microsoft.com/office/drawing/2014/main" id="{C62EFB45-82E8-4498-BE0F-92EC445581D2}"/>
               </a:ext>
             </a:extLst>
           </p:cNvPr>
@@ -14554,8 +14377,8 @@
         </p:nvSpPr>
         <p:spPr>
           <a:xfrm>
-            <a:off x="1218883" y="4846003"/>
-            <a:ext cx="8763642" cy="276999"/>
+            <a:off x="1218882" y="5151437"/>
+            <a:ext cx="8763641" cy="276999"/>
           </a:xfrm>
           <a:prstGeom prst="rect">
             <a:avLst/>
@@ -14570,21 +14393,10 @@
           <a:p>
             <a:pPr algn="ctr"/>
             <a:r>
-              <a:rPr lang="pt-PT" sz="1200" dirty="0" err="1"/>
-              <a:t>Table</a:t>
+              <a:rPr lang="en-US" sz="1200" dirty="0"/>
+              <a:t>Table 5: Miss rates of the IJK implementation.</a:t>
             </a:r>
-            <a:r>
-              <a:rPr lang="pt-PT" sz="1200" dirty="0"/>
-              <a:t> 5: Cache misses in </a:t>
-            </a:r>
-            <a:r>
-              <a:rPr lang="pt-PT" sz="1200" dirty="0" err="1"/>
-              <a:t>percentage</a:t>
-            </a:r>
-            <a:r>
-              <a:rPr lang="pt-PT" sz="1200" dirty="0"/>
-              <a:t> for IJK</a:t>
-            </a:r>
+            <a:endParaRPr lang="pt-PT" sz="1200" dirty="0"/>
           </a:p>
         </p:txBody>
       </p:sp>
@@ -14613,7 +14425,7 @@
 </p:sld>
 </file>
 
-<file path=ppt/slides/slide6.xml><?xml version="1.0" encoding="utf-8"?>
+<file path=ppt/slides/slide5.xml><?xml version="1.0" encoding="utf-8"?>
 <p:sld xmlns:a="http://schemas.openxmlformats.org/drawingml/2006/main" xmlns:r="http://schemas.openxmlformats.org/officeDocument/2006/relationships" xmlns:p="http://schemas.openxmlformats.org/presentationml/2006/main">
   <p:cSld>
     <p:spTree>
@@ -14664,7 +14476,7 @@
             <p:ph sz="half" idx="2"/>
             <p:extLst>
               <p:ext uri="{D42A27DB-BD31-4B8C-83A1-F6EECF244321}">
-                <p14:modId xmlns:p14="http://schemas.microsoft.com/office/powerpoint/2010/main" val="1267409791"/>
+                <p14:modId xmlns:p14="http://schemas.microsoft.com/office/powerpoint/2010/main" val="2143132060"/>
               </p:ext>
             </p:extLst>
           </p:nvPr>
@@ -14700,10 +14512,9 @@
           <a:bodyPr/>
           <a:lstStyle/>
           <a:p>
-            <a:pPr rtl="0"/>
             <a:r>
-              <a:rPr lang="pt-PT"/>
-              <a:t>Arquiteturas Avançadas - Computação Paralela Distribuida</a:t>
+              <a:rPr lang="pt-PT" dirty="0"/>
+              <a:t>Advanced Architectures - Matrix Multiplication</a:t>
             </a:r>
           </a:p>
         </p:txBody>
@@ -14712,6 +14523,401 @@
     <p:extLst>
       <p:ext uri="{BB962C8B-B14F-4D97-AF65-F5344CB8AC3E}">
         <p14:creationId xmlns:p14="http://schemas.microsoft.com/office/powerpoint/2010/main" val="4123189245"/>
+      </p:ext>
+    </p:extLst>
+  </p:cSld>
+  <p:clrMapOvr>
+    <a:masterClrMapping/>
+  </p:clrMapOvr>
+  <mc:AlternateContent xmlns:mc="http://schemas.openxmlformats.org/markup-compatibility/2006" xmlns:p14="http://schemas.microsoft.com/office/powerpoint/2010/main">
+    <mc:Choice Requires="p14">
+      <p:transition spd="med" p14:dur="700">
+        <p:fade/>
+      </p:transition>
+    </mc:Choice>
+    <mc:Fallback xmlns="">
+      <p:transition spd="med">
+        <p:fade/>
+      </p:transition>
+    </mc:Fallback>
+  </mc:AlternateContent>
+</p:sld>
+</file>
+
+<file path=ppt/slides/slide6.xml><?xml version="1.0" encoding="utf-8"?>
+<p:sld xmlns:a="http://schemas.openxmlformats.org/drawingml/2006/main" xmlns:r="http://schemas.openxmlformats.org/officeDocument/2006/relationships" xmlns:p="http://schemas.openxmlformats.org/presentationml/2006/main">
+  <p:cSld>
+    <p:spTree>
+      <p:nvGrpSpPr>
+        <p:cNvPr id="1" name=""/>
+        <p:cNvGrpSpPr/>
+        <p:nvPr/>
+      </p:nvGrpSpPr>
+      <p:grpSpPr>
+        <a:xfrm>
+          <a:off x="0" y="0"/>
+          <a:ext cx="0" cy="0"/>
+          <a:chOff x="0" y="0"/>
+          <a:chExt cx="0" cy="0"/>
+        </a:xfrm>
+      </p:grpSpPr>
+      <p:sp>
+        <p:nvSpPr>
+          <p:cNvPr id="2" name="Title 1">
+            <a:extLst>
+              <a:ext uri="{FF2B5EF4-FFF2-40B4-BE49-F238E27FC236}">
+                <a16:creationId xmlns:a16="http://schemas.microsoft.com/office/drawing/2014/main" id="{7FF62AF0-DE77-4089-8D31-78337ABAE7EC}"/>
+              </a:ext>
+            </a:extLst>
+          </p:cNvPr>
+          <p:cNvSpPr>
+            <a:spLocks noGrp="1"/>
+          </p:cNvSpPr>
+          <p:nvPr>
+            <p:ph type="title"/>
+          </p:nvPr>
+        </p:nvSpPr>
+        <p:spPr/>
+        <p:txBody>
+          <a:bodyPr/>
+          <a:lstStyle/>
+          <a:p>
+            <a:r>
+              <a:rPr lang="en-GB" dirty="0"/>
+              <a:t>Blocking</a:t>
+            </a:r>
+            <a:endParaRPr lang="pt-PT" dirty="0"/>
+          </a:p>
+        </p:txBody>
+      </p:sp>
+      <p:graphicFrame>
+        <p:nvGraphicFramePr>
+          <p:cNvPr id="5" name="Content Placeholder 4">
+            <a:extLst>
+              <a:ext uri="{FF2B5EF4-FFF2-40B4-BE49-F238E27FC236}">
+                <a16:creationId xmlns:a16="http://schemas.microsoft.com/office/drawing/2014/main" id="{B95C505A-4BA5-4EB9-80D9-121E23C95F1C}"/>
+              </a:ext>
+            </a:extLst>
+          </p:cNvPr>
+          <p:cNvGraphicFramePr>
+            <a:graphicFrameLocks noGrp="1"/>
+          </p:cNvGraphicFramePr>
+          <p:nvPr>
+            <p:ph idx="1"/>
+            <p:extLst>
+              <p:ext uri="{D42A27DB-BD31-4B8C-83A1-F6EECF244321}">
+                <p14:modId xmlns:p14="http://schemas.microsoft.com/office/powerpoint/2010/main" val="215638260"/>
+              </p:ext>
+            </p:extLst>
+          </p:nvPr>
+        </p:nvGraphicFramePr>
+        <p:xfrm>
+          <a:off x="1219200" y="1701800"/>
+          <a:ext cx="10360026" cy="1828800"/>
+        </p:xfrm>
+        <a:graphic>
+          <a:graphicData uri="http://schemas.openxmlformats.org/drawingml/2006/table">
+            <a:tbl>
+              <a:tblPr firstRow="1" bandRow="1">
+                <a:tableStyleId>{5C22544A-7EE6-4342-B048-85BDC9FD1C3A}</a:tableStyleId>
+              </a:tblPr>
+              <a:tblGrid>
+                <a:gridCol w="5180013">
+                  <a:extLst>
+                    <a:ext uri="{9D8B030D-6E8A-4147-A177-3AD203B41FA5}">
+                      <a16:colId xmlns:a16="http://schemas.microsoft.com/office/drawing/2014/main" val="201134985"/>
+                    </a:ext>
+                  </a:extLst>
+                </a:gridCol>
+                <a:gridCol w="5180013">
+                  <a:extLst>
+                    <a:ext uri="{9D8B030D-6E8A-4147-A177-3AD203B41FA5}">
+                      <a16:colId xmlns:a16="http://schemas.microsoft.com/office/drawing/2014/main" val="652407465"/>
+                    </a:ext>
+                  </a:extLst>
+                </a:gridCol>
+              </a:tblGrid>
+              <a:tr h="370840">
+                <a:tc>
+                  <a:txBody>
+                    <a:bodyPr/>
+                    <a:lstStyle/>
+                    <a:p>
+                      <a:r>
+                        <a:rPr lang="en-GB" dirty="0"/>
+                        <a:t>Implementation</a:t>
+                      </a:r>
+                    </a:p>
+                  </a:txBody>
+                  <a:tcPr/>
+                </a:tc>
+                <a:tc>
+                  <a:txBody>
+                    <a:bodyPr/>
+                    <a:lstStyle/>
+                    <a:p>
+                      <a:pPr algn="ctr"/>
+                      <a:r>
+                        <a:rPr lang="pt-PT" sz="2400" b="0" i="0" u="none" strike="noStrike" kern="1200" baseline="0" dirty="0">
+                          <a:solidFill>
+                            <a:schemeClr val="lt1"/>
+                          </a:solidFill>
+                          <a:latin typeface="+mn-lt"/>
+                          <a:ea typeface="+mn-ea"/>
+                          <a:cs typeface="+mn-cs"/>
+                        </a:rPr>
+                        <a:t>2048 x 2048</a:t>
+                      </a:r>
+                      <a:endParaRPr lang="pt-PT" dirty="0"/>
+                    </a:p>
+                  </a:txBody>
+                  <a:tcPr/>
+                </a:tc>
+                <a:extLst>
+                  <a:ext uri="{0D108BD9-81ED-4DB2-BD59-A6C34878D82A}">
+                    <a16:rowId xmlns:a16="http://schemas.microsoft.com/office/drawing/2014/main" val="1979992640"/>
+                  </a:ext>
+                </a:extLst>
+              </a:tr>
+              <a:tr h="370840">
+                <a:tc>
+                  <a:txBody>
+                    <a:bodyPr/>
+                    <a:lstStyle/>
+                    <a:p>
+                      <a:r>
+                        <a:rPr lang="pt-PT" sz="2400" b="0" i="0" u="none" strike="noStrike" kern="1200" baseline="0" dirty="0">
+                          <a:solidFill>
+                            <a:schemeClr val="dk1"/>
+                          </a:solidFill>
+                          <a:latin typeface="+mn-lt"/>
+                          <a:ea typeface="+mn-ea"/>
+                          <a:cs typeface="+mn-cs"/>
+                        </a:rPr>
+                        <a:t>IJK Transposed</a:t>
+                      </a:r>
+                    </a:p>
+                  </a:txBody>
+                  <a:tcPr/>
+                </a:tc>
+                <a:tc>
+                  <a:txBody>
+                    <a:bodyPr/>
+                    <a:lstStyle/>
+                    <a:p>
+                      <a:pPr algn="r"/>
+                      <a:r>
+                        <a:rPr lang="pt-PT" sz="2400" b="0" i="0" u="none" strike="noStrike" kern="1200" baseline="0" dirty="0">
+                          <a:solidFill>
+                            <a:schemeClr val="dk1"/>
+                          </a:solidFill>
+                          <a:latin typeface="+mn-lt"/>
+                          <a:ea typeface="+mn-ea"/>
+                          <a:cs typeface="+mn-cs"/>
+                        </a:rPr>
+                        <a:t>9173</a:t>
+                      </a:r>
+                      <a:endParaRPr lang="pt-PT" dirty="0"/>
+                    </a:p>
+                  </a:txBody>
+                  <a:tcPr/>
+                </a:tc>
+                <a:extLst>
+                  <a:ext uri="{0D108BD9-81ED-4DB2-BD59-A6C34878D82A}">
+                    <a16:rowId xmlns:a16="http://schemas.microsoft.com/office/drawing/2014/main" val="1391960088"/>
+                  </a:ext>
+                </a:extLst>
+              </a:tr>
+              <a:tr h="370840">
+                <a:tc>
+                  <a:txBody>
+                    <a:bodyPr/>
+                    <a:lstStyle/>
+                    <a:p>
+                      <a:r>
+                        <a:rPr lang="pt-PT" sz="2400" b="0" i="0" u="none" strike="noStrike" kern="1200" baseline="0" dirty="0">
+                          <a:solidFill>
+                            <a:schemeClr val="dk1"/>
+                          </a:solidFill>
+                          <a:latin typeface="+mn-lt"/>
+                          <a:ea typeface="+mn-ea"/>
+                          <a:cs typeface="+mn-cs"/>
+                        </a:rPr>
+                        <a:t>IKJ</a:t>
+                      </a:r>
+                      <a:endParaRPr lang="pt-PT" dirty="0"/>
+                    </a:p>
+                  </a:txBody>
+                  <a:tcPr/>
+                </a:tc>
+                <a:tc>
+                  <a:txBody>
+                    <a:bodyPr/>
+                    <a:lstStyle/>
+                    <a:p>
+                      <a:pPr algn="r"/>
+                      <a:r>
+                        <a:rPr lang="pt-PT" sz="2400" b="0" i="0" u="none" strike="noStrike" kern="1200" baseline="0" dirty="0">
+                          <a:solidFill>
+                            <a:schemeClr val="dk1"/>
+                          </a:solidFill>
+                          <a:latin typeface="+mn-lt"/>
+                          <a:ea typeface="+mn-ea"/>
+                          <a:cs typeface="+mn-cs"/>
+                        </a:rPr>
+                        <a:t>9175</a:t>
+                      </a:r>
+                      <a:endParaRPr lang="pt-PT" dirty="0"/>
+                    </a:p>
+                  </a:txBody>
+                  <a:tcPr/>
+                </a:tc>
+                <a:extLst>
+                  <a:ext uri="{0D108BD9-81ED-4DB2-BD59-A6C34878D82A}">
+                    <a16:rowId xmlns:a16="http://schemas.microsoft.com/office/drawing/2014/main" val="3945591509"/>
+                  </a:ext>
+                </a:extLst>
+              </a:tr>
+              <a:tr h="370840">
+                <a:tc>
+                  <a:txBody>
+                    <a:bodyPr/>
+                    <a:lstStyle/>
+                    <a:p>
+                      <a:r>
+                        <a:rPr lang="pt-PT" sz="2400" b="0" i="0" u="none" strike="noStrike" kern="1200" baseline="0" dirty="0">
+                          <a:solidFill>
+                            <a:schemeClr val="dk1"/>
+                          </a:solidFill>
+                          <a:latin typeface="+mn-lt"/>
+                          <a:ea typeface="+mn-ea"/>
+                          <a:cs typeface="+mn-cs"/>
+                        </a:rPr>
+                        <a:t>JKI Transposed</a:t>
+                      </a:r>
+                      <a:endParaRPr lang="pt-PT" dirty="0"/>
+                    </a:p>
+                  </a:txBody>
+                  <a:tcPr/>
+                </a:tc>
+                <a:tc>
+                  <a:txBody>
+                    <a:bodyPr/>
+                    <a:lstStyle/>
+                    <a:p>
+                      <a:pPr algn="r"/>
+                      <a:r>
+                        <a:rPr lang="pt-PT" sz="2400" b="0" i="0" u="none" strike="noStrike" kern="1200" baseline="0" dirty="0">
+                          <a:solidFill>
+                            <a:schemeClr val="dk1"/>
+                          </a:solidFill>
+                          <a:latin typeface="+mn-lt"/>
+                          <a:ea typeface="+mn-ea"/>
+                          <a:cs typeface="+mn-cs"/>
+                        </a:rPr>
+                        <a:t>9182</a:t>
+                      </a:r>
+                      <a:endParaRPr lang="pt-PT" dirty="0"/>
+                    </a:p>
+                  </a:txBody>
+                  <a:tcPr/>
+                </a:tc>
+                <a:extLst>
+                  <a:ext uri="{0D108BD9-81ED-4DB2-BD59-A6C34878D82A}">
+                    <a16:rowId xmlns:a16="http://schemas.microsoft.com/office/drawing/2014/main" val="2479892822"/>
+                  </a:ext>
+                </a:extLst>
+              </a:tr>
+            </a:tbl>
+          </a:graphicData>
+        </a:graphic>
+      </p:graphicFrame>
+      <p:sp>
+        <p:nvSpPr>
+          <p:cNvPr id="4" name="Footer Placeholder 3">
+            <a:extLst>
+              <a:ext uri="{FF2B5EF4-FFF2-40B4-BE49-F238E27FC236}">
+                <a16:creationId xmlns:a16="http://schemas.microsoft.com/office/drawing/2014/main" id="{3EB39193-7C75-458B-8086-B96F1AB9CEA7}"/>
+              </a:ext>
+            </a:extLst>
+          </p:cNvPr>
+          <p:cNvSpPr>
+            <a:spLocks noGrp="1"/>
+          </p:cNvSpPr>
+          <p:nvPr>
+            <p:ph type="ftr" sz="quarter" idx="11"/>
+          </p:nvPr>
+        </p:nvSpPr>
+        <p:spPr/>
+        <p:txBody>
+          <a:bodyPr/>
+          <a:lstStyle/>
+          <a:p>
+            <a:pPr rtl="0"/>
+            <a:r>
+              <a:rPr lang="pt-PT"/>
+              <a:t>Advanced Architectures - Matrix Multiplication</a:t>
+            </a:r>
+          </a:p>
+        </p:txBody>
+      </p:sp>
+      <p:sp>
+        <p:nvSpPr>
+          <p:cNvPr id="6" name="TextBox 5">
+            <a:extLst>
+              <a:ext uri="{FF2B5EF4-FFF2-40B4-BE49-F238E27FC236}">
+                <a16:creationId xmlns:a16="http://schemas.microsoft.com/office/drawing/2014/main" id="{7BE60E53-76EE-4840-9ABE-E885554E4BF8}"/>
+              </a:ext>
+            </a:extLst>
+          </p:cNvPr>
+          <p:cNvSpPr txBox="1"/>
+          <p:nvPr/>
+        </p:nvSpPr>
+        <p:spPr>
+          <a:xfrm>
+            <a:off x="1218883" y="3645024"/>
+            <a:ext cx="10360025" cy="276999"/>
+          </a:xfrm>
+          <a:prstGeom prst="rect">
+            <a:avLst/>
+          </a:prstGeom>
+          <a:noFill/>
+        </p:spPr>
+        <p:txBody>
+          <a:bodyPr wrap="square" rtlCol="0">
+            <a:spAutoFit/>
+          </a:bodyPr>
+          <a:lstStyle/>
+          <a:p>
+            <a:pPr algn="ctr"/>
+            <a:r>
+              <a:rPr lang="en-US" sz="1200" dirty="0"/>
+              <a:t>Table 6: Execution times (in </a:t>
+            </a:r>
+            <a:r>
+              <a:rPr lang="en-US" sz="1200" dirty="0" err="1"/>
+              <a:t>ms</a:t>
+            </a:r>
+            <a:r>
+              <a:rPr lang="en-US" sz="1200" dirty="0"/>
+              <a:t>) of the implementations </a:t>
+            </a:r>
+            <a:r>
+              <a:rPr lang="en-US" sz="1200" dirty="0" err="1"/>
+              <a:t>optimised</a:t>
+            </a:r>
+            <a:r>
+              <a:rPr lang="en-US" sz="1200" dirty="0"/>
+              <a:t> with blocking and transposition.</a:t>
+            </a:r>
+            <a:endParaRPr lang="pt-PT" sz="1200" dirty="0"/>
+          </a:p>
+        </p:txBody>
+      </p:sp>
+    </p:spTree>
+    <p:extLst>
+      <p:ext uri="{BB962C8B-B14F-4D97-AF65-F5344CB8AC3E}">
+        <p14:creationId xmlns:p14="http://schemas.microsoft.com/office/powerpoint/2010/main" val="45609140"/>
       </p:ext>
     </p:extLst>
   </p:cSld>
@@ -14795,10 +15001,9 @@
           <a:bodyPr/>
           <a:lstStyle/>
           <a:p>
-            <a:pPr rtl="0"/>
             <a:r>
-              <a:rPr lang="pt-PT"/>
-              <a:t>Arquiteturas Avançadas - Computação Paralela Distribuida</a:t>
+              <a:rPr lang="pt-PT" dirty="0"/>
+              <a:t>Advanced Architectures - Matrix Multiplication</a:t>
             </a:r>
           </a:p>
         </p:txBody>
@@ -14818,14 +15023,14 @@
           <p:nvPr>
             <p:extLst>
               <p:ext uri="{D42A27DB-BD31-4B8C-83A1-F6EECF244321}">
-                <p14:modId xmlns:p14="http://schemas.microsoft.com/office/powerpoint/2010/main" val="2286061750"/>
+                <p14:modId xmlns:p14="http://schemas.microsoft.com/office/powerpoint/2010/main" val="2920869212"/>
               </p:ext>
             </p:extLst>
           </p:nvPr>
         </p:nvGraphicFramePr>
         <p:xfrm>
           <a:off x="1341884" y="1988840"/>
-          <a:ext cx="9505055" cy="1584960"/>
+          <a:ext cx="9505055" cy="1981200"/>
         </p:xfrm>
         <a:graphic>
           <a:graphicData uri="http://schemas.openxmlformats.org/drawingml/2006/table">
@@ -14876,6 +15081,73 @@
                     <a:bodyPr/>
                     <a:lstStyle/>
                     <a:p>
+                      <a:endParaRPr lang="pt-PT" sz="2000" dirty="0"/>
+                    </a:p>
+                  </a:txBody>
+                  <a:tcPr/>
+                </a:tc>
+                <a:tc gridSpan="2">
+                  <a:txBody>
+                    <a:bodyPr/>
+                    <a:lstStyle/>
+                    <a:p>
+                      <a:pPr algn="ctr"/>
+                      <a:r>
+                        <a:rPr lang="en-GB" sz="2000" dirty="0"/>
+                        <a:t>Not Vectorized</a:t>
+                      </a:r>
+                      <a:endParaRPr lang="pt-PT" sz="2000" dirty="0"/>
+                    </a:p>
+                  </a:txBody>
+                  <a:tcPr/>
+                </a:tc>
+                <a:tc hMerge="1">
+                  <a:txBody>
+                    <a:bodyPr/>
+                    <a:lstStyle/>
+                    <a:p>
+                      <a:endParaRPr lang="pt-PT" sz="2000" dirty="0"/>
+                    </a:p>
+                  </a:txBody>
+                  <a:tcPr/>
+                </a:tc>
+                <a:tc gridSpan="2">
+                  <a:txBody>
+                    <a:bodyPr/>
+                    <a:lstStyle/>
+                    <a:p>
+                      <a:pPr algn="ctr"/>
+                      <a:r>
+                        <a:rPr lang="en-GB" sz="2000" dirty="0"/>
+                        <a:t>Vectorized</a:t>
+                      </a:r>
+                      <a:endParaRPr lang="pt-PT" sz="2000" dirty="0"/>
+                    </a:p>
+                  </a:txBody>
+                  <a:tcPr/>
+                </a:tc>
+                <a:tc hMerge="1">
+                  <a:txBody>
+                    <a:bodyPr/>
+                    <a:lstStyle/>
+                    <a:p>
+                      <a:endParaRPr lang="pt-PT" sz="2000" dirty="0"/>
+                    </a:p>
+                  </a:txBody>
+                  <a:tcPr/>
+                </a:tc>
+                <a:extLst>
+                  <a:ext uri="{0D108BD9-81ED-4DB2-BD59-A6C34878D82A}">
+                    <a16:rowId xmlns:a16="http://schemas.microsoft.com/office/drawing/2014/main" val="912694477"/>
+                  </a:ext>
+                </a:extLst>
+              </a:tr>
+              <a:tr h="370840">
+                <a:tc>
+                  <a:txBody>
+                    <a:bodyPr/>
+                    <a:lstStyle/>
+                    <a:p>
                       <a:r>
                         <a:rPr lang="pt-PT" sz="2000" dirty="0" err="1"/>
                         <a:t>Algorithm</a:t>
@@ -14890,6 +15162,7 @@
                     <a:bodyPr/>
                     <a:lstStyle/>
                     <a:p>
+                      <a:pPr algn="ctr"/>
                       <a:r>
                         <a:rPr lang="pt-PT" sz="2000" dirty="0"/>
                         <a:t>32 X 32</a:t>
@@ -14903,24 +15176,7 @@
                     <a:bodyPr/>
                     <a:lstStyle/>
                     <a:p>
-                      <a:r>
-                        <a:rPr lang="pt-PT" sz="2000" dirty="0"/>
-                        <a:t>32 X 32 </a:t>
-                      </a:r>
-                      <a:r>
-                        <a:rPr lang="pt-PT" sz="2000" dirty="0" err="1"/>
-                        <a:t>Vec</a:t>
-                      </a:r>
-                      <a:endParaRPr lang="pt-PT" sz="2000" dirty="0"/>
-                    </a:p>
-                  </a:txBody>
-                  <a:tcPr/>
-                </a:tc>
-                <a:tc>
-                  <a:txBody>
-                    <a:bodyPr/>
-                    <a:lstStyle/>
-                    <a:p>
+                      <a:pPr algn="ctr"/>
                       <a:r>
                         <a:rPr lang="pt-PT" sz="2000" dirty="0"/>
                         <a:t>128 X 128</a:t>
@@ -14934,15 +15190,25 @@
                     <a:bodyPr/>
                     <a:lstStyle/>
                     <a:p>
+                      <a:pPr algn="ctr"/>
                       <a:r>
                         <a:rPr lang="pt-PT" sz="2000" dirty="0"/>
-                        <a:t>128 X 128 </a:t>
-                      </a:r>
-                      <a:r>
-                        <a:rPr lang="pt-PT" sz="2000" dirty="0" err="1"/>
-                        <a:t>Vec</a:t>
-                      </a:r>
-                      <a:endParaRPr lang="pt-PT" sz="2000" dirty="0"/>
+                        <a:t>32 X 32</a:t>
+                      </a:r>
+                    </a:p>
+                  </a:txBody>
+                  <a:tcPr/>
+                </a:tc>
+                <a:tc>
+                  <a:txBody>
+                    <a:bodyPr/>
+                    <a:lstStyle/>
+                    <a:p>
+                      <a:pPr algn="ctr"/>
+                      <a:r>
+                        <a:rPr lang="pt-PT" sz="2000" dirty="0"/>
+                        <a:t>128 X 128</a:t>
+                      </a:r>
                     </a:p>
                   </a:txBody>
                   <a:tcPr/>
@@ -14980,6 +15246,7 @@
                     <a:bodyPr/>
                     <a:lstStyle/>
                     <a:p>
+                      <a:pPr algn="r"/>
                       <a:r>
                         <a:rPr lang="pt-PT" sz="2000" b="0" i="0" kern="1200" dirty="0">
                           <a:solidFill>
@@ -14997,6 +15264,242 @@
                   </a:txBody>
                   <a:tcPr/>
                 </a:tc>
+                <a:tc>
+                  <a:txBody>
+                    <a:bodyPr/>
+                    <a:lstStyle/>
+                    <a:p>
+                      <a:pPr marL="0" marR="0" lvl="0" indent="0" algn="r" defTabSz="1218987" rtl="0" eaLnBrk="1" fontAlgn="auto" latinLnBrk="0" hangingPunct="1">
+                        <a:lnSpc>
+                          <a:spcPct val="100000"/>
+                        </a:lnSpc>
+                        <a:spcBef>
+                          <a:spcPts val="0"/>
+                        </a:spcBef>
+                        <a:spcAft>
+                          <a:spcPts val="0"/>
+                        </a:spcAft>
+                        <a:buClrTx/>
+                        <a:buSzTx/>
+                        <a:buFontTx/>
+                        <a:buNone/>
+                        <a:tabLst/>
+                        <a:defRPr/>
+                      </a:pPr>
+                      <a:r>
+                        <a:rPr lang="pt-PT" sz="2000" b="0" i="0" kern="1200" dirty="0">
+                          <a:solidFill>
+                            <a:schemeClr val="dk1"/>
+                          </a:solidFill>
+                          <a:effectLst/>
+                          <a:latin typeface="+mn-lt"/>
+                          <a:ea typeface="+mn-ea"/>
+                          <a:cs typeface="+mn-cs"/>
+                        </a:rPr>
+                        <a:t>2.30 </a:t>
+                      </a:r>
+                      <a:endParaRPr lang="en-US" sz="2000" b="0" i="0" kern="1200" dirty="0">
+                        <a:solidFill>
+                          <a:schemeClr val="dk1"/>
+                        </a:solidFill>
+                        <a:effectLst/>
+                        <a:latin typeface="+mn-lt"/>
+                        <a:ea typeface="+mn-ea"/>
+                        <a:cs typeface="+mn-cs"/>
+                      </a:endParaRPr>
+                    </a:p>
+                  </a:txBody>
+                  <a:tcPr/>
+                </a:tc>
+                <a:tc>
+                  <a:txBody>
+                    <a:bodyPr/>
+                    <a:lstStyle/>
+                    <a:p>
+                      <a:pPr algn="r"/>
+                      <a:r>
+                        <a:rPr lang="en-US" sz="2000" b="0" i="0" kern="1200" dirty="0">
+                          <a:solidFill>
+                            <a:schemeClr val="dk1"/>
+                          </a:solidFill>
+                          <a:effectLst/>
+                          <a:latin typeface="+mn-lt"/>
+                          <a:ea typeface="+mn-ea"/>
+                          <a:cs typeface="+mn-cs"/>
+                        </a:rPr>
+                        <a:t>0.009</a:t>
+                      </a:r>
+                      <a:endParaRPr lang="pt-PT" sz="2000" dirty="0"/>
+                    </a:p>
+                  </a:txBody>
+                  <a:tcPr/>
+                </a:tc>
+                <a:tc>
+                  <a:txBody>
+                    <a:bodyPr/>
+                    <a:lstStyle/>
+                    <a:p>
+                      <a:pPr algn="r"/>
+                      <a:r>
+                        <a:rPr lang="en-US" sz="2000" b="0" i="0" kern="1200" dirty="0">
+                          <a:solidFill>
+                            <a:schemeClr val="dk1"/>
+                          </a:solidFill>
+                          <a:effectLst/>
+                          <a:latin typeface="+mn-lt"/>
+                          <a:ea typeface="+mn-ea"/>
+                          <a:cs typeface="+mn-cs"/>
+                        </a:rPr>
+                        <a:t>0.59</a:t>
+                      </a:r>
+                      <a:endParaRPr lang="pt-PT" sz="2000" dirty="0"/>
+                    </a:p>
+                  </a:txBody>
+                  <a:tcPr/>
+                </a:tc>
+                <a:extLst>
+                  <a:ext uri="{0D108BD9-81ED-4DB2-BD59-A6C34878D82A}">
+                    <a16:rowId xmlns:a16="http://schemas.microsoft.com/office/drawing/2014/main" val="2969037740"/>
+                  </a:ext>
+                </a:extLst>
+              </a:tr>
+              <a:tr h="370840">
+                <a:tc>
+                  <a:txBody>
+                    <a:bodyPr/>
+                    <a:lstStyle/>
+                    <a:p>
+                      <a:r>
+                        <a:rPr lang="en-US" sz="2000" b="0" i="0" kern="1200" dirty="0">
+                          <a:solidFill>
+                            <a:schemeClr val="dk1"/>
+                          </a:solidFill>
+                          <a:effectLst/>
+                          <a:latin typeface="+mn-lt"/>
+                          <a:ea typeface="+mn-ea"/>
+                          <a:cs typeface="+mn-cs"/>
+                        </a:rPr>
+                        <a:t>IKJ</a:t>
+                      </a:r>
+                      <a:endParaRPr lang="pt-PT" sz="2000" dirty="0"/>
+                    </a:p>
+                  </a:txBody>
+                  <a:tcPr/>
+                </a:tc>
+                <a:tc>
+                  <a:txBody>
+                    <a:bodyPr/>
+                    <a:lstStyle/>
+                    <a:p>
+                      <a:pPr marL="0" marR="0" lvl="0" indent="0" algn="r" defTabSz="1218987" rtl="0" eaLnBrk="1" fontAlgn="auto" latinLnBrk="0" hangingPunct="1">
+                        <a:lnSpc>
+                          <a:spcPct val="100000"/>
+                        </a:lnSpc>
+                        <a:spcBef>
+                          <a:spcPts val="0"/>
+                        </a:spcBef>
+                        <a:spcAft>
+                          <a:spcPts val="0"/>
+                        </a:spcAft>
+                        <a:buClrTx/>
+                        <a:buSzTx/>
+                        <a:buFontTx/>
+                        <a:buNone/>
+                        <a:tabLst/>
+                        <a:defRPr/>
+                      </a:pPr>
+                      <a:r>
+                        <a:rPr lang="pt-PT" sz="2000" b="0" i="0" kern="1200" dirty="0">
+                          <a:solidFill>
+                            <a:schemeClr val="dk1"/>
+                          </a:solidFill>
+                          <a:effectLst/>
+                          <a:latin typeface="+mn-lt"/>
+                          <a:ea typeface="+mn-ea"/>
+                          <a:cs typeface="+mn-cs"/>
+                        </a:rPr>
+                        <a:t>0.033</a:t>
+                      </a:r>
+                    </a:p>
+                  </a:txBody>
+                  <a:tcPr/>
+                </a:tc>
+                <a:tc>
+                  <a:txBody>
+                    <a:bodyPr/>
+                    <a:lstStyle/>
+                    <a:p>
+                      <a:pPr algn="r"/>
+                      <a:r>
+                        <a:rPr lang="pt-PT" sz="2000" b="0" i="0" kern="1200" dirty="0">
+                          <a:solidFill>
+                            <a:schemeClr val="dk1"/>
+                          </a:solidFill>
+                          <a:effectLst/>
+                          <a:latin typeface="+mn-lt"/>
+                          <a:ea typeface="+mn-ea"/>
+                          <a:cs typeface="+mn-cs"/>
+                        </a:rPr>
+                        <a:t>1.91 </a:t>
+                      </a:r>
+                      <a:endParaRPr lang="pt-PT" sz="2000" dirty="0"/>
+                    </a:p>
+                  </a:txBody>
+                  <a:tcPr/>
+                </a:tc>
+                <a:tc>
+                  <a:txBody>
+                    <a:bodyPr/>
+                    <a:lstStyle/>
+                    <a:p>
+                      <a:pPr algn="r"/>
+                      <a:r>
+                        <a:rPr lang="en-US" sz="2000" b="0" i="0" kern="1200" dirty="0">
+                          <a:solidFill>
+                            <a:schemeClr val="dk1"/>
+                          </a:solidFill>
+                          <a:effectLst/>
+                          <a:latin typeface="+mn-lt"/>
+                          <a:ea typeface="+mn-ea"/>
+                          <a:cs typeface="+mn-cs"/>
+                        </a:rPr>
+                        <a:t>0.009</a:t>
+                      </a:r>
+                      <a:endParaRPr lang="pt-PT" sz="2000" dirty="0"/>
+                    </a:p>
+                  </a:txBody>
+                  <a:tcPr/>
+                </a:tc>
+                <a:tc>
+                  <a:txBody>
+                    <a:bodyPr/>
+                    <a:lstStyle/>
+                    <a:p>
+                      <a:pPr algn="r"/>
+                      <a:r>
+                        <a:rPr lang="en-US" sz="2000" b="0" i="0" kern="1200" dirty="0">
+                          <a:solidFill>
+                            <a:schemeClr val="dk1"/>
+                          </a:solidFill>
+                          <a:effectLst/>
+                          <a:latin typeface="+mn-lt"/>
+                          <a:ea typeface="+mn-ea"/>
+                          <a:cs typeface="+mn-cs"/>
+                        </a:rPr>
+                        <a:t>0.56</a:t>
+                      </a:r>
+                      <a:endParaRPr lang="pt-PT" sz="2000" dirty="0"/>
+                    </a:p>
+                  </a:txBody>
+                  <a:tcPr/>
+                </a:tc>
+                <a:extLst>
+                  <a:ext uri="{0D108BD9-81ED-4DB2-BD59-A6C34878D82A}">
+                    <a16:rowId xmlns:a16="http://schemas.microsoft.com/office/drawing/2014/main" val="3318580940"/>
+                  </a:ext>
+                </a:extLst>
+              </a:tr>
+              <a:tr h="370840">
                 <a:tc>
                   <a:txBody>
                     <a:bodyPr/>
@@ -15029,7 +15532,7 @@
                           <a:ea typeface="+mn-ea"/>
                           <a:cs typeface="+mn-cs"/>
                         </a:rPr>
-                        <a:t>0.009</a:t>
+                        <a:t>JKI Transposed</a:t>
                       </a:r>
                     </a:p>
                   </a:txBody>
@@ -15040,228 +15543,7 @@
                     <a:bodyPr/>
                     <a:lstStyle/>
                     <a:p>
-                      <a:r>
-                        <a:rPr lang="pt-PT" sz="2000" b="0" i="0" kern="1200" dirty="0">
-                          <a:solidFill>
-                            <a:schemeClr val="dk1"/>
-                          </a:solidFill>
-                          <a:effectLst/>
-                          <a:latin typeface="+mn-lt"/>
-                          <a:ea typeface="+mn-ea"/>
-                          <a:cs typeface="+mn-cs"/>
-                        </a:rPr>
-                        <a:t>2.30</a:t>
-                      </a:r>
-                      <a:endParaRPr lang="pt-PT" sz="2000" dirty="0"/>
-                    </a:p>
-                  </a:txBody>
-                  <a:tcPr/>
-                </a:tc>
-                <a:tc>
-                  <a:txBody>
-                    <a:bodyPr/>
-                    <a:lstStyle/>
-                    <a:p>
-                      <a:r>
-                        <a:rPr lang="en-US" sz="2000" b="0" i="0" kern="1200" dirty="0">
-                          <a:solidFill>
-                            <a:schemeClr val="dk1"/>
-                          </a:solidFill>
-                          <a:effectLst/>
-                          <a:latin typeface="+mn-lt"/>
-                          <a:ea typeface="+mn-ea"/>
-                          <a:cs typeface="+mn-cs"/>
-                        </a:rPr>
-                        <a:t>0.59</a:t>
-                      </a:r>
-                      <a:endParaRPr lang="pt-PT" sz="2000" dirty="0"/>
-                    </a:p>
-                  </a:txBody>
-                  <a:tcPr/>
-                </a:tc>
-                <a:extLst>
-                  <a:ext uri="{0D108BD9-81ED-4DB2-BD59-A6C34878D82A}">
-                    <a16:rowId xmlns:a16="http://schemas.microsoft.com/office/drawing/2014/main" val="2969037740"/>
-                  </a:ext>
-                </a:extLst>
-              </a:tr>
-              <a:tr h="370840">
-                <a:tc>
-                  <a:txBody>
-                    <a:bodyPr/>
-                    <a:lstStyle/>
-                    <a:p>
-                      <a:r>
-                        <a:rPr lang="en-US" sz="2000" b="0" i="0" kern="1200" dirty="0">
-                          <a:solidFill>
-                            <a:schemeClr val="dk1"/>
-                          </a:solidFill>
-                          <a:effectLst/>
-                          <a:latin typeface="+mn-lt"/>
-                          <a:ea typeface="+mn-ea"/>
-                          <a:cs typeface="+mn-cs"/>
-                        </a:rPr>
-                        <a:t>IKJ</a:t>
-                      </a:r>
-                      <a:endParaRPr lang="pt-PT" sz="2000" dirty="0"/>
-                    </a:p>
-                  </a:txBody>
-                  <a:tcPr/>
-                </a:tc>
-                <a:tc>
-                  <a:txBody>
-                    <a:bodyPr/>
-                    <a:lstStyle/>
-                    <a:p>
-                      <a:pPr marL="0" marR="0" lvl="0" indent="0" algn="l" defTabSz="1218987" rtl="0" eaLnBrk="1" fontAlgn="auto" latinLnBrk="0" hangingPunct="1">
-                        <a:lnSpc>
-                          <a:spcPct val="100000"/>
-                        </a:lnSpc>
-                        <a:spcBef>
-                          <a:spcPts val="0"/>
-                        </a:spcBef>
-                        <a:spcAft>
-                          <a:spcPts val="0"/>
-                        </a:spcAft>
-                        <a:buClrTx/>
-                        <a:buSzTx/>
-                        <a:buFontTx/>
-                        <a:buNone/>
-                        <a:tabLst/>
-                        <a:defRPr/>
-                      </a:pPr>
-                      <a:r>
-                        <a:rPr lang="pt-PT" sz="2000" b="0" i="0" kern="1200" dirty="0">
-                          <a:solidFill>
-                            <a:schemeClr val="dk1"/>
-                          </a:solidFill>
-                          <a:effectLst/>
-                          <a:latin typeface="+mn-lt"/>
-                          <a:ea typeface="+mn-ea"/>
-                          <a:cs typeface="+mn-cs"/>
-                        </a:rPr>
-                        <a:t>0.033</a:t>
-                      </a:r>
-                    </a:p>
-                  </a:txBody>
-                  <a:tcPr/>
-                </a:tc>
-                <a:tc>
-                  <a:txBody>
-                    <a:bodyPr/>
-                    <a:lstStyle/>
-                    <a:p>
-                      <a:r>
-                        <a:rPr lang="en-US" sz="2000" b="0" i="0" kern="1200" dirty="0">
-                          <a:solidFill>
-                            <a:schemeClr val="dk1"/>
-                          </a:solidFill>
-                          <a:effectLst/>
-                          <a:latin typeface="+mn-lt"/>
-                          <a:ea typeface="+mn-ea"/>
-                          <a:cs typeface="+mn-cs"/>
-                        </a:rPr>
-                        <a:t>0.009</a:t>
-                      </a:r>
-                      <a:endParaRPr lang="pt-PT" sz="2000" dirty="0"/>
-                    </a:p>
-                  </a:txBody>
-                  <a:tcPr/>
-                </a:tc>
-                <a:tc>
-                  <a:txBody>
-                    <a:bodyPr/>
-                    <a:lstStyle/>
-                    <a:p>
-                      <a:r>
-                        <a:rPr lang="pt-PT" sz="2000" b="0" i="0" kern="1200" dirty="0">
-                          <a:solidFill>
-                            <a:schemeClr val="dk1"/>
-                          </a:solidFill>
-                          <a:effectLst/>
-                          <a:latin typeface="+mn-lt"/>
-                          <a:ea typeface="+mn-ea"/>
-                          <a:cs typeface="+mn-cs"/>
-                        </a:rPr>
-                        <a:t>1.91</a:t>
-                      </a:r>
-                      <a:endParaRPr lang="pt-PT" sz="2000" dirty="0"/>
-                    </a:p>
-                  </a:txBody>
-                  <a:tcPr/>
-                </a:tc>
-                <a:tc>
-                  <a:txBody>
-                    <a:bodyPr/>
-                    <a:lstStyle/>
-                    <a:p>
-                      <a:r>
-                        <a:rPr lang="en-US" sz="2000" b="0" i="0" kern="1200" dirty="0">
-                          <a:solidFill>
-                            <a:schemeClr val="dk1"/>
-                          </a:solidFill>
-                          <a:effectLst/>
-                          <a:latin typeface="+mn-lt"/>
-                          <a:ea typeface="+mn-ea"/>
-                          <a:cs typeface="+mn-cs"/>
-                        </a:rPr>
-                        <a:t>0.56</a:t>
-                      </a:r>
-                      <a:endParaRPr lang="pt-PT" sz="2000" dirty="0"/>
-                    </a:p>
-                  </a:txBody>
-                  <a:tcPr/>
-                </a:tc>
-                <a:extLst>
-                  <a:ext uri="{0D108BD9-81ED-4DB2-BD59-A6C34878D82A}">
-                    <a16:rowId xmlns:a16="http://schemas.microsoft.com/office/drawing/2014/main" val="3318580940"/>
-                  </a:ext>
-                </a:extLst>
-              </a:tr>
-              <a:tr h="370840">
-                <a:tc>
-                  <a:txBody>
-                    <a:bodyPr/>
-                    <a:lstStyle/>
-                    <a:p>
-                      <a:pPr marL="0" marR="0" lvl="0" indent="0" algn="l" defTabSz="1218987" rtl="0" eaLnBrk="1" fontAlgn="auto" latinLnBrk="0" hangingPunct="1">
-                        <a:lnSpc>
-                          <a:spcPct val="100000"/>
-                        </a:lnSpc>
-                        <a:spcBef>
-                          <a:spcPts val="0"/>
-                        </a:spcBef>
-                        <a:spcAft>
-                          <a:spcPts val="0"/>
-                        </a:spcAft>
-                        <a:buClrTx/>
-                        <a:buSzTx/>
-                        <a:buFontTx/>
-                        <a:buNone/>
-                        <a:tabLst/>
-                        <a:defRPr/>
-                      </a:pPr>
-                      <a:r>
-                        <a:rPr lang="en-US" sz="2000" b="0" i="0" kern="1200" dirty="0">
-                          <a:solidFill>
-                            <a:schemeClr val="dk1"/>
-                          </a:solidFill>
-                          <a:effectLst/>
-                          <a:latin typeface="+mn-lt"/>
-                          <a:ea typeface="+mn-ea"/>
-                          <a:cs typeface="+mn-cs"/>
-                        </a:rPr>
-                        <a:t>JKI Transposed</a:t>
-                      </a:r>
-                    </a:p>
-                  </a:txBody>
-                  <a:tcPr/>
-                </a:tc>
-                <a:tc>
-                  <a:txBody>
-                    <a:bodyPr/>
-                    <a:lstStyle/>
-                    <a:p>
+                      <a:pPr algn="r"/>
                       <a:r>
                         <a:rPr lang="pt-PT" sz="2000" b="0" i="0" kern="1200" dirty="0">
                           <a:solidFill>
@@ -15284,6 +15566,30 @@
                     <a:bodyPr/>
                     <a:lstStyle/>
                     <a:p>
+                      <a:pPr algn="r"/>
+                      <a:r>
+                        <a:rPr lang="pt-PT" sz="2000" b="0" i="0" kern="1200" dirty="0">
+                          <a:solidFill>
+                            <a:schemeClr val="dk1"/>
+                          </a:solidFill>
+                          <a:effectLst/>
+                          <a:latin typeface="+mn-lt"/>
+                          <a:ea typeface="+mn-ea"/>
+                          <a:cs typeface="+mn-cs"/>
+                        </a:rPr>
+                        <a:t>1.980 </a:t>
+                      </a:r>
+                      <a:endParaRPr lang="pt-PT" sz="2000" dirty="0"/>
+                    </a:p>
+                  </a:txBody>
+                  <a:tcPr/>
+                </a:tc>
+                <a:tc>
+                  <a:txBody>
+                    <a:bodyPr/>
+                    <a:lstStyle/>
+                    <a:p>
+                      <a:pPr algn="r"/>
                       <a:r>
                         <a:rPr lang="en-US" sz="2000" b="0" i="0" kern="1200" dirty="0">
                           <a:solidFill>
@@ -15306,28 +15612,7 @@
                     <a:bodyPr/>
                     <a:lstStyle/>
                     <a:p>
-                      <a:r>
-                        <a:rPr lang="pt-PT" sz="2000" b="0" i="0" kern="1200" dirty="0">
-                          <a:solidFill>
-                            <a:schemeClr val="dk1"/>
-                          </a:solidFill>
-                          <a:effectLst/>
-                          <a:latin typeface="+mn-lt"/>
-                          <a:ea typeface="+mn-ea"/>
-                          <a:cs typeface="+mn-cs"/>
-                        </a:rPr>
-                        <a:t>1.980</a:t>
-                      </a:r>
-                      <a:endParaRPr lang="pt-PT" sz="2000" dirty="0"/>
-                    </a:p>
-                  </a:txBody>
-                  <a:tcPr/>
-                </a:tc>
-                <a:tc>
-                  <a:txBody>
-                    <a:bodyPr/>
-                    <a:lstStyle/>
-                    <a:p>
+                      <a:pPr algn="r"/>
                       <a:r>
                         <a:rPr lang="en-US" sz="2000" b="0" i="0" kern="1200" dirty="0">
                           <a:solidFill>
@@ -15369,7 +15654,7 @@
         </p:nvSpPr>
         <p:spPr>
           <a:xfrm>
-            <a:off x="1341885" y="3601079"/>
+            <a:off x="1341885" y="3970040"/>
             <a:ext cx="9505054" cy="276999"/>
           </a:xfrm>
           <a:prstGeom prst="rect">
@@ -15385,34 +15670,9 @@
           <a:p>
             <a:pPr algn="ctr"/>
             <a:r>
-              <a:rPr lang="pt-PT" sz="1200" dirty="0" err="1"/>
-              <a:t>Table</a:t>
+              <a:rPr lang="pt-PT" sz="1200" dirty="0"/>
+              <a:t>Table 7: Execution time (in ms) of not vectorized vs vectorized code.</a:t>
             </a:r>
-            <a:r>
-              <a:rPr lang="pt-PT" sz="1200" dirty="0"/>
-              <a:t> 6: Non </a:t>
-            </a:r>
-            <a:r>
-              <a:rPr lang="pt-PT" sz="1200" dirty="0" err="1"/>
-              <a:t>Vectorized</a:t>
-            </a:r>
-            <a:r>
-              <a:rPr lang="pt-PT" sz="1200" dirty="0"/>
-              <a:t> VS </a:t>
-            </a:r>
-            <a:r>
-              <a:rPr lang="pt-PT" sz="1200" dirty="0" err="1"/>
-              <a:t>Vectorized</a:t>
-            </a:r>
-            <a:r>
-              <a:rPr lang="pt-PT" sz="1200" dirty="0"/>
-              <a:t> </a:t>
-            </a:r>
-            <a:r>
-              <a:rPr lang="pt-PT" sz="1200" dirty="0" err="1"/>
-              <a:t>Code</a:t>
-            </a:r>
-            <a:endParaRPr lang="pt-PT" sz="1200" dirty="0"/>
           </a:p>
         </p:txBody>
       </p:sp>
@@ -15475,8 +15735,8 @@
           <a:p>
             <a:pPr rtl="0"/>
             <a:r>
-              <a:rPr lang="pt-PT" dirty="0" err="1"/>
-              <a:t>Paralelization</a:t>
+              <a:rPr lang="pt-PT" dirty="0"/>
+              <a:t>Switch to Multicore</a:t>
             </a:r>
             <a:endParaRPr lang="pt-pt" dirty="0"/>
           </a:p>
@@ -15506,7 +15766,7 @@
             <a:pPr rtl="0"/>
             <a:r>
               <a:rPr lang="pt-PT"/>
-              <a:t>Arquiteturas Avançadas - Computação Paralela Distribuida</a:t>
+              <a:t>Advanced Architectures - Matrix Multiplication</a:t>
             </a:r>
           </a:p>
         </p:txBody>
@@ -15526,14 +15786,14 @@
           <p:nvPr>
             <p:extLst>
               <p:ext uri="{D42A27DB-BD31-4B8C-83A1-F6EECF244321}">
-                <p14:modId xmlns:p14="http://schemas.microsoft.com/office/powerpoint/2010/main" val="2514346171"/>
+                <p14:modId xmlns:p14="http://schemas.microsoft.com/office/powerpoint/2010/main" val="2074257669"/>
               </p:ext>
             </p:extLst>
           </p:nvPr>
         </p:nvGraphicFramePr>
         <p:xfrm>
           <a:off x="1341884" y="1988840"/>
-          <a:ext cx="9505053" cy="1828800"/>
+          <a:ext cx="9505053" cy="2286000"/>
         </p:xfrm>
         <a:graphic>
           <a:graphicData uri="http://schemas.openxmlformats.org/drawingml/2006/table">
@@ -15570,6 +15830,49 @@
                     <a:bodyPr/>
                     <a:lstStyle/>
                     <a:p>
+                      <a:endParaRPr lang="pt-PT" sz="2400" dirty="0"/>
+                    </a:p>
+                  </a:txBody>
+                  <a:tcPr/>
+                </a:tc>
+                <a:tc gridSpan="2">
+                  <a:txBody>
+                    <a:bodyPr/>
+                    <a:lstStyle/>
+                    <a:p>
+                      <a:pPr algn="ctr"/>
+                      <a:r>
+                        <a:rPr lang="en-GB" sz="2400"/>
+                        <a:t>2048 x 2048</a:t>
+                      </a:r>
+                      <a:endParaRPr lang="pt-PT" sz="2400" dirty="0"/>
+                    </a:p>
+                  </a:txBody>
+                  <a:tcPr/>
+                </a:tc>
+                <a:tc hMerge="1">
+                  <a:txBody>
+                    <a:bodyPr/>
+                    <a:lstStyle/>
+                    <a:p>
+                      <a:pPr algn="ctr"/>
+                      <a:endParaRPr lang="pt-PT" sz="2400" dirty="0"/>
+                    </a:p>
+                  </a:txBody>
+                  <a:tcPr/>
+                </a:tc>
+                <a:extLst>
+                  <a:ext uri="{0D108BD9-81ED-4DB2-BD59-A6C34878D82A}">
+                    <a16:rowId xmlns:a16="http://schemas.microsoft.com/office/drawing/2014/main" val="1055369888"/>
+                  </a:ext>
+                </a:extLst>
+              </a:tr>
+              <a:tr h="370840">
+                <a:tc>
+                  <a:txBody>
+                    <a:bodyPr/>
+                    <a:lstStyle/>
+                    <a:p>
                       <a:r>
                         <a:rPr lang="pt-PT" sz="2400" dirty="0" err="1"/>
                         <a:t>Algorithm</a:t>
@@ -15584,9 +15887,14 @@
                     <a:bodyPr/>
                     <a:lstStyle/>
                     <a:p>
+                      <a:pPr algn="ctr"/>
+                      <a:r>
+                        <a:rPr lang="en-GB" sz="2400" dirty="0"/>
+                        <a:t>1</a:t>
+                      </a:r>
                       <a:r>
                         <a:rPr lang="pt-PT" sz="2400" dirty="0"/>
-                        <a:t>2048 X 2048</a:t>
+                        <a:t> Thread</a:t>
                       </a:r>
                     </a:p>
                   </a:txBody>
@@ -15597,9 +15905,10 @@
                     <a:bodyPr/>
                     <a:lstStyle/>
                     <a:p>
+                      <a:pPr algn="ctr"/>
                       <a:r>
                         <a:rPr lang="pt-PT" sz="2400" dirty="0"/>
-                        <a:t>2048 X 2048 Par</a:t>
+                        <a:t>24 Threads</a:t>
                       </a:r>
                     </a:p>
                   </a:txBody>
@@ -15638,6 +15947,7 @@
                     <a:bodyPr/>
                     <a:lstStyle/>
                     <a:p>
+                      <a:pPr algn="r"/>
                       <a:r>
                         <a:rPr lang="en-US" sz="2400" b="0" i="0" kern="1200" dirty="0">
                           <a:solidFill>
@@ -15668,6 +15978,7 @@
                     <a:bodyPr/>
                     <a:lstStyle/>
                     <a:p>
+                      <a:pPr algn="r"/>
                       <a:r>
                         <a:rPr lang="en-US" sz="2400" b="0" i="0" kern="1200" dirty="0">
                           <a:solidFill>
@@ -15713,6 +16024,82 @@
                   </a:txBody>
                   <a:tcPr/>
                 </a:tc>
+                <a:tc>
+                  <a:txBody>
+                    <a:bodyPr/>
+                    <a:lstStyle/>
+                    <a:p>
+                      <a:pPr marL="0" marR="0" lvl="0" indent="0" algn="r" defTabSz="1218987" rtl="0" eaLnBrk="1" fontAlgn="auto" latinLnBrk="0" hangingPunct="1">
+                        <a:lnSpc>
+                          <a:spcPct val="100000"/>
+                        </a:lnSpc>
+                        <a:spcBef>
+                          <a:spcPts val="0"/>
+                        </a:spcBef>
+                        <a:spcAft>
+                          <a:spcPts val="0"/>
+                        </a:spcAft>
+                        <a:buClrTx/>
+                        <a:buSzTx/>
+                        <a:buFontTx/>
+                        <a:buNone/>
+                        <a:tabLst/>
+                        <a:defRPr/>
+                      </a:pPr>
+                      <a:r>
+                        <a:rPr lang="en-US" sz="2400" b="0" i="0" kern="1200" dirty="0">
+                          <a:solidFill>
+                            <a:schemeClr val="dk1"/>
+                          </a:solidFill>
+                          <a:effectLst/>
+                          <a:latin typeface="+mn-lt"/>
+                          <a:ea typeface="+mn-ea"/>
+                          <a:cs typeface="+mn-cs"/>
+                        </a:rPr>
+                        <a:t>9175</a:t>
+                      </a:r>
+                      <a:endParaRPr lang="pt-PT" sz="2400" b="0" i="0" kern="1200" dirty="0">
+                        <a:solidFill>
+                          <a:schemeClr val="dk1"/>
+                        </a:solidFill>
+                        <a:effectLst/>
+                        <a:latin typeface="+mn-lt"/>
+                        <a:ea typeface="+mn-ea"/>
+                        <a:cs typeface="+mn-cs"/>
+                      </a:endParaRPr>
+                    </a:p>
+                  </a:txBody>
+                  <a:tcPr/>
+                </a:tc>
+                <a:tc>
+                  <a:txBody>
+                    <a:bodyPr/>
+                    <a:lstStyle/>
+                    <a:p>
+                      <a:pPr algn="r"/>
+                      <a:r>
+                        <a:rPr lang="en-US" sz="2400" b="0" i="0" kern="1200" dirty="0">
+                          <a:solidFill>
+                            <a:schemeClr val="dk1"/>
+                          </a:solidFill>
+                          <a:effectLst/>
+                          <a:latin typeface="+mn-lt"/>
+                          <a:ea typeface="+mn-ea"/>
+                          <a:cs typeface="+mn-cs"/>
+                        </a:rPr>
+                        <a:t>223.53</a:t>
+                      </a:r>
+                    </a:p>
+                  </a:txBody>
+                  <a:tcPr/>
+                </a:tc>
+                <a:extLst>
+                  <a:ext uri="{0D108BD9-81ED-4DB2-BD59-A6C34878D82A}">
+                    <a16:rowId xmlns:a16="http://schemas.microsoft.com/office/drawing/2014/main" val="3318580940"/>
+                  </a:ext>
+                </a:extLst>
+              </a:tr>
+              <a:tr h="370840">
                 <a:tc>
                   <a:txBody>
                     <a:bodyPr/>
@@ -15745,17 +16132,8 @@
                           <a:ea typeface="+mn-ea"/>
                           <a:cs typeface="+mn-cs"/>
                         </a:rPr>
-                        <a:t>9175</a:t>
-                      </a:r>
-                      <a:endParaRPr lang="pt-PT" sz="2400" b="0" i="0" kern="1200" dirty="0">
-                        <a:solidFill>
-                          <a:schemeClr val="dk1"/>
-                        </a:solidFill>
-                        <a:effectLst/>
-                        <a:latin typeface="+mn-lt"/>
-                        <a:ea typeface="+mn-ea"/>
-                        <a:cs typeface="+mn-cs"/>
-                      </a:endParaRPr>
+                        <a:t>JKI Transposed</a:t>
+                      </a:r>
                     </a:p>
                   </a:txBody>
                   <a:tcPr/>
@@ -15765,35 +16143,7 @@
                     <a:bodyPr/>
                     <a:lstStyle/>
                     <a:p>
-                      <a:r>
-                        <a:rPr lang="en-US" sz="2400" b="0" i="0" kern="1200" dirty="0">
-                          <a:solidFill>
-                            <a:schemeClr val="dk1"/>
-                          </a:solidFill>
-                          <a:effectLst/>
-                          <a:latin typeface="+mn-lt"/>
-                          <a:ea typeface="+mn-ea"/>
-                          <a:cs typeface="+mn-cs"/>
-                        </a:rPr>
-                        <a:t>223.53</a:t>
-                      </a:r>
-                    </a:p>
-                  </a:txBody>
-                  <a:tcPr/>
-                </a:tc>
-                <a:extLst>
-                  <a:ext uri="{0D108BD9-81ED-4DB2-BD59-A6C34878D82A}">
-                    <a16:rowId xmlns:a16="http://schemas.microsoft.com/office/drawing/2014/main" val="3318580940"/>
-                  </a:ext>
-                </a:extLst>
-              </a:tr>
-              <a:tr h="370840">
-                <a:tc>
-                  <a:txBody>
-                    <a:bodyPr/>
-                    <a:lstStyle/>
-                    <a:p>
-                      <a:pPr marL="0" marR="0" lvl="0" indent="0" algn="l" defTabSz="1218987" rtl="0" eaLnBrk="1" fontAlgn="auto" latinLnBrk="0" hangingPunct="1">
+                      <a:pPr marL="0" marR="0" lvl="0" indent="0" algn="r" defTabSz="1218987" rtl="0" eaLnBrk="1" fontAlgn="auto" latinLnBrk="0" hangingPunct="1">
                         <a:lnSpc>
                           <a:spcPct val="100000"/>
                         </a:lnSpc>
@@ -15820,44 +16170,6 @@
                           <a:ea typeface="+mn-ea"/>
                           <a:cs typeface="+mn-cs"/>
                         </a:rPr>
-                        <a:t>JKI Transposed</a:t>
-                      </a:r>
-                    </a:p>
-                  </a:txBody>
-                  <a:tcPr/>
-                </a:tc>
-                <a:tc>
-                  <a:txBody>
-                    <a:bodyPr/>
-                    <a:lstStyle/>
-                    <a:p>
-                      <a:pPr marL="0" marR="0" lvl="0" indent="0" algn="l" defTabSz="1218987" rtl="0" eaLnBrk="1" fontAlgn="auto" latinLnBrk="0" hangingPunct="1">
-                        <a:lnSpc>
-                          <a:spcPct val="100000"/>
-                        </a:lnSpc>
-                        <a:spcBef>
-                          <a:spcPts val="0"/>
-                        </a:spcBef>
-                        <a:spcAft>
-                          <a:spcPts val="0"/>
-                        </a:spcAft>
-                        <a:buClrTx/>
-                        <a:buSzTx/>
-                        <a:buFontTx/>
-                        <a:buNone/>
-                        <a:tabLst/>
-                        <a:defRPr/>
-                      </a:pPr>
-                      <a:r>
-                        <a:rPr lang="en-US" sz="2400" b="0" i="0" kern="1200" dirty="0">
-                          <a:solidFill>
-                            <a:schemeClr val="dk1"/>
-                          </a:solidFill>
-                          <a:effectLst/>
-                          <a:latin typeface="+mn-lt"/>
-                          <a:ea typeface="+mn-ea"/>
-                          <a:cs typeface="+mn-cs"/>
-                        </a:rPr>
                         <a:t>9182</a:t>
                       </a:r>
                       <a:endParaRPr lang="pt-PT" sz="2400" b="0" i="0" kern="1200" dirty="0">
@@ -15878,7 +16190,7 @@
                     <a:bodyPr/>
                     <a:lstStyle/>
                     <a:p>
-                      <a:pPr marL="0" marR="0" lvl="0" indent="0" algn="l" defTabSz="1218987" rtl="0" eaLnBrk="1" fontAlgn="auto" latinLnBrk="0" hangingPunct="1">
+                      <a:pPr marL="0" marR="0" lvl="0" indent="0" algn="r" defTabSz="1218987" rtl="0" eaLnBrk="1" fontAlgn="auto" latinLnBrk="0" hangingPunct="1">
                         <a:lnSpc>
                           <a:spcPct val="100000"/>
                         </a:lnSpc>
@@ -15935,7 +16247,7 @@
         </p:nvSpPr>
         <p:spPr>
           <a:xfrm>
-            <a:off x="1341884" y="3838620"/>
+            <a:off x="1341883" y="4306838"/>
             <a:ext cx="9505054" cy="276999"/>
           </a:xfrm>
           <a:prstGeom prst="rect">
@@ -15951,34 +16263,9 @@
           <a:p>
             <a:pPr algn="ctr"/>
             <a:r>
-              <a:rPr lang="pt-PT" sz="1200" dirty="0" err="1"/>
-              <a:t>Table</a:t>
+              <a:rPr lang="pt-PT" sz="1200" dirty="0"/>
+              <a:t>Table 8: Single core vs multicore execution times (in ms).</a:t>
             </a:r>
-            <a:r>
-              <a:rPr lang="pt-PT" sz="1200" dirty="0"/>
-              <a:t> 7: Non </a:t>
-            </a:r>
-            <a:r>
-              <a:rPr lang="pt-PT" sz="1200" dirty="0" err="1"/>
-              <a:t>Parallel</a:t>
-            </a:r>
-            <a:r>
-              <a:rPr lang="pt-PT" sz="1200" dirty="0"/>
-              <a:t> VS </a:t>
-            </a:r>
-            <a:r>
-              <a:rPr lang="pt-PT" sz="1200" dirty="0" err="1"/>
-              <a:t>Parallel</a:t>
-            </a:r>
-            <a:r>
-              <a:rPr lang="pt-PT" sz="1200" dirty="0"/>
-              <a:t> </a:t>
-            </a:r>
-            <a:r>
-              <a:rPr lang="pt-PT" sz="1200" dirty="0" err="1"/>
-              <a:t>Code</a:t>
-            </a:r>
-            <a:endParaRPr lang="pt-PT" sz="1200" dirty="0"/>
           </a:p>
         </p:txBody>
       </p:sp>
@@ -16026,7 +16313,13 @@
       </p:grpSpPr>
       <p:sp>
         <p:nvSpPr>
-          <p:cNvPr id="3" name="Título 2"/>
+          <p:cNvPr id="2" name="Title 1">
+            <a:extLst>
+              <a:ext uri="{FF2B5EF4-FFF2-40B4-BE49-F238E27FC236}">
+                <a16:creationId xmlns:a16="http://schemas.microsoft.com/office/drawing/2014/main" id="{670778DA-6D3B-4A1D-8728-6A72C0A36A0C}"/>
+              </a:ext>
+            </a:extLst>
+          </p:cNvPr>
           <p:cNvSpPr>
             <a:spLocks noGrp="1"/>
           </p:cNvSpPr>
@@ -16036,28 +16329,57 @@
         </p:nvSpPr>
         <p:spPr/>
         <p:txBody>
-          <a:bodyPr rtlCol="0"/>
+          <a:bodyPr/>
           <a:lstStyle/>
           <a:p>
-            <a:pPr rtl="0"/>
             <a:r>
-              <a:rPr lang="pt-PT" dirty="0"/>
-              <a:t>GPU </a:t>
+              <a:rPr lang="pt-PT" b="1" dirty="0"/>
+              <a:t>Intel Knights Landing vs GPU Kepler</a:t>
             </a:r>
-            <a:r>
-              <a:rPr lang="pt-PT" dirty="0" err="1"/>
-              <a:t>Implementation</a:t>
-            </a:r>
-            <a:endParaRPr lang="pt-pt" dirty="0"/>
+            <a:endParaRPr lang="pt-PT" dirty="0"/>
           </a:p>
         </p:txBody>
       </p:sp>
       <p:sp>
         <p:nvSpPr>
-          <p:cNvPr id="2" name="Marcador de Posição do Rodapé 1">
+          <p:cNvPr id="3" name="Content Placeholder 2">
             <a:extLst>
               <a:ext uri="{FF2B5EF4-FFF2-40B4-BE49-F238E27FC236}">
-                <a16:creationId xmlns:a16="http://schemas.microsoft.com/office/drawing/2014/main" id="{8E4DEC55-C969-413B-BA2F-BC59C73C3684}"/>
+                <a16:creationId xmlns:a16="http://schemas.microsoft.com/office/drawing/2014/main" id="{ADB5314C-FE05-4D52-8AE8-9295CB3BD3EE}"/>
+              </a:ext>
+            </a:extLst>
+          </p:cNvPr>
+          <p:cNvSpPr>
+            <a:spLocks noGrp="1"/>
+          </p:cNvSpPr>
+          <p:nvPr>
+            <p:ph idx="1"/>
+          </p:nvPr>
+        </p:nvSpPr>
+        <p:spPr/>
+        <p:txBody>
+          <a:bodyPr/>
+          <a:lstStyle/>
+          <a:p>
+            <a:r>
+              <a:rPr lang="en-GB" dirty="0"/>
+              <a:t>KNL many-core server (64 cores)</a:t>
+            </a:r>
+          </a:p>
+          <a:p>
+            <a:r>
+              <a:rPr lang="pt-PT" dirty="0"/>
+              <a:t>Nvidia streaming Multiprocessor (SMX)</a:t>
+            </a:r>
+          </a:p>
+        </p:txBody>
+      </p:sp>
+      <p:sp>
+        <p:nvSpPr>
+          <p:cNvPr id="4" name="Footer Placeholder 3">
+            <a:extLst>
+              <a:ext uri="{FF2B5EF4-FFF2-40B4-BE49-F238E27FC236}">
+                <a16:creationId xmlns:a16="http://schemas.microsoft.com/office/drawing/2014/main" id="{789F20A4-B5CD-4016-A5C7-BED6B90B7E86}"/>
               </a:ext>
             </a:extLst>
           </p:cNvPr>
@@ -16076,17 +16398,17 @@
             <a:pPr rtl="0"/>
             <a:r>
               <a:rPr lang="pt-PT"/>
-              <a:t>Arquiteturas Avançadas - Computação Paralela Distribuida</a:t>
+              <a:t>Advanced Architectures - Matrix Multiplication</a:t>
             </a:r>
           </a:p>
         </p:txBody>
       </p:sp>
       <p:graphicFrame>
         <p:nvGraphicFramePr>
-          <p:cNvPr id="4" name="Tabela 3">
+          <p:cNvPr id="5" name="Table 4">
             <a:extLst>
               <a:ext uri="{FF2B5EF4-FFF2-40B4-BE49-F238E27FC236}">
-                <a16:creationId xmlns:a16="http://schemas.microsoft.com/office/drawing/2014/main" id="{CEC7CA94-FAE2-4932-83EF-3A836796753A}"/>
+                <a16:creationId xmlns:a16="http://schemas.microsoft.com/office/drawing/2014/main" id="{C53E3F0D-0741-4772-9730-FFB206915DCD}"/>
               </a:ext>
             </a:extLst>
           </p:cNvPr>
@@ -16096,14 +16418,14 @@
           <p:nvPr>
             <p:extLst>
               <p:ext uri="{D42A27DB-BD31-4B8C-83A1-F6EECF244321}">
-                <p14:modId xmlns:p14="http://schemas.microsoft.com/office/powerpoint/2010/main" val="216562530"/>
+                <p14:modId xmlns:p14="http://schemas.microsoft.com/office/powerpoint/2010/main" val="192064488"/>
               </p:ext>
             </p:extLst>
           </p:nvPr>
         </p:nvGraphicFramePr>
         <p:xfrm>
-          <a:off x="1341884" y="1988840"/>
-          <a:ext cx="9505053" cy="1584960"/>
+          <a:off x="1218882" y="2924944"/>
+          <a:ext cx="10078237" cy="1198880"/>
         </p:xfrm>
         <a:graphic>
           <a:graphicData uri="http://schemas.openxmlformats.org/drawingml/2006/table">
@@ -16112,24 +16434,45 @@
                 <a:tableStyleId>{5C22544A-7EE6-4342-B048-85BDC9FD1C3A}</a:tableStyleId>
               </a:tblPr>
               <a:tblGrid>
-                <a:gridCol w="3168351">
+                <a:gridCol w="2250377">
                   <a:extLst>
                     <a:ext uri="{9D8B030D-6E8A-4147-A177-3AD203B41FA5}">
-                      <a16:colId xmlns:a16="http://schemas.microsoft.com/office/drawing/2014/main" val="764262293"/>
+                      <a16:colId xmlns:a16="http://schemas.microsoft.com/office/drawing/2014/main" val="2907057102"/>
                     </a:ext>
                   </a:extLst>
                 </a:gridCol>
-                <a:gridCol w="3168351">
+                <a:gridCol w="1327152">
                   <a:extLst>
                     <a:ext uri="{9D8B030D-6E8A-4147-A177-3AD203B41FA5}">
-                      <a16:colId xmlns:a16="http://schemas.microsoft.com/office/drawing/2014/main" val="2578178844"/>
+                      <a16:colId xmlns:a16="http://schemas.microsoft.com/office/drawing/2014/main" val="3661808062"/>
                     </a:ext>
                   </a:extLst>
                 </a:gridCol>
-                <a:gridCol w="3168351">
+                <a:gridCol w="1625177">
                   <a:extLst>
                     <a:ext uri="{9D8B030D-6E8A-4147-A177-3AD203B41FA5}">
-                      <a16:colId xmlns:a16="http://schemas.microsoft.com/office/drawing/2014/main" val="3401719747"/>
+                      <a16:colId xmlns:a16="http://schemas.microsoft.com/office/drawing/2014/main" val="2248698773"/>
+                    </a:ext>
+                  </a:extLst>
+                </a:gridCol>
+                <a:gridCol w="1625177">
+                  <a:extLst>
+                    <a:ext uri="{9D8B030D-6E8A-4147-A177-3AD203B41FA5}">
+                      <a16:colId xmlns:a16="http://schemas.microsoft.com/office/drawing/2014/main" val="3736687039"/>
+                    </a:ext>
+                  </a:extLst>
+                </a:gridCol>
+                <a:gridCol w="1625177">
+                  <a:extLst>
+                    <a:ext uri="{9D8B030D-6E8A-4147-A177-3AD203B41FA5}">
+                      <a16:colId xmlns:a16="http://schemas.microsoft.com/office/drawing/2014/main" val="3541496352"/>
+                    </a:ext>
+                  </a:extLst>
+                </a:gridCol>
+                <a:gridCol w="1625177">
+                  <a:extLst>
+                    <a:ext uri="{9D8B030D-6E8A-4147-A177-3AD203B41FA5}">
+                      <a16:colId xmlns:a16="http://schemas.microsoft.com/office/drawing/2014/main" val="3151031717"/>
                     </a:ext>
                   </a:extLst>
                 </a:gridCol>
@@ -16140,57 +16483,100 @@
                     <a:bodyPr/>
                     <a:lstStyle/>
                     <a:p>
-                      <a:r>
-                        <a:rPr lang="pt-PT" sz="2000" dirty="0" err="1"/>
-                        <a:t>Algorithm</a:t>
-                      </a:r>
-                      <a:endParaRPr lang="pt-PT" sz="2000" dirty="0"/>
-                    </a:p>
-                  </a:txBody>
-                  <a:tcPr/>
-                </a:tc>
-                <a:tc>
-                  <a:txBody>
-                    <a:bodyPr/>
-                    <a:lstStyle/>
-                    <a:p>
-                      <a:r>
-                        <a:rPr lang="pt-PT" sz="2000" dirty="0"/>
-                        <a:t>2048 X 2048 Intel </a:t>
-                      </a:r>
-                      <a:r>
-                        <a:rPr lang="pt-PT" sz="2000" dirty="0" err="1"/>
-                        <a:t>Xeon</a:t>
-                      </a:r>
-                      <a:endParaRPr lang="pt-PT" sz="2000" dirty="0"/>
-                    </a:p>
-                  </a:txBody>
-                  <a:tcPr/>
-                </a:tc>
-                <a:tc>
-                  <a:txBody>
-                    <a:bodyPr/>
-                    <a:lstStyle/>
-                    <a:p>
-                      <a:r>
-                        <a:rPr lang="pt-PT" sz="2000" dirty="0"/>
-                        <a:t>2048 X 2048 </a:t>
-                      </a:r>
-                      <a:r>
-                        <a:rPr lang="pt-PT" sz="2000" dirty="0" err="1"/>
-                        <a:t>Nvidia</a:t>
-                      </a:r>
-                      <a:r>
-                        <a:rPr lang="pt-PT" sz="2000" dirty="0"/>
-                        <a:t> Kepler</a:t>
-                      </a:r>
+                      <a:pPr algn="ctr"/>
+                      <a:r>
+                        <a:rPr lang="pt-PT" sz="2400" b="0" i="0" u="none" strike="noStrike" kern="1200" baseline="0" dirty="0">
+                          <a:solidFill>
+                            <a:schemeClr val="lt1"/>
+                          </a:solidFill>
+                          <a:latin typeface="+mn-lt"/>
+                          <a:ea typeface="+mn-ea"/>
+                          <a:cs typeface="+mn-cs"/>
+                        </a:rPr>
+                        <a:t>Xeon E5-2695v2</a:t>
+                      </a:r>
+                      <a:endParaRPr lang="pt-PT" dirty="0"/>
+                    </a:p>
+                  </a:txBody>
+                  <a:tcPr/>
+                </a:tc>
+                <a:tc gridSpan="2">
+                  <a:txBody>
+                    <a:bodyPr/>
+                    <a:lstStyle/>
+                    <a:p>
+                      <a:pPr algn="ctr"/>
+                      <a:r>
+                        <a:rPr lang="pt-PT" sz="2400" b="0" i="0" u="none" strike="noStrike" kern="1200" baseline="0" dirty="0">
+                          <a:solidFill>
+                            <a:schemeClr val="lt1"/>
+                          </a:solidFill>
+                          <a:latin typeface="+mn-lt"/>
+                          <a:ea typeface="+mn-ea"/>
+                          <a:cs typeface="+mn-cs"/>
+                        </a:rPr>
+                        <a:t>Knight’s Landing</a:t>
+                      </a:r>
+                      <a:endParaRPr lang="pt-PT" dirty="0"/>
+                    </a:p>
+                  </a:txBody>
+                  <a:tcPr/>
+                </a:tc>
+                <a:tc hMerge="1">
+                  <a:txBody>
+                    <a:bodyPr/>
+                    <a:lstStyle/>
+                    <a:p>
+                      <a:endParaRPr lang="pt-PT" dirty="0"/>
+                    </a:p>
+                  </a:txBody>
+                  <a:tcPr/>
+                </a:tc>
+                <a:tc gridSpan="3">
+                  <a:txBody>
+                    <a:bodyPr/>
+                    <a:lstStyle/>
+                    <a:p>
+                      <a:pPr algn="ctr"/>
+                      <a:r>
+                        <a:rPr lang="pt-PT" sz="2400" b="0" i="0" u="none" strike="noStrike" kern="1200" baseline="0" dirty="0">
+                          <a:solidFill>
+                            <a:schemeClr val="lt1"/>
+                          </a:solidFill>
+                          <a:latin typeface="+mn-lt"/>
+                          <a:ea typeface="+mn-ea"/>
+                          <a:cs typeface="+mn-cs"/>
+                        </a:rPr>
+                        <a:t>GPU Kepler</a:t>
+                      </a:r>
+                      <a:endParaRPr lang="pt-PT" dirty="0"/>
+                    </a:p>
+                  </a:txBody>
+                  <a:tcPr/>
+                </a:tc>
+                <a:tc hMerge="1">
+                  <a:txBody>
+                    <a:bodyPr/>
+                    <a:lstStyle/>
+                    <a:p>
+                      <a:endParaRPr lang="pt-PT" dirty="0"/>
+                    </a:p>
+                  </a:txBody>
+                  <a:tcPr/>
+                </a:tc>
+                <a:tc hMerge="1">
+                  <a:txBody>
+                    <a:bodyPr/>
+                    <a:lstStyle/>
+                    <a:p>
+                      <a:endParaRPr lang="pt-PT" dirty="0"/>
                     </a:p>
                   </a:txBody>
                   <a:tcPr/>
                 </a:tc>
                 <a:extLst>
                   <a:ext uri="{0D108BD9-81ED-4DB2-BD59-A6C34878D82A}">
-                    <a16:rowId xmlns:a16="http://schemas.microsoft.com/office/drawing/2014/main" val="3700845729"/>
+                    <a16:rowId xmlns:a16="http://schemas.microsoft.com/office/drawing/2014/main" val="54449674"/>
                   </a:ext>
                 </a:extLst>
               </a:tr>
@@ -16200,18 +16586,19 @@
                     <a:bodyPr/>
                     <a:lstStyle/>
                     <a:p>
-                      <a:r>
-                        <a:rPr lang="en-US" sz="2000" b="0" i="0" kern="1200" dirty="0">
+                      <a:pPr algn="ctr"/>
+                      <a:r>
+                        <a:rPr lang="pt-PT" sz="1400" b="1" i="0" u="none" strike="noStrike" kern="1200" baseline="0" dirty="0">
                           <a:solidFill>
                             <a:schemeClr val="dk1"/>
                           </a:solidFill>
-                          <a:effectLst/>
                           <a:latin typeface="+mn-lt"/>
                           <a:ea typeface="+mn-ea"/>
                           <a:cs typeface="+mn-cs"/>
                         </a:rPr>
-                        <a:t>IJK Transposed</a:t>
-                      </a:r>
+                        <a:t>24 Threads</a:t>
+                      </a:r>
+                      <a:endParaRPr lang="pt-PT" sz="1400" b="1" dirty="0"/>
                     </a:p>
                   </a:txBody>
                   <a:tcPr/>
@@ -16221,27 +16608,19 @@
                     <a:bodyPr/>
                     <a:lstStyle/>
                     <a:p>
-                      <a:r>
-                        <a:rPr lang="en-US" sz="2000" b="0" i="0" kern="1200" dirty="0">
+                      <a:pPr algn="ctr"/>
+                      <a:r>
+                        <a:rPr lang="pt-PT" sz="1400" b="1" i="0" u="none" strike="noStrike" kern="1200" baseline="0" dirty="0">
                           <a:solidFill>
                             <a:schemeClr val="dk1"/>
                           </a:solidFill>
-                          <a:effectLst/>
                           <a:latin typeface="+mn-lt"/>
                           <a:ea typeface="+mn-ea"/>
                           <a:cs typeface="+mn-cs"/>
                         </a:rPr>
-                        <a:t>9173</a:t>
-                      </a:r>
-                      <a:endParaRPr lang="pt-PT" sz="2000" b="0" i="0" kern="1200" dirty="0">
-                        <a:solidFill>
-                          <a:schemeClr val="dk1"/>
-                        </a:solidFill>
-                        <a:effectLst/>
-                        <a:latin typeface="+mn-lt"/>
-                        <a:ea typeface="+mn-ea"/>
-                        <a:cs typeface="+mn-cs"/>
-                      </a:endParaRPr>
+                        <a:t>64 Threads</a:t>
+                      </a:r>
+                      <a:endParaRPr lang="pt-PT" sz="1400" b="1" dirty="0"/>
                     </a:p>
                   </a:txBody>
                   <a:tcPr/>
@@ -16251,22 +16630,92 @@
                     <a:bodyPr/>
                     <a:lstStyle/>
                     <a:p>
-                      <a:endParaRPr lang="en-US" sz="2000" b="0" i="0" kern="1200" dirty="0">
-                        <a:solidFill>
-                          <a:schemeClr val="dk1"/>
-                        </a:solidFill>
-                        <a:effectLst/>
-                        <a:latin typeface="+mn-lt"/>
-                        <a:ea typeface="+mn-ea"/>
-                        <a:cs typeface="+mn-cs"/>
-                      </a:endParaRPr>
+                      <a:pPr algn="ctr"/>
+                      <a:r>
+                        <a:rPr lang="pt-PT" sz="1400" b="1" i="0" u="none" strike="noStrike" kern="1200" baseline="0" dirty="0">
+                          <a:solidFill>
+                            <a:schemeClr val="dk1"/>
+                          </a:solidFill>
+                          <a:latin typeface="+mn-lt"/>
+                          <a:ea typeface="+mn-ea"/>
+                          <a:cs typeface="+mn-cs"/>
+                        </a:rPr>
+                        <a:t>128 Threads</a:t>
+                      </a:r>
+                      <a:endParaRPr lang="pt-PT" sz="1400" b="1" dirty="0"/>
+                    </a:p>
+                  </a:txBody>
+                  <a:tcPr/>
+                </a:tc>
+                <a:tc>
+                  <a:txBody>
+                    <a:bodyPr/>
+                    <a:lstStyle/>
+                    <a:p>
+                      <a:pPr algn="ctr"/>
+                      <a:r>
+                        <a:rPr lang="pt-PT" sz="1400" b="1" i="0" u="none" strike="noStrike" kern="1200" baseline="0" dirty="0">
+                          <a:solidFill>
+                            <a:schemeClr val="dk1"/>
+                          </a:solidFill>
+                          <a:latin typeface="+mn-lt"/>
+                          <a:ea typeface="+mn-ea"/>
+                          <a:cs typeface="+mn-cs"/>
+                        </a:rPr>
+                        <a:t>Transfer to Device</a:t>
+                      </a:r>
+                      <a:endParaRPr lang="pt-PT" sz="1400" b="1" dirty="0"/>
+                    </a:p>
+                  </a:txBody>
+                  <a:tcPr/>
+                </a:tc>
+                <a:tc>
+                  <a:txBody>
+                    <a:bodyPr/>
+                    <a:lstStyle/>
+                    <a:p>
+                      <a:pPr algn="ctr"/>
+                      <a:r>
+                        <a:rPr lang="pt-PT" sz="1400" b="1" i="0" u="none" strike="noStrike" kern="1200" baseline="0" dirty="0">
+                          <a:solidFill>
+                            <a:schemeClr val="dk1"/>
+                          </a:solidFill>
+                          <a:latin typeface="+mn-lt"/>
+                          <a:ea typeface="+mn-ea"/>
+                          <a:cs typeface="+mn-cs"/>
+                        </a:rPr>
+                        <a:t>Computation</a:t>
+                      </a:r>
+                      <a:endParaRPr lang="pt-PT" sz="1400" b="1" dirty="0"/>
+                    </a:p>
+                  </a:txBody>
+                  <a:tcPr/>
+                </a:tc>
+                <a:tc>
+                  <a:txBody>
+                    <a:bodyPr/>
+                    <a:lstStyle/>
+                    <a:p>
+                      <a:pPr algn="ctr"/>
+                      <a:r>
+                        <a:rPr lang="pt-PT" sz="1400" b="1" i="0" u="none" strike="noStrike" kern="1200" baseline="0" dirty="0">
+                          <a:solidFill>
+                            <a:schemeClr val="dk1"/>
+                          </a:solidFill>
+                          <a:latin typeface="+mn-lt"/>
+                          <a:ea typeface="+mn-ea"/>
+                          <a:cs typeface="+mn-cs"/>
+                        </a:rPr>
+                        <a:t>Transfer to Host</a:t>
+                      </a:r>
+                      <a:endParaRPr lang="pt-PT" sz="1400" b="1" dirty="0"/>
                     </a:p>
                   </a:txBody>
                   <a:tcPr/>
                 </a:tc>
                 <a:extLst>
                   <a:ext uri="{0D108BD9-81ED-4DB2-BD59-A6C34878D82A}">
-                    <a16:rowId xmlns:a16="http://schemas.microsoft.com/office/drawing/2014/main" val="2969037740"/>
+                    <a16:rowId xmlns:a16="http://schemas.microsoft.com/office/drawing/2014/main" val="3652948503"/>
                   </a:ext>
                 </a:extLst>
               </a:tr>
@@ -16276,19 +16725,19 @@
                     <a:bodyPr/>
                     <a:lstStyle/>
                     <a:p>
-                      <a:r>
-                        <a:rPr lang="en-US" sz="2000" b="0" i="0" kern="1200" dirty="0">
+                      <a:pPr algn="r"/>
+                      <a:r>
+                        <a:rPr lang="pt-PT" sz="1400" b="0" i="0" u="none" strike="noStrike" kern="1200" baseline="0" dirty="0">
                           <a:solidFill>
                             <a:schemeClr val="dk1"/>
                           </a:solidFill>
-                          <a:effectLst/>
                           <a:latin typeface="+mn-lt"/>
                           <a:ea typeface="+mn-ea"/>
                           <a:cs typeface="+mn-cs"/>
                         </a:rPr>
-                        <a:t>IKJ</a:t>
-                      </a:r>
-                      <a:endParaRPr lang="pt-PT" sz="2000" dirty="0"/>
+                        <a:t>223,53</a:t>
+                      </a:r>
+                      <a:endParaRPr lang="pt-PT" sz="1400" dirty="0"/>
                     </a:p>
                   </a:txBody>
                   <a:tcPr/>
@@ -16298,44 +16747,19 @@
                     <a:bodyPr/>
                     <a:lstStyle/>
                     <a:p>
-                      <a:pPr marL="0" marR="0" lvl="0" indent="0" algn="l" defTabSz="1218987" rtl="0" eaLnBrk="1" fontAlgn="auto" latinLnBrk="0" hangingPunct="1">
-                        <a:lnSpc>
-                          <a:spcPct val="100000"/>
-                        </a:lnSpc>
-                        <a:spcBef>
-                          <a:spcPts val="0"/>
-                        </a:spcBef>
-                        <a:spcAft>
-                          <a:spcPts val="0"/>
-                        </a:spcAft>
-                        <a:buClrTx/>
-                        <a:buSzTx/>
-                        <a:buFontTx/>
-                        <a:buNone/>
-                        <a:tabLst/>
-                        <a:defRPr/>
-                      </a:pPr>
-                      <a:r>
-                        <a:rPr lang="en-US" sz="2000" b="0" i="0" kern="1200" dirty="0">
+                      <a:pPr algn="r"/>
+                      <a:r>
+                        <a:rPr lang="pt-PT" sz="1400" b="0" i="0" u="none" strike="noStrike" kern="1200" baseline="0" dirty="0">
                           <a:solidFill>
                             <a:schemeClr val="dk1"/>
                           </a:solidFill>
-                          <a:effectLst/>
                           <a:latin typeface="+mn-lt"/>
                           <a:ea typeface="+mn-ea"/>
                           <a:cs typeface="+mn-cs"/>
                         </a:rPr>
-                        <a:t>9175</a:t>
-                      </a:r>
-                      <a:endParaRPr lang="pt-PT" sz="2000" b="0" i="0" kern="1200" dirty="0">
-                        <a:solidFill>
-                          <a:schemeClr val="dk1"/>
-                        </a:solidFill>
-                        <a:effectLst/>
-                        <a:latin typeface="+mn-lt"/>
-                        <a:ea typeface="+mn-ea"/>
-                        <a:cs typeface="+mn-cs"/>
-                      </a:endParaRPr>
+                        <a:t>290,43</a:t>
+                      </a:r>
+                      <a:endParaRPr lang="pt-PT" sz="1400" dirty="0"/>
                     </a:p>
                   </a:txBody>
                   <a:tcPr/>
@@ -16345,60 +16769,19 @@
                     <a:bodyPr/>
                     <a:lstStyle/>
                     <a:p>
-                      <a:endParaRPr lang="en-US" sz="2000" b="0" i="0" kern="1200" dirty="0">
-                        <a:solidFill>
-                          <a:schemeClr val="dk1"/>
-                        </a:solidFill>
-                        <a:effectLst/>
-                        <a:latin typeface="+mn-lt"/>
-                        <a:ea typeface="+mn-ea"/>
-                        <a:cs typeface="+mn-cs"/>
-                      </a:endParaRPr>
-                    </a:p>
-                  </a:txBody>
-                  <a:tcPr/>
-                </a:tc>
-                <a:extLst>
-                  <a:ext uri="{0D108BD9-81ED-4DB2-BD59-A6C34878D82A}">
-                    <a16:rowId xmlns:a16="http://schemas.microsoft.com/office/drawing/2014/main" val="3318580940"/>
-                  </a:ext>
-                </a:extLst>
-              </a:tr>
-              <a:tr h="370840">
-                <a:tc>
-                  <a:txBody>
-                    <a:bodyPr/>
-                    <a:lstStyle/>
-                    <a:p>
-                      <a:pPr marL="0" marR="0" lvl="0" indent="0" algn="l" defTabSz="1218987" rtl="0" eaLnBrk="1" fontAlgn="auto" latinLnBrk="0" hangingPunct="1">
-                        <a:lnSpc>
-                          <a:spcPct val="100000"/>
-                        </a:lnSpc>
-                        <a:spcBef>
-                          <a:spcPts val="0"/>
-                        </a:spcBef>
-                        <a:spcAft>
-                          <a:spcPts val="0"/>
-                        </a:spcAft>
-                        <a:buClrTx/>
-                        <a:buSzTx/>
-                        <a:buFontTx/>
-                        <a:buNone/>
-                        <a:tabLst/>
-                        <a:defRPr/>
-                      </a:pPr>
-                      <a:r>
-                        <a:rPr lang="en-US" sz="2000" b="0" i="0" kern="1200" dirty="0">
+                      <a:pPr algn="r"/>
+                      <a:r>
+                        <a:rPr lang="pt-PT" sz="1400" b="0" i="0" u="none" strike="noStrike" kern="1200" baseline="0" dirty="0">
                           <a:solidFill>
                             <a:schemeClr val="dk1"/>
                           </a:solidFill>
-                          <a:effectLst/>
                           <a:latin typeface="+mn-lt"/>
                           <a:ea typeface="+mn-ea"/>
                           <a:cs typeface="+mn-cs"/>
                         </a:rPr>
-                        <a:t>JKI Transposed</a:t>
-                      </a:r>
+                        <a:t>164,38</a:t>
+                      </a:r>
+                      <a:endParaRPr lang="pt-PT" sz="1400" dirty="0"/>
                     </a:p>
                   </a:txBody>
                   <a:tcPr/>
@@ -16408,44 +16791,19 @@
                     <a:bodyPr/>
                     <a:lstStyle/>
                     <a:p>
-                      <a:pPr marL="0" marR="0" lvl="0" indent="0" algn="l" defTabSz="1218987" rtl="0" eaLnBrk="1" fontAlgn="auto" latinLnBrk="0" hangingPunct="1">
-                        <a:lnSpc>
-                          <a:spcPct val="100000"/>
-                        </a:lnSpc>
-                        <a:spcBef>
-                          <a:spcPts val="0"/>
-                        </a:spcBef>
-                        <a:spcAft>
-                          <a:spcPts val="0"/>
-                        </a:spcAft>
-                        <a:buClrTx/>
-                        <a:buSzTx/>
-                        <a:buFontTx/>
-                        <a:buNone/>
-                        <a:tabLst/>
-                        <a:defRPr/>
-                      </a:pPr>
-                      <a:r>
-                        <a:rPr lang="en-US" sz="2000" b="0" i="0" kern="1200" dirty="0">
+                      <a:pPr algn="r"/>
+                      <a:r>
+                        <a:rPr lang="pt-PT" sz="1400" b="0" i="0" u="none" strike="noStrike" kern="1200" baseline="0" dirty="0">
                           <a:solidFill>
                             <a:schemeClr val="dk1"/>
                           </a:solidFill>
-                          <a:effectLst/>
                           <a:latin typeface="+mn-lt"/>
                           <a:ea typeface="+mn-ea"/>
                           <a:cs typeface="+mn-cs"/>
                         </a:rPr>
-                        <a:t>9182</a:t>
-                      </a:r>
-                      <a:endParaRPr lang="pt-PT" sz="2000" b="0" i="0" kern="1200" dirty="0">
-                        <a:solidFill>
-                          <a:schemeClr val="dk1"/>
-                        </a:solidFill>
-                        <a:effectLst/>
-                        <a:latin typeface="+mn-lt"/>
-                        <a:ea typeface="+mn-ea"/>
-                        <a:cs typeface="+mn-cs"/>
-                      </a:endParaRPr>
+                        <a:t>14,26</a:t>
+                      </a:r>
+                      <a:endParaRPr lang="pt-PT" sz="1400" dirty="0"/>
                     </a:p>
                   </a:txBody>
                   <a:tcPr/>
@@ -16455,39 +16813,48 @@
                     <a:bodyPr/>
                     <a:lstStyle/>
                     <a:p>
-                      <a:pPr marL="0" marR="0" lvl="0" indent="0" algn="l" defTabSz="1218987" rtl="0" eaLnBrk="1" fontAlgn="auto" latinLnBrk="0" hangingPunct="1">
-                        <a:lnSpc>
-                          <a:spcPct val="100000"/>
-                        </a:lnSpc>
-                        <a:spcBef>
-                          <a:spcPts val="0"/>
-                        </a:spcBef>
-                        <a:spcAft>
-                          <a:spcPts val="0"/>
-                        </a:spcAft>
-                        <a:buClrTx/>
-                        <a:buSzTx/>
-                        <a:buFontTx/>
-                        <a:buNone/>
-                        <a:tabLst/>
-                        <a:defRPr/>
-                      </a:pPr>
-                      <a:endParaRPr lang="en-US" sz="2000" b="0" i="0" kern="1200" dirty="0">
-                        <a:solidFill>
-                          <a:schemeClr val="dk1"/>
-                        </a:solidFill>
-                        <a:effectLst/>
-                        <a:latin typeface="+mn-lt"/>
-                        <a:ea typeface="+mn-ea"/>
-                        <a:cs typeface="+mn-cs"/>
-                      </a:endParaRPr>
+                      <a:pPr algn="r"/>
+                      <a:r>
+                        <a:rPr lang="pt-PT" sz="1400" b="0" i="0" u="none" strike="noStrike" kern="1200" baseline="0" dirty="0">
+                          <a:solidFill>
+                            <a:schemeClr val="dk1"/>
+                          </a:solidFill>
+                          <a:latin typeface="+mn-lt"/>
+                          <a:ea typeface="+mn-ea"/>
+                          <a:cs typeface="+mn-cs"/>
+                        </a:rPr>
+                        <a:t>140,35</a:t>
+                      </a:r>
+                      <a:endParaRPr lang="pt-PT" sz="1400" dirty="0"/>
+                    </a:p>
+                  </a:txBody>
+                  <a:tcPr/>
+                </a:tc>
+                <a:tc>
+                  <a:txBody>
+                    <a:bodyPr/>
+                    <a:lstStyle/>
+                    <a:p>
+                      <a:pPr algn="r"/>
+                      <a:r>
+                        <a:rPr lang="pt-PT" sz="1400" b="0" i="0" u="none" strike="noStrike" kern="1200" baseline="0" dirty="0">
+                          <a:solidFill>
+                            <a:schemeClr val="dk1"/>
+                          </a:solidFill>
+                          <a:latin typeface="+mn-lt"/>
+                          <a:ea typeface="+mn-ea"/>
+                          <a:cs typeface="+mn-cs"/>
+                        </a:rPr>
+                        <a:t>9,9223</a:t>
+                      </a:r>
+                      <a:endParaRPr lang="pt-PT" sz="1400" dirty="0"/>
                     </a:p>
                   </a:txBody>
                   <a:tcPr/>
                 </a:tc>
                 <a:extLst>
                   <a:ext uri="{0D108BD9-81ED-4DB2-BD59-A6C34878D82A}">
-                    <a16:rowId xmlns:a16="http://schemas.microsoft.com/office/drawing/2014/main" val="2286746369"/>
+                    <a16:rowId xmlns:a16="http://schemas.microsoft.com/office/drawing/2014/main" val="1963921849"/>
                   </a:ext>
                 </a:extLst>
               </a:tr>
@@ -16497,10 +16864,10 @@
       </p:graphicFrame>
       <p:sp>
         <p:nvSpPr>
-          <p:cNvPr id="5" name="CaixaDeTexto 4">
+          <p:cNvPr id="6" name="TextBox 5">
             <a:extLst>
               <a:ext uri="{FF2B5EF4-FFF2-40B4-BE49-F238E27FC236}">
-                <a16:creationId xmlns:a16="http://schemas.microsoft.com/office/drawing/2014/main" id="{E2E5D606-4895-4C69-93DF-326E0BACB052}"/>
+                <a16:creationId xmlns:a16="http://schemas.microsoft.com/office/drawing/2014/main" id="{9AB3CCFE-8BA1-4016-ACD5-00EAC54FC337}"/>
               </a:ext>
             </a:extLst>
           </p:cNvPr>
@@ -16508,9 +16875,9 @@
           <p:nvPr/>
         </p:nvSpPr>
         <p:spPr>
-          <a:xfrm>
-            <a:off x="1341884" y="3580808"/>
-            <a:ext cx="9505054" cy="276999"/>
+          <a:xfrm flipH="1">
+            <a:off x="1218882" y="4175502"/>
+            <a:ext cx="10078237" cy="276999"/>
           </a:xfrm>
           <a:prstGeom prst="rect">
             <a:avLst/>
@@ -16525,36 +16892,20 @@
           <a:p>
             <a:pPr algn="ctr"/>
             <a:r>
-              <a:rPr lang="pt-PT" sz="1200" dirty="0" err="1"/>
-              <a:t>Table</a:t>
+              <a:rPr lang="en-US" sz="1200" dirty="0"/>
+              <a:t>Table 9: Execution times (in </a:t>
+            </a:r>
+            <a:r>
+              <a:rPr lang="en-US" sz="1200" dirty="0" err="1"/>
+              <a:t>ms</a:t>
+            </a:r>
+            <a:r>
+              <a:rPr lang="en-US" sz="1200" dirty="0"/>
+              <a:t>) of the same implementation </a:t>
             </a:r>
             <a:r>
               <a:rPr lang="pt-PT" sz="1200" dirty="0"/>
-              <a:t> 8: Intel </a:t>
-            </a:r>
-            <a:r>
-              <a:rPr lang="pt-PT" sz="1200" dirty="0" err="1"/>
-              <a:t>Xeon</a:t>
-            </a:r>
-            <a:r>
-              <a:rPr lang="pt-PT" sz="1200" dirty="0"/>
-              <a:t> </a:t>
-            </a:r>
-            <a:r>
-              <a:rPr lang="pt-PT" sz="1200" dirty="0" err="1"/>
-              <a:t>Processor</a:t>
-            </a:r>
-            <a:r>
-              <a:rPr lang="pt-PT" sz="1200" dirty="0"/>
-              <a:t> E5-2695 v2 VS </a:t>
-            </a:r>
-            <a:r>
-              <a:rPr lang="pt-PT" sz="1200" dirty="0" err="1"/>
-              <a:t>Nvidia</a:t>
-            </a:r>
-            <a:r>
-              <a:rPr lang="pt-PT" sz="1200" dirty="0"/>
-              <a:t> Kepler</a:t>
+              <a:t>in multiple platforms.</a:t>
             </a:r>
           </a:p>
         </p:txBody>
@@ -16562,7 +16913,7 @@
     </p:spTree>
     <p:extLst>
       <p:ext uri="{BB962C8B-B14F-4D97-AF65-F5344CB8AC3E}">
-        <p14:creationId xmlns:p14="http://schemas.microsoft.com/office/powerpoint/2010/main" val="1917866197"/>
+        <p14:creationId xmlns:p14="http://schemas.microsoft.com/office/powerpoint/2010/main" val="3557321764"/>
       </p:ext>
     </p:extLst>
   </p:cSld>
@@ -17671,15 +18022,6 @@
 </file>
 
 <file path=customXml/item2.xml><?xml version="1.0" encoding="utf-8"?>
-<?mso-contentType ?>
-<FormTemplates xmlns="http://schemas.microsoft.com/sharepoint/v3/contenttype/forms">
-  <Display>DocumentLibraryForm</Display>
-  <Edit>AssetEditForm</Edit>
-  <New>DocumentLibraryForm</New>
-</FormTemplates>
-</file>
-
-<file path=customXml/item3.xml><?xml version="1.0" encoding="utf-8"?>
 <ct:contentTypeSchema xmlns:ct="http://schemas.microsoft.com/office/2006/metadata/contentType" xmlns:ma="http://schemas.microsoft.com/office/2006/metadata/properties/metaAttributes" ct:_="" ma:_="" ma:contentTypeName="TemplateFile" ma:contentTypeID="0x0101006EDDDB5EE6D98C44930B742096920B300400F5B6D36B3EF94B4E9A635CDF2A18F5B8" ma:contentTypeVersion="72" ma:contentTypeDescription="Create a new document." ma:contentTypeScope="" ma:versionID="a23e56308344d904b51738559c3d67c9">
   <xsd:schema xmlns:xsd="http://www.w3.org/2001/XMLSchema" xmlns:xs="http://www.w3.org/2001/XMLSchema" xmlns:p="http://schemas.microsoft.com/office/2006/metadata/properties" xmlns:ns2="4873beb7-5857-4685-be1f-d57550cc96cc" targetNamespace="http://schemas.microsoft.com/office/2006/metadata/properties" ma:root="true" ma:fieldsID="cd0908cc4600e77bf5da051303e00c8d" ns2:_="">
     <xsd:import namespace="4873beb7-5857-4685-be1f-d57550cc96cc"/>
@@ -18719,6 +19061,15 @@
 </ct:contentTypeSchema>
 </file>
 
+<file path=customXml/item3.xml><?xml version="1.0" encoding="utf-8"?>
+<?mso-contentType ?>
+<FormTemplates xmlns="http://schemas.microsoft.com/sharepoint/v3/contenttype/forms">
+  <Display>DocumentLibraryForm</Display>
+  <Edit>AssetEditForm</Edit>
+  <New>DocumentLibraryForm</New>
+</FormTemplates>
+</file>
+
 <file path=customXml/itemProps1.xml><?xml version="1.0" encoding="utf-8"?>
 <ds:datastoreItem xmlns:ds="http://schemas.openxmlformats.org/officeDocument/2006/customXml" ds:itemID="{60C67BEE-D13F-4BD2-98A5-34D8A0977F68}">
   <ds:schemaRefs>
@@ -18736,14 +19087,6 @@
 </file>
 
 <file path=customXml/itemProps2.xml><?xml version="1.0" encoding="utf-8"?>
-<ds:datastoreItem xmlns:ds="http://schemas.openxmlformats.org/officeDocument/2006/customXml" ds:itemID="{3836F65B-1B07-41EE-A0E8-BC6EF3855225}">
-  <ds:schemaRefs>
-    <ds:schemaRef ds:uri="http://schemas.microsoft.com/sharepoint/v3/contenttype/forms"/>
-  </ds:schemaRefs>
-</ds:datastoreItem>
-</file>
-
-<file path=customXml/itemProps3.xml><?xml version="1.0" encoding="utf-8"?>
 <ds:datastoreItem xmlns:ds="http://schemas.openxmlformats.org/officeDocument/2006/customXml" ds:itemID="{A09BF4D4-EF60-4196-BFC3-9462D607978C}">
   <ds:schemaRefs>
     <ds:schemaRef ds:uri="http://schemas.microsoft.com/office/2006/metadata/contentType"/>
@@ -18759,4 +19102,12 @@
     <ds:schemaRef ds:uri="http://schemas.microsoft.com/internal/obd"/>
   </ds:schemaRefs>
 </ds:datastoreItem>
+</file>
+
+<file path=customXml/itemProps3.xml><?xml version="1.0" encoding="utf-8"?>
+<ds:datastoreItem xmlns:ds="http://schemas.openxmlformats.org/officeDocument/2006/customXml" ds:itemID="{3836F65B-1B07-41EE-A0E8-BC6EF3855225}">
+  <ds:schemaRefs>
+    <ds:schemaRef ds:uri="http://schemas.microsoft.com/sharepoint/v3/contenttype/forms"/>
+  </ds:schemaRefs>
+</ds:datastoreItem>
 </file>
--- a/AA_WorkAssignment_Pres.pptx
+++ b/AA_WorkAssignment_Pres.pptx
@@ -4887,6 +4887,306 @@
       </p:grpSpPr>
       <p:sp>
         <p:nvSpPr>
+          <p:cNvPr id="2" name="Slide Image Placeholder 1"/>
+          <p:cNvSpPr>
+            <a:spLocks noGrp="1" noRot="1" noChangeAspect="1"/>
+          </p:cNvSpPr>
+          <p:nvPr>
+            <p:ph type="sldImg"/>
+          </p:nvPr>
+        </p:nvSpPr>
+        <p:spPr/>
+      </p:sp>
+      <p:sp>
+        <p:nvSpPr>
+          <p:cNvPr id="3" name="Notes Placeholder 2"/>
+          <p:cNvSpPr>
+            <a:spLocks noGrp="1"/>
+          </p:cNvSpPr>
+          <p:nvPr>
+            <p:ph type="body" idx="1"/>
+          </p:nvPr>
+        </p:nvSpPr>
+        <p:spPr/>
+        <p:txBody>
+          <a:bodyPr/>
+          <a:lstStyle/>
+          <a:p>
+            <a:r>
+              <a:rPr lang="en-US" sz="1600" b="0" i="0" u="none" strike="noStrike" kern="1200" baseline="0" dirty="0">
+                <a:solidFill>
+                  <a:schemeClr val="tx1"/>
+                </a:solidFill>
+                <a:latin typeface="+mn-lt"/>
+                <a:ea typeface="+mn-ea"/>
+                <a:cs typeface="+mn-cs"/>
+              </a:rPr>
+              <a:t>Following the analysis and the </a:t>
+            </a:r>
+            <a:r>
+              <a:rPr lang="en-US" sz="1600" b="0" i="0" u="none" strike="noStrike" kern="1200" baseline="0" dirty="0" err="1">
+                <a:solidFill>
+                  <a:schemeClr val="tx1"/>
+                </a:solidFill>
+                <a:latin typeface="+mn-lt"/>
+                <a:ea typeface="+mn-ea"/>
+                <a:cs typeface="+mn-cs"/>
+              </a:rPr>
+              <a:t>characterisation</a:t>
+            </a:r>
+            <a:r>
+              <a:rPr lang="en-US" sz="1600" b="0" i="0" u="none" strike="noStrike" kern="1200" baseline="0" dirty="0">
+                <a:solidFill>
+                  <a:schemeClr val="tx1"/>
+                </a:solidFill>
+                <a:latin typeface="+mn-lt"/>
+                <a:ea typeface="+mn-ea"/>
+                <a:cs typeface="+mn-cs"/>
+              </a:rPr>
+              <a:t> of</a:t>
+            </a:r>
+          </a:p>
+          <a:p>
+            <a:r>
+              <a:rPr lang="en-US" sz="1600" b="0" i="0" u="none" strike="noStrike" kern="1200" baseline="0" dirty="0">
+                <a:solidFill>
+                  <a:schemeClr val="tx1"/>
+                </a:solidFill>
+                <a:latin typeface="+mn-lt"/>
+                <a:ea typeface="+mn-ea"/>
+                <a:cs typeface="+mn-cs"/>
+              </a:rPr>
+              <a:t>the hardware environment, the case study that we</a:t>
+            </a:r>
+          </a:p>
+          <a:p>
+            <a:r>
+              <a:rPr lang="en-US" sz="1600" b="0" i="0" u="none" strike="noStrike" kern="1200" baseline="0" dirty="0">
+                <a:solidFill>
+                  <a:schemeClr val="tx1"/>
+                </a:solidFill>
+                <a:latin typeface="+mn-lt"/>
+                <a:ea typeface="+mn-ea"/>
+                <a:cs typeface="+mn-cs"/>
+              </a:rPr>
+              <a:t>will be applying these modelling concepts consists of</a:t>
+            </a:r>
+          </a:p>
+          <a:p>
+            <a:r>
+              <a:rPr lang="en-US" sz="1600" b="0" i="0" u="none" strike="noStrike" kern="1200" baseline="0" dirty="0">
+                <a:solidFill>
+                  <a:schemeClr val="tx1"/>
+                </a:solidFill>
+                <a:latin typeface="+mn-lt"/>
+                <a:ea typeface="+mn-ea"/>
+                <a:cs typeface="+mn-cs"/>
+              </a:rPr>
+              <a:t>the dot product of two square matrices, where:</a:t>
+            </a:r>
+          </a:p>
+          <a:p>
+            <a:r>
+              <a:rPr lang="pt-PT" sz="1600" b="0" i="0" u="none" strike="noStrike" kern="1200" baseline="0" dirty="0">
+                <a:solidFill>
+                  <a:schemeClr val="tx1"/>
+                </a:solidFill>
+                <a:latin typeface="+mn-lt"/>
+                <a:ea typeface="+mn-ea"/>
+                <a:cs typeface="+mn-cs"/>
+              </a:rPr>
+              <a:t>C = A x B</a:t>
+            </a:r>
+          </a:p>
+          <a:p>
+            <a:r>
+              <a:rPr lang="en-US" sz="1600" b="0" i="0" u="none" strike="noStrike" kern="1200" baseline="0" dirty="0">
+                <a:solidFill>
+                  <a:schemeClr val="tx1"/>
+                </a:solidFill>
+                <a:latin typeface="+mn-lt"/>
+                <a:ea typeface="+mn-ea"/>
+                <a:cs typeface="+mn-cs"/>
+              </a:rPr>
+              <a:t>Being A and B two square matrices of size </a:t>
+            </a:r>
+            <a:r>
+              <a:rPr lang="en-US" sz="1600" b="0" i="0" u="none" strike="noStrike" kern="1200" baseline="0" dirty="0" err="1">
+                <a:solidFill>
+                  <a:schemeClr val="tx1"/>
+                </a:solidFill>
+                <a:latin typeface="+mn-lt"/>
+                <a:ea typeface="+mn-ea"/>
+                <a:cs typeface="+mn-cs"/>
+              </a:rPr>
+              <a:t>NxN</a:t>
+            </a:r>
+            <a:endParaRPr lang="en-US" sz="1600" b="0" i="0" u="none" strike="noStrike" kern="1200" baseline="0" dirty="0">
+              <a:solidFill>
+                <a:schemeClr val="tx1"/>
+              </a:solidFill>
+              <a:latin typeface="+mn-lt"/>
+              <a:ea typeface="+mn-ea"/>
+              <a:cs typeface="+mn-cs"/>
+            </a:endParaRPr>
+          </a:p>
+          <a:p>
+            <a:r>
+              <a:rPr lang="en-US" sz="1600" b="0" i="0" u="none" strike="noStrike" kern="1200" baseline="0" dirty="0">
+                <a:solidFill>
+                  <a:schemeClr val="tx1"/>
+                </a:solidFill>
+                <a:latin typeface="+mn-lt"/>
+                <a:ea typeface="+mn-ea"/>
+                <a:cs typeface="+mn-cs"/>
+              </a:rPr>
+              <a:t>and C the result of the dot product between them.</a:t>
+            </a:r>
+            <a:endParaRPr lang="pt-PT" dirty="0"/>
+          </a:p>
+        </p:txBody>
+      </p:sp>
+      <p:sp>
+        <p:nvSpPr>
+          <p:cNvPr id="4" name="Slide Number Placeholder 3"/>
+          <p:cNvSpPr>
+            <a:spLocks noGrp="1"/>
+          </p:cNvSpPr>
+          <p:nvPr>
+            <p:ph type="sldNum" sz="quarter" idx="5"/>
+          </p:nvPr>
+        </p:nvSpPr>
+        <p:spPr/>
+        <p:txBody>
+          <a:bodyPr/>
+          <a:lstStyle/>
+          <a:p>
+            <a:pPr rtl="0"/>
+            <a:fld id="{3EBA5BD7-F043-4D1B-AA17-CD412FC534DE}" type="slidenum">
+              <a:rPr lang="pt-PT" smtClean="0"/>
+              <a:t>1</a:t>
+            </a:fld>
+            <a:endParaRPr lang="pt-PT"/>
+          </a:p>
+        </p:txBody>
+      </p:sp>
+    </p:spTree>
+    <p:extLst>
+      <p:ext uri="{BB962C8B-B14F-4D97-AF65-F5344CB8AC3E}">
+        <p14:creationId xmlns:p14="http://schemas.microsoft.com/office/powerpoint/2010/main" val="324286801"/>
+      </p:ext>
+    </p:extLst>
+  </p:cSld>
+  <p:clrMapOvr>
+    <a:masterClrMapping/>
+  </p:clrMapOvr>
+</p:notes>
+</file>
+
+<file path=ppt/notesSlides/notesSlide2.xml><?xml version="1.0" encoding="utf-8"?>
+<p:notes xmlns:a="http://schemas.openxmlformats.org/drawingml/2006/main" xmlns:r="http://schemas.openxmlformats.org/officeDocument/2006/relationships" xmlns:p="http://schemas.openxmlformats.org/presentationml/2006/main">
+  <p:cSld>
+    <p:spTree>
+      <p:nvGrpSpPr>
+        <p:cNvPr id="1" name=""/>
+        <p:cNvGrpSpPr/>
+        <p:nvPr/>
+      </p:nvGrpSpPr>
+      <p:grpSpPr>
+        <a:xfrm>
+          <a:off x="0" y="0"/>
+          <a:ext cx="0" cy="0"/>
+          <a:chOff x="0" y="0"/>
+          <a:chExt cx="0" cy="0"/>
+        </a:xfrm>
+      </p:grpSpPr>
+      <p:sp>
+        <p:nvSpPr>
+          <p:cNvPr id="2" name="Slide Image Placeholder 1"/>
+          <p:cNvSpPr>
+            <a:spLocks noGrp="1" noRot="1" noChangeAspect="1"/>
+          </p:cNvSpPr>
+          <p:nvPr>
+            <p:ph type="sldImg"/>
+          </p:nvPr>
+        </p:nvSpPr>
+        <p:spPr/>
+      </p:sp>
+      <p:sp>
+        <p:nvSpPr>
+          <p:cNvPr id="3" name="Notes Placeholder 2"/>
+          <p:cNvSpPr>
+            <a:spLocks noGrp="1"/>
+          </p:cNvSpPr>
+          <p:nvPr>
+            <p:ph type="body" idx="1"/>
+          </p:nvPr>
+        </p:nvSpPr>
+        <p:spPr/>
+        <p:txBody>
+          <a:bodyPr/>
+          <a:lstStyle/>
+          <a:p>
+            <a:endParaRPr lang="pt-PT" dirty="0"/>
+          </a:p>
+        </p:txBody>
+      </p:sp>
+      <p:sp>
+        <p:nvSpPr>
+          <p:cNvPr id="4" name="Slide Number Placeholder 3"/>
+          <p:cNvSpPr>
+            <a:spLocks noGrp="1"/>
+          </p:cNvSpPr>
+          <p:nvPr>
+            <p:ph type="sldNum" sz="quarter" idx="5"/>
+          </p:nvPr>
+        </p:nvSpPr>
+        <p:spPr/>
+        <p:txBody>
+          <a:bodyPr/>
+          <a:lstStyle/>
+          <a:p>
+            <a:pPr rtl="0"/>
+            <a:fld id="{3EBA5BD7-F043-4D1B-AA17-CD412FC534DE}" type="slidenum">
+              <a:rPr lang="pt-PT" smtClean="0"/>
+              <a:t>2</a:t>
+            </a:fld>
+            <a:endParaRPr lang="pt-PT"/>
+          </a:p>
+        </p:txBody>
+      </p:sp>
+    </p:spTree>
+    <p:extLst>
+      <p:ext uri="{BB962C8B-B14F-4D97-AF65-F5344CB8AC3E}">
+        <p14:creationId xmlns:p14="http://schemas.microsoft.com/office/powerpoint/2010/main" val="2057896086"/>
+      </p:ext>
+    </p:extLst>
+  </p:cSld>
+  <p:clrMapOvr>
+    <a:masterClrMapping/>
+  </p:clrMapOvr>
+</p:notes>
+</file>
+
+<file path=ppt/notesSlides/notesSlide3.xml><?xml version="1.0" encoding="utf-8"?>
+<p:notes xmlns:a="http://schemas.openxmlformats.org/drawingml/2006/main" xmlns:r="http://schemas.openxmlformats.org/officeDocument/2006/relationships" xmlns:p="http://schemas.openxmlformats.org/presentationml/2006/main">
+  <p:cSld>
+    <p:spTree>
+      <p:nvGrpSpPr>
+        <p:cNvPr id="1" name=""/>
+        <p:cNvGrpSpPr/>
+        <p:nvPr/>
+      </p:nvGrpSpPr>
+      <p:grpSpPr>
+        <a:xfrm>
+          <a:off x="0" y="0"/>
+          <a:ext cx="0" cy="0"/>
+          <a:chOff x="0" y="0"/>
+          <a:chExt cx="0" cy="0"/>
+        </a:xfrm>
+      </p:grpSpPr>
+      <p:sp>
+        <p:nvSpPr>
           <p:cNvPr id="2" name="Marcador de Posição da Imagem do Diapositivo 1"/>
           <p:cNvSpPr>
             <a:spLocks noGrp="1" noRot="1" noChangeAspect="1"/>
@@ -9596,6 +9896,16 @@
             </a:r>
           </a:p>
           <a:p>
+            <a:r>
+              <a:rPr lang="en-GB" sz="1400" dirty="0"/>
+              <a:t>G</a:t>
+            </a:r>
+            <a:r>
+              <a:rPr lang="pt-PT" sz="1400" dirty="0"/>
+              <a:t>roup 11</a:t>
+            </a:r>
+          </a:p>
+          <a:p>
             <a:pPr rtl="0"/>
             <a:endParaRPr lang="pt-pt" sz="1600" dirty="0"/>
           </a:p>
@@ -14606,14 +14916,14 @@
             <p:ph idx="1"/>
             <p:extLst>
               <p:ext uri="{D42A27DB-BD31-4B8C-83A1-F6EECF244321}">
-                <p14:modId xmlns:p14="http://schemas.microsoft.com/office/powerpoint/2010/main" val="215638260"/>
+                <p14:modId xmlns:p14="http://schemas.microsoft.com/office/powerpoint/2010/main" val="3435763255"/>
               </p:ext>
             </p:extLst>
           </p:nvPr>
         </p:nvGraphicFramePr>
         <p:xfrm>
           <a:off x="1219200" y="1701800"/>
-          <a:ext cx="10360026" cy="1828800"/>
+          <a:ext cx="10360026" cy="2286000"/>
         </p:xfrm>
         <a:graphic>
           <a:graphicData uri="http://schemas.openxmlformats.org/drawingml/2006/table">
@@ -14622,14 +14932,21 @@
                 <a:tableStyleId>{5C22544A-7EE6-4342-B048-85BDC9FD1C3A}</a:tableStyleId>
               </a:tblPr>
               <a:tblGrid>
-                <a:gridCol w="5180013">
+                <a:gridCol w="3453342">
                   <a:extLst>
                     <a:ext uri="{9D8B030D-6E8A-4147-A177-3AD203B41FA5}">
                       <a16:colId xmlns:a16="http://schemas.microsoft.com/office/drawing/2014/main" val="201134985"/>
                     </a:ext>
                   </a:extLst>
                 </a:gridCol>
-                <a:gridCol w="5180013">
+                <a:gridCol w="3453342">
+                  <a:extLst>
+                    <a:ext uri="{9D8B030D-6E8A-4147-A177-3AD203B41FA5}">
+                      <a16:colId xmlns:a16="http://schemas.microsoft.com/office/drawing/2014/main" val="754096772"/>
+                    </a:ext>
+                  </a:extLst>
+                </a:gridCol>
+                <a:gridCol w="3453342">
                   <a:extLst>
                     <a:ext uri="{9D8B030D-6E8A-4147-A177-3AD203B41FA5}">
                       <a16:colId xmlns:a16="http://schemas.microsoft.com/office/drawing/2014/main" val="652407465"/>
@@ -14643,20 +14960,33 @@
                     <a:bodyPr/>
                     <a:lstStyle/>
                     <a:p>
-                      <a:r>
-                        <a:rPr lang="en-GB" dirty="0"/>
-                        <a:t>Implementation</a:t>
-                      </a:r>
-                    </a:p>
-                  </a:txBody>
-                  <a:tcPr/>
-                </a:tc>
-                <a:tc>
-                  <a:txBody>
-                    <a:bodyPr/>
-                    <a:lstStyle/>
-                    <a:p>
-                      <a:pPr algn="ctr"/>
+                      <a:endParaRPr lang="en-GB" dirty="0"/>
+                    </a:p>
+                  </a:txBody>
+                  <a:tcPr/>
+                </a:tc>
+                <a:tc gridSpan="2">
+                  <a:txBody>
+                    <a:bodyPr/>
+                    <a:lstStyle/>
+                    <a:p>
+                      <a:pPr marL="0" marR="0" lvl="0" indent="0" algn="ctr" defTabSz="1218987" rtl="0" eaLnBrk="1" fontAlgn="auto" latinLnBrk="0" hangingPunct="1">
+                        <a:lnSpc>
+                          <a:spcPct val="100000"/>
+                        </a:lnSpc>
+                        <a:spcBef>
+                          <a:spcPts val="0"/>
+                        </a:spcBef>
+                        <a:spcAft>
+                          <a:spcPts val="0"/>
+                        </a:spcAft>
+                        <a:buClrTx/>
+                        <a:buSzTx/>
+                        <a:buFontTx/>
+                        <a:buNone/>
+                        <a:tabLst/>
+                        <a:defRPr/>
+                      </a:pPr>
                       <a:r>
                         <a:rPr lang="pt-PT" sz="2400" b="0" i="0" u="none" strike="noStrike" kern="1200" baseline="0" dirty="0">
                           <a:solidFill>
@@ -14673,6 +15003,75 @@
                   </a:txBody>
                   <a:tcPr/>
                 </a:tc>
+                <a:tc hMerge="1">
+                  <a:txBody>
+                    <a:bodyPr/>
+                    <a:lstStyle/>
+                    <a:p>
+                      <a:pPr algn="ctr"/>
+                      <a:endParaRPr lang="pt-PT" dirty="0"/>
+                    </a:p>
+                  </a:txBody>
+                  <a:tcPr/>
+                </a:tc>
+                <a:extLst>
+                  <a:ext uri="{0D108BD9-81ED-4DB2-BD59-A6C34878D82A}">
+                    <a16:rowId xmlns:a16="http://schemas.microsoft.com/office/drawing/2014/main" val="153166753"/>
+                  </a:ext>
+                </a:extLst>
+              </a:tr>
+              <a:tr h="370840">
+                <a:tc>
+                  <a:txBody>
+                    <a:bodyPr/>
+                    <a:lstStyle/>
+                    <a:p>
+                      <a:r>
+                        <a:rPr lang="en-GB" dirty="0"/>
+                        <a:t>Implementation</a:t>
+                      </a:r>
+                    </a:p>
+                  </a:txBody>
+                  <a:tcPr/>
+                </a:tc>
+                <a:tc>
+                  <a:txBody>
+                    <a:bodyPr/>
+                    <a:lstStyle/>
+                    <a:p>
+                      <a:pPr algn="ctr"/>
+                      <a:r>
+                        <a:rPr lang="en-GB" dirty="0"/>
+                        <a:t>w/out Blocking</a:t>
+                      </a:r>
+                      <a:endParaRPr lang="pt-PT" dirty="0"/>
+                    </a:p>
+                  </a:txBody>
+                  <a:tcPr/>
+                </a:tc>
+                <a:tc>
+                  <a:txBody>
+                    <a:bodyPr/>
+                    <a:lstStyle/>
+                    <a:p>
+                      <a:pPr algn="ctr"/>
+                      <a:r>
+                        <a:rPr lang="en-GB" dirty="0"/>
+                        <a:t>w/</a:t>
+                      </a:r>
+                      <a:r>
+                        <a:rPr lang="en-GB" dirty="0" err="1"/>
+                        <a:t>th</a:t>
+                      </a:r>
+                      <a:r>
+                        <a:rPr lang="en-GB" dirty="0"/>
+                        <a:t> Blocking</a:t>
+                      </a:r>
+                      <a:endParaRPr lang="pt-PT" dirty="0"/>
+                    </a:p>
+                  </a:txBody>
+                  <a:tcPr/>
+                </a:tc>
                 <a:extLst>
                   <a:ext uri="{0D108BD9-81ED-4DB2-BD59-A6C34878D82A}">
                     <a16:rowId xmlns:a16="http://schemas.microsoft.com/office/drawing/2014/main" val="1979992640"/>
@@ -14705,6 +15104,44 @@
                     <a:bodyPr/>
                     <a:lstStyle/>
                     <a:p>
+                      <a:pPr marL="0" marR="0" lvl="0" indent="0" algn="r" defTabSz="1218987" rtl="0" eaLnBrk="1" fontAlgn="auto" latinLnBrk="0" hangingPunct="1">
+                        <a:lnSpc>
+                          <a:spcPct val="100000"/>
+                        </a:lnSpc>
+                        <a:spcBef>
+                          <a:spcPts val="0"/>
+                        </a:spcBef>
+                        <a:spcAft>
+                          <a:spcPts val="0"/>
+                        </a:spcAft>
+                        <a:buClrTx/>
+                        <a:buSzTx/>
+                        <a:buFontTx/>
+                        <a:buNone/>
+                        <a:tabLst/>
+                        <a:defRPr/>
+                      </a:pPr>
+                      <a:r>
+                        <a:rPr lang="pt-PT" sz="2400" b="0" i="0" kern="1200" dirty="0">
+                          <a:solidFill>
+                            <a:schemeClr val="dk1"/>
+                          </a:solidFill>
+                          <a:effectLst/>
+                          <a:latin typeface="+mn-lt"/>
+                          <a:ea typeface="+mn-ea"/>
+                          <a:cs typeface="+mn-cs"/>
+                        </a:rPr>
+                        <a:t>9068</a:t>
+                      </a:r>
+                    </a:p>
+                  </a:txBody>
+                  <a:tcPr/>
+                </a:tc>
+                <a:tc>
+                  <a:txBody>
+                    <a:bodyPr/>
+                    <a:lstStyle/>
+                    <a:p>
                       <a:pPr algn="r"/>
                       <a:r>
                         <a:rPr lang="pt-PT" sz="2400" b="0" i="0" u="none" strike="noStrike" kern="1200" baseline="0" dirty="0">
@@ -14755,6 +15192,44 @@
                     <a:bodyPr/>
                     <a:lstStyle/>
                     <a:p>
+                      <a:pPr marL="0" marR="0" lvl="0" indent="0" algn="r" defTabSz="1218987" rtl="0" eaLnBrk="1" fontAlgn="auto" latinLnBrk="0" hangingPunct="1">
+                        <a:lnSpc>
+                          <a:spcPct val="100000"/>
+                        </a:lnSpc>
+                        <a:spcBef>
+                          <a:spcPts val="0"/>
+                        </a:spcBef>
+                        <a:spcAft>
+                          <a:spcPts val="0"/>
+                        </a:spcAft>
+                        <a:buClrTx/>
+                        <a:buSzTx/>
+                        <a:buFontTx/>
+                        <a:buNone/>
+                        <a:tabLst/>
+                        <a:defRPr/>
+                      </a:pPr>
+                      <a:r>
+                        <a:rPr lang="pt-PT" sz="2400" b="0" i="0" kern="1200" dirty="0">
+                          <a:solidFill>
+                            <a:schemeClr val="dk1"/>
+                          </a:solidFill>
+                          <a:effectLst/>
+                          <a:latin typeface="+mn-lt"/>
+                          <a:ea typeface="+mn-ea"/>
+                          <a:cs typeface="+mn-cs"/>
+                        </a:rPr>
+                        <a:t>7733</a:t>
+                      </a:r>
+                    </a:p>
+                  </a:txBody>
+                  <a:tcPr/>
+                </a:tc>
+                <a:tc>
+                  <a:txBody>
+                    <a:bodyPr/>
+                    <a:lstStyle/>
+                    <a:p>
                       <a:pPr algn="r"/>
                       <a:r>
                         <a:rPr lang="pt-PT" sz="2400" b="0" i="0" u="none" strike="noStrike" kern="1200" baseline="0" dirty="0">
@@ -14796,6 +15271,44 @@
                         <a:t>JKI Transposed</a:t>
                       </a:r>
                       <a:endParaRPr lang="pt-PT" dirty="0"/>
+                    </a:p>
+                  </a:txBody>
+                  <a:tcPr/>
+                </a:tc>
+                <a:tc>
+                  <a:txBody>
+                    <a:bodyPr/>
+                    <a:lstStyle/>
+                    <a:p>
+                      <a:pPr marL="0" marR="0" lvl="0" indent="0" algn="r" defTabSz="1218987" rtl="0" eaLnBrk="1" fontAlgn="auto" latinLnBrk="0" hangingPunct="1">
+                        <a:lnSpc>
+                          <a:spcPct val="100000"/>
+                        </a:lnSpc>
+                        <a:spcBef>
+                          <a:spcPts val="0"/>
+                        </a:spcBef>
+                        <a:spcAft>
+                          <a:spcPts val="0"/>
+                        </a:spcAft>
+                        <a:buClrTx/>
+                        <a:buSzTx/>
+                        <a:buFontTx/>
+                        <a:buNone/>
+                        <a:tabLst/>
+                        <a:defRPr/>
+                      </a:pPr>
+                      <a:r>
+                        <a:rPr lang="pt-PT" sz="2400" b="0" i="0" kern="1200" dirty="0">
+                          <a:solidFill>
+                            <a:schemeClr val="dk1"/>
+                          </a:solidFill>
+                          <a:effectLst/>
+                          <a:latin typeface="+mn-lt"/>
+                          <a:ea typeface="+mn-ea"/>
+                          <a:cs typeface="+mn-cs"/>
+                        </a:rPr>
+                        <a:t>7852</a:t>
+                      </a:r>
                     </a:p>
                   </a:txBody>
                   <a:tcPr/>
@@ -14875,7 +15388,7 @@
         </p:nvSpPr>
         <p:spPr>
           <a:xfrm>
-            <a:off x="1218883" y="3645024"/>
+            <a:off x="914399" y="4191000"/>
             <a:ext cx="10360025" cy="276999"/>
           </a:xfrm>
           <a:prstGeom prst="rect">
@@ -16418,7 +16931,7 @@
           <p:nvPr>
             <p:extLst>
               <p:ext uri="{D42A27DB-BD31-4B8C-83A1-F6EECF244321}">
-                <p14:modId xmlns:p14="http://schemas.microsoft.com/office/powerpoint/2010/main" val="192064488"/>
+                <p14:modId xmlns:p14="http://schemas.microsoft.com/office/powerpoint/2010/main" val="731138862"/>
               </p:ext>
             </p:extLst>
           </p:nvPr>
@@ -16434,42 +16947,49 @@
                 <a:tableStyleId>{5C22544A-7EE6-4342-B048-85BDC9FD1C3A}</a:tableStyleId>
               </a:tblPr>
               <a:tblGrid>
-                <a:gridCol w="2250377">
+                <a:gridCol w="1203122">
+                  <a:extLst>
+                    <a:ext uri="{9D8B030D-6E8A-4147-A177-3AD203B41FA5}">
+                      <a16:colId xmlns:a16="http://schemas.microsoft.com/office/drawing/2014/main" val="1648964994"/>
+                    </a:ext>
+                  </a:extLst>
+                </a:gridCol>
+                <a:gridCol w="1368152">
                   <a:extLst>
                     <a:ext uri="{9D8B030D-6E8A-4147-A177-3AD203B41FA5}">
                       <a16:colId xmlns:a16="http://schemas.microsoft.com/office/drawing/2014/main" val="2907057102"/>
                     </a:ext>
                   </a:extLst>
                 </a:gridCol>
-                <a:gridCol w="1327152">
+                <a:gridCol w="1368152">
                   <a:extLst>
                     <a:ext uri="{9D8B030D-6E8A-4147-A177-3AD203B41FA5}">
                       <a16:colId xmlns:a16="http://schemas.microsoft.com/office/drawing/2014/main" val="3661808062"/>
                     </a:ext>
                   </a:extLst>
                 </a:gridCol>
-                <a:gridCol w="1625177">
+                <a:gridCol w="1440160">
                   <a:extLst>
                     <a:ext uri="{9D8B030D-6E8A-4147-A177-3AD203B41FA5}">
                       <a16:colId xmlns:a16="http://schemas.microsoft.com/office/drawing/2014/main" val="2248698773"/>
                     </a:ext>
                   </a:extLst>
                 </a:gridCol>
-                <a:gridCol w="1625177">
+                <a:gridCol w="1656184">
                   <a:extLst>
                     <a:ext uri="{9D8B030D-6E8A-4147-A177-3AD203B41FA5}">
                       <a16:colId xmlns:a16="http://schemas.microsoft.com/office/drawing/2014/main" val="3736687039"/>
                     </a:ext>
                   </a:extLst>
                 </a:gridCol>
-                <a:gridCol w="1625177">
+                <a:gridCol w="1368152">
                   <a:extLst>
                     <a:ext uri="{9D8B030D-6E8A-4147-A177-3AD203B41FA5}">
                       <a16:colId xmlns:a16="http://schemas.microsoft.com/office/drawing/2014/main" val="3541496352"/>
                     </a:ext>
                   </a:extLst>
                 </a:gridCol>
-                <a:gridCol w="1625177">
+                <a:gridCol w="1674315">
                   <a:extLst>
                     <a:ext uri="{9D8B030D-6E8A-4147-A177-3AD203B41FA5}">
                       <a16:colId xmlns:a16="http://schemas.microsoft.com/office/drawing/2014/main" val="3151031717"/>
@@ -16478,7 +16998,7 @@
                 </a:gridCol>
               </a:tblGrid>
               <a:tr h="370840">
-                <a:tc>
+                <a:tc gridSpan="2">
                   <a:txBody>
                     <a:bodyPr/>
                     <a:lstStyle/>
@@ -16500,6 +17020,17 @@
                   </a:txBody>
                   <a:tcPr/>
                 </a:tc>
+                <a:tc hMerge="1">
+                  <a:txBody>
+                    <a:bodyPr/>
+                    <a:lstStyle/>
+                    <a:p>
+                      <a:pPr algn="ctr"/>
+                      <a:endParaRPr lang="pt-PT" dirty="0"/>
+                    </a:p>
+                  </a:txBody>
+                  <a:tcPr/>
+                </a:tc>
                 <a:tc gridSpan="2">
                   <a:txBody>
                     <a:bodyPr/>
@@ -16588,6 +17119,20 @@
                     <a:p>
                       <a:pPr algn="ctr"/>
                       <a:r>
+                        <a:rPr lang="pt-PT" sz="1400" b="1" dirty="0"/>
+                        <a:t>1 Thread</a:t>
+                      </a:r>
+                    </a:p>
+                  </a:txBody>
+                  <a:tcPr/>
+                </a:tc>
+                <a:tc>
+                  <a:txBody>
+                    <a:bodyPr/>
+                    <a:lstStyle/>
+                    <a:p>
+                      <a:pPr algn="ctr"/>
+                      <a:r>
                         <a:rPr lang="pt-PT" sz="1400" b="1" i="0" u="none" strike="noStrike" kern="1200" baseline="0" dirty="0">
                           <a:solidFill>
                             <a:schemeClr val="dk1"/>
@@ -16727,6 +17272,21 @@
                     <a:p>
                       <a:pPr algn="r"/>
                       <a:r>
+                        <a:rPr lang="en-GB" sz="1400"/>
+                        <a:t>9175</a:t>
+                      </a:r>
+                      <a:endParaRPr lang="pt-PT" sz="1400" dirty="0"/>
+                    </a:p>
+                  </a:txBody>
+                  <a:tcPr/>
+                </a:tc>
+                <a:tc>
+                  <a:txBody>
+                    <a:bodyPr/>
+                    <a:lstStyle/>
+                    <a:p>
+                      <a:pPr algn="r"/>
+                      <a:r>
                         <a:rPr lang="pt-PT" sz="1400" b="0" i="0" u="none" strike="noStrike" kern="1200" baseline="0" dirty="0">
                           <a:solidFill>
                             <a:schemeClr val="dk1"/>
@@ -16735,7 +17295,7 @@
                           <a:ea typeface="+mn-ea"/>
                           <a:cs typeface="+mn-cs"/>
                         </a:rPr>
-                        <a:t>223,53</a:t>
+                        <a:t>223.53</a:t>
                       </a:r>
                       <a:endParaRPr lang="pt-PT" sz="1400" dirty="0"/>
                     </a:p>
@@ -16757,7 +17317,7 @@
                           <a:ea typeface="+mn-ea"/>
                           <a:cs typeface="+mn-cs"/>
                         </a:rPr>
-                        <a:t>290,43</a:t>
+                        <a:t>290.43</a:t>
                       </a:r>
                       <a:endParaRPr lang="pt-PT" sz="1400" dirty="0"/>
                     </a:p>
@@ -16779,7 +17339,7 @@
                           <a:ea typeface="+mn-ea"/>
                           <a:cs typeface="+mn-cs"/>
                         </a:rPr>
-                        <a:t>164,38</a:t>
+                        <a:t>164.38</a:t>
                       </a:r>
                       <a:endParaRPr lang="pt-PT" sz="1400" dirty="0"/>
                     </a:p>
@@ -16801,7 +17361,7 @@
                           <a:ea typeface="+mn-ea"/>
                           <a:cs typeface="+mn-cs"/>
                         </a:rPr>
-                        <a:t>14,26</a:t>
+                        <a:t>14.26</a:t>
                       </a:r>
                       <a:endParaRPr lang="pt-PT" sz="1400" dirty="0"/>
                     </a:p>
@@ -16823,7 +17383,7 @@
                           <a:ea typeface="+mn-ea"/>
                           <a:cs typeface="+mn-cs"/>
                         </a:rPr>
-                        <a:t>140,35</a:t>
+                        <a:t>140.35</a:t>
                       </a:r>
                       <a:endParaRPr lang="pt-PT" sz="1400" dirty="0"/>
                     </a:p>
@@ -16845,7 +17405,7 @@
                           <a:ea typeface="+mn-ea"/>
                           <a:cs typeface="+mn-cs"/>
                         </a:rPr>
-                        <a:t>9,9223</a:t>
+                        <a:t>9.9223</a:t>
                       </a:r>
                       <a:endParaRPr lang="pt-PT" sz="1400" dirty="0"/>
                     </a:p>
@@ -18022,6 +18582,15 @@
 </file>
 
 <file path=customXml/item2.xml><?xml version="1.0" encoding="utf-8"?>
+<?mso-contentType ?>
+<FormTemplates xmlns="http://schemas.microsoft.com/sharepoint/v3/contenttype/forms">
+  <Display>DocumentLibraryForm</Display>
+  <Edit>AssetEditForm</Edit>
+  <New>DocumentLibraryForm</New>
+</FormTemplates>
+</file>
+
+<file path=customXml/item3.xml><?xml version="1.0" encoding="utf-8"?>
 <ct:contentTypeSchema xmlns:ct="http://schemas.microsoft.com/office/2006/metadata/contentType" xmlns:ma="http://schemas.microsoft.com/office/2006/metadata/properties/metaAttributes" ct:_="" ma:_="" ma:contentTypeName="TemplateFile" ma:contentTypeID="0x0101006EDDDB5EE6D98C44930B742096920B300400F5B6D36B3EF94B4E9A635CDF2A18F5B8" ma:contentTypeVersion="72" ma:contentTypeDescription="Create a new document." ma:contentTypeScope="" ma:versionID="a23e56308344d904b51738559c3d67c9">
   <xsd:schema xmlns:xsd="http://www.w3.org/2001/XMLSchema" xmlns:xs="http://www.w3.org/2001/XMLSchema" xmlns:p="http://schemas.microsoft.com/office/2006/metadata/properties" xmlns:ns2="4873beb7-5857-4685-be1f-d57550cc96cc" targetNamespace="http://schemas.microsoft.com/office/2006/metadata/properties" ma:root="true" ma:fieldsID="cd0908cc4600e77bf5da051303e00c8d" ns2:_="">
     <xsd:import namespace="4873beb7-5857-4685-be1f-d57550cc96cc"/>
@@ -19061,15 +19630,6 @@
 </ct:contentTypeSchema>
 </file>
 
-<file path=customXml/item3.xml><?xml version="1.0" encoding="utf-8"?>
-<?mso-contentType ?>
-<FormTemplates xmlns="http://schemas.microsoft.com/sharepoint/v3/contenttype/forms">
-  <Display>DocumentLibraryForm</Display>
-  <Edit>AssetEditForm</Edit>
-  <New>DocumentLibraryForm</New>
-</FormTemplates>
-</file>
-
 <file path=customXml/itemProps1.xml><?xml version="1.0" encoding="utf-8"?>
 <ds:datastoreItem xmlns:ds="http://schemas.openxmlformats.org/officeDocument/2006/customXml" ds:itemID="{60C67BEE-D13F-4BD2-98A5-34D8A0977F68}">
   <ds:schemaRefs>
@@ -19087,6 +19647,14 @@
 </file>
 
 <file path=customXml/itemProps2.xml><?xml version="1.0" encoding="utf-8"?>
+<ds:datastoreItem xmlns:ds="http://schemas.openxmlformats.org/officeDocument/2006/customXml" ds:itemID="{3836F65B-1B07-41EE-A0E8-BC6EF3855225}">
+  <ds:schemaRefs>
+    <ds:schemaRef ds:uri="http://schemas.microsoft.com/sharepoint/v3/contenttype/forms"/>
+  </ds:schemaRefs>
+</ds:datastoreItem>
+</file>
+
+<file path=customXml/itemProps3.xml><?xml version="1.0" encoding="utf-8"?>
 <ds:datastoreItem xmlns:ds="http://schemas.openxmlformats.org/officeDocument/2006/customXml" ds:itemID="{A09BF4D4-EF60-4196-BFC3-9462D607978C}">
   <ds:schemaRefs>
     <ds:schemaRef ds:uri="http://schemas.microsoft.com/office/2006/metadata/contentType"/>
@@ -19102,12 +19670,4 @@
     <ds:schemaRef ds:uri="http://schemas.microsoft.com/internal/obd"/>
   </ds:schemaRefs>
 </ds:datastoreItem>
-</file>
-
-<file path=customXml/itemProps3.xml><?xml version="1.0" encoding="utf-8"?>
-<ds:datastoreItem xmlns:ds="http://schemas.openxmlformats.org/officeDocument/2006/customXml" ds:itemID="{3836F65B-1B07-41EE-A0E8-BC6EF3855225}">
-  <ds:schemaRefs>
-    <ds:schemaRef ds:uri="http://schemas.microsoft.com/sharepoint/v3/contenttype/forms"/>
-  </ds:schemaRefs>
-</ds:datastoreItem>
 </file>